--- a/Slides 2020/8. 코드 분석 1.pptx
+++ b/Slides 2020/8. 코드 분석 1.pptx
@@ -9,18 +9,18 @@
   </p:notesMasterIdLst>
   <p:sldIdLst>
     <p:sldId id="344" r:id="rId2"/>
-    <p:sldId id="372" r:id="rId3"/>
-    <p:sldId id="462" r:id="rId4"/>
-    <p:sldId id="421" r:id="rId5"/>
-    <p:sldId id="424" r:id="rId6"/>
-    <p:sldId id="425" r:id="rId7"/>
-    <p:sldId id="427" r:id="rId8"/>
-    <p:sldId id="463" r:id="rId9"/>
-    <p:sldId id="464" r:id="rId10"/>
-    <p:sldId id="448" r:id="rId11"/>
-    <p:sldId id="449" r:id="rId12"/>
-    <p:sldId id="450" r:id="rId13"/>
-    <p:sldId id="447" r:id="rId14"/>
+    <p:sldId id="462" r:id="rId3"/>
+    <p:sldId id="898" r:id="rId4"/>
+    <p:sldId id="897" r:id="rId5"/>
+    <p:sldId id="421" r:id="rId6"/>
+    <p:sldId id="424" r:id="rId7"/>
+    <p:sldId id="425" r:id="rId8"/>
+    <p:sldId id="427" r:id="rId9"/>
+    <p:sldId id="463" r:id="rId10"/>
+    <p:sldId id="464" r:id="rId11"/>
+    <p:sldId id="448" r:id="rId12"/>
+    <p:sldId id="449" r:id="rId13"/>
+    <p:sldId id="450" r:id="rId14"/>
     <p:sldId id="436" r:id="rId15"/>
     <p:sldId id="437" r:id="rId16"/>
     <p:sldId id="451" r:id="rId17"/>
@@ -34,23 +34,23 @@
     <p:sldId id="452" r:id="rId25"/>
     <p:sldId id="466" r:id="rId26"/>
     <p:sldId id="438" r:id="rId27"/>
-    <p:sldId id="439" r:id="rId28"/>
-    <p:sldId id="440" r:id="rId29"/>
-    <p:sldId id="441" r:id="rId30"/>
-    <p:sldId id="442" r:id="rId31"/>
-    <p:sldId id="443" r:id="rId32"/>
-    <p:sldId id="446" r:id="rId33"/>
-    <p:sldId id="444" r:id="rId34"/>
-    <p:sldId id="461" r:id="rId35"/>
-    <p:sldId id="453" r:id="rId36"/>
-    <p:sldId id="456" r:id="rId37"/>
-    <p:sldId id="454" r:id="rId38"/>
-    <p:sldId id="455" r:id="rId39"/>
-    <p:sldId id="458" r:id="rId40"/>
-    <p:sldId id="457" r:id="rId41"/>
-    <p:sldId id="459" r:id="rId42"/>
-    <p:sldId id="460" r:id="rId43"/>
-    <p:sldId id="414" r:id="rId44"/>
+    <p:sldId id="447" r:id="rId28"/>
+    <p:sldId id="439" r:id="rId29"/>
+    <p:sldId id="440" r:id="rId30"/>
+    <p:sldId id="441" r:id="rId31"/>
+    <p:sldId id="442" r:id="rId32"/>
+    <p:sldId id="443" r:id="rId33"/>
+    <p:sldId id="446" r:id="rId34"/>
+    <p:sldId id="444" r:id="rId35"/>
+    <p:sldId id="461" r:id="rId36"/>
+    <p:sldId id="453" r:id="rId37"/>
+    <p:sldId id="456" r:id="rId38"/>
+    <p:sldId id="454" r:id="rId39"/>
+    <p:sldId id="455" r:id="rId40"/>
+    <p:sldId id="458" r:id="rId41"/>
+    <p:sldId id="457" r:id="rId42"/>
+    <p:sldId id="459" r:id="rId43"/>
+    <p:sldId id="460" r:id="rId44"/>
   </p:sldIdLst>
   <p:sldSz cx="9144000" cy="6858000" type="screen4x3"/>
   <p:notesSz cx="6858000" cy="9144000"/>
@@ -239,7 +239,7 @@
           <a:p>
             <a:fld id="{3A51E6CB-1B67-49CD-819C-CBD1F8F15839}" type="datetimeFigureOut">
               <a:rPr lang="ko-KR" altLang="en-US" smtClean="0"/>
-              <a:t>2019-11-30</a:t>
+              <a:t>2020-10-30</a:t>
             </a:fld>
             <a:endParaRPr lang="ko-KR" altLang="en-US"/>
           </a:p>
@@ -721,7 +721,7 @@
           <a:p>
             <a:fld id="{1EA80F27-E9B9-4A8E-9A59-01CCB3F43850}" type="datetime1">
               <a:rPr lang="ko-KR" altLang="en-US" smtClean="0"/>
-              <a:t>2019-11-30</a:t>
+              <a:t>2020-10-30</a:t>
             </a:fld>
             <a:endParaRPr lang="ko-KR" altLang="en-US"/>
           </a:p>
@@ -937,7 +937,7 @@
           <a:p>
             <a:fld id="{7E5363F8-22A8-407F-82B0-EFC1D1C22895}" type="datetime1">
               <a:rPr lang="ko-KR" altLang="en-US" smtClean="0"/>
-              <a:t>2019-11-30</a:t>
+              <a:t>2020-10-30</a:t>
             </a:fld>
             <a:endParaRPr lang="ko-KR" altLang="en-US"/>
           </a:p>
@@ -1117,7 +1117,7 @@
           <a:p>
             <a:fld id="{8187739B-8E74-4F06-BBD0-F6D670C1F7A1}" type="datetime1">
               <a:rPr lang="ko-KR" altLang="en-US" smtClean="0"/>
-              <a:t>2019-11-30</a:t>
+              <a:t>2020-10-30</a:t>
             </a:fld>
             <a:endParaRPr lang="ko-KR" altLang="en-US"/>
           </a:p>
@@ -1218,7 +1218,7 @@
           <a:p>
             <a:fld id="{170798F3-F6A9-4876-8D5A-30BE2843F4A2}" type="datetime1">
               <a:rPr lang="ko-KR" altLang="en-US" smtClean="0"/>
-              <a:t>2019-11-30</a:t>
+              <a:t>2020-10-30</a:t>
             </a:fld>
             <a:endParaRPr lang="ko-KR" altLang="en-US"/>
           </a:p>
@@ -1462,7 +1462,7 @@
           <a:p>
             <a:fld id="{947C39E4-F1C0-46F5-93CB-857C8C3AEB8D}" type="datetime1">
               <a:rPr lang="ko-KR" altLang="en-US" smtClean="0"/>
-              <a:t>2019-11-30</a:t>
+              <a:t>2020-10-30</a:t>
             </a:fld>
             <a:endParaRPr lang="ko-KR" altLang="en-US"/>
           </a:p>
@@ -1706,7 +1706,7 @@
           <a:p>
             <a:fld id="{7818271D-E6C7-4286-B2FD-D9AA53F1E428}" type="datetime1">
               <a:rPr lang="ko-KR" altLang="en-US" smtClean="0"/>
-              <a:t>2019-11-30</a:t>
+              <a:t>2020-10-30</a:t>
             </a:fld>
             <a:endParaRPr lang="ko-KR" altLang="en-US"/>
           </a:p>
@@ -1938,7 +1938,7 @@
           <a:p>
             <a:fld id="{8CE3C26B-F624-420D-BF9D-391E2E695B27}" type="datetime1">
               <a:rPr lang="ko-KR" altLang="en-US" smtClean="0"/>
-              <a:t>2019-11-30</a:t>
+              <a:t>2020-10-30</a:t>
             </a:fld>
             <a:endParaRPr lang="ko-KR" altLang="en-US"/>
           </a:p>
@@ -2305,7 +2305,7 @@
           <a:p>
             <a:fld id="{A1FC83CE-7AD5-4A20-9998-54C7F9F05545}" type="datetime1">
               <a:rPr lang="ko-KR" altLang="en-US" smtClean="0"/>
-              <a:t>2019-11-30</a:t>
+              <a:t>2020-10-30</a:t>
             </a:fld>
             <a:endParaRPr lang="ko-KR" altLang="en-US"/>
           </a:p>
@@ -2423,7 +2423,7 @@
           <a:p>
             <a:fld id="{3A3E22EA-EB96-4ADF-ABA9-A693E5F7BB1E}" type="datetime1">
               <a:rPr lang="ko-KR" altLang="en-US" smtClean="0"/>
-              <a:t>2019-11-30</a:t>
+              <a:t>2020-10-30</a:t>
             </a:fld>
             <a:endParaRPr lang="ko-KR" altLang="en-US"/>
           </a:p>
@@ -2518,7 +2518,7 @@
           <a:p>
             <a:fld id="{0D5BD961-86A8-440A-8C4E-52B6CA6FECED}" type="datetime1">
               <a:rPr lang="ko-KR" altLang="en-US" smtClean="0"/>
-              <a:t>2019-11-30</a:t>
+              <a:t>2020-10-30</a:t>
             </a:fld>
             <a:endParaRPr lang="ko-KR" altLang="en-US"/>
           </a:p>
@@ -2795,7 +2795,7 @@
           <a:p>
             <a:fld id="{CD151CC0-1347-483B-8708-01772054FA68}" type="datetime1">
               <a:rPr lang="ko-KR" altLang="en-US" smtClean="0"/>
-              <a:t>2019-11-30</a:t>
+              <a:t>2020-10-30</a:t>
             </a:fld>
             <a:endParaRPr lang="ko-KR" altLang="en-US"/>
           </a:p>
@@ -3052,7 +3052,7 @@
           <a:p>
             <a:fld id="{57185993-49E6-4096-BF26-930E741DA796}" type="datetime1">
               <a:rPr lang="ko-KR" altLang="en-US" smtClean="0"/>
-              <a:t>2019-11-30</a:t>
+              <a:t>2020-10-30</a:t>
             </a:fld>
             <a:endParaRPr lang="ko-KR" altLang="en-US"/>
           </a:p>
@@ -3268,7 +3268,7 @@
           <a:p>
             <a:fld id="{170798F3-F6A9-4876-8D5A-30BE2843F4A2}" type="datetime1">
               <a:rPr lang="ko-KR" altLang="en-US" smtClean="0"/>
-              <a:t>2019-11-30</a:t>
+              <a:t>2020-10-30</a:t>
             </a:fld>
             <a:endParaRPr lang="ko-KR" altLang="en-US"/>
           </a:p>
@@ -3947,10 +3947,10 @@
       </p:grpSpPr>
       <p:sp>
         <p:nvSpPr>
-          <p:cNvPr id="5" name="제목 4">
-            <a:extLst>
-              <a:ext uri="{FF2B5EF4-FFF2-40B4-BE49-F238E27FC236}">
-                <a16:creationId xmlns:a16="http://schemas.microsoft.com/office/drawing/2014/main" id="{A9B79EF1-96CC-4F82-AF87-5FB2AD434025}"/>
+          <p:cNvPr id="2" name="제목 1">
+            <a:extLst>
+              <a:ext uri="{FF2B5EF4-FFF2-40B4-BE49-F238E27FC236}">
+                <a16:creationId xmlns:a16="http://schemas.microsoft.com/office/drawing/2014/main" id="{1250BB45-EB62-4991-B86A-6F4B785D73CF}"/>
               </a:ext>
             </a:extLst>
           </p:cNvPr>
@@ -3967,40 +3967,238 @@
           <a:lstStyle/>
           <a:p>
             <a:r>
-              <a:rPr lang="ko-KR" altLang="en-US" dirty="0"/>
-              <a:t>윈도우 계산기 앱 수정</a:t>
-            </a:r>
-          </a:p>
-        </p:txBody>
-      </p:sp>
-      <p:sp>
-        <p:nvSpPr>
-          <p:cNvPr id="6" name="텍스트 개체 틀 5">
-            <a:extLst>
-              <a:ext uri="{FF2B5EF4-FFF2-40B4-BE49-F238E27FC236}">
-                <a16:creationId xmlns:a16="http://schemas.microsoft.com/office/drawing/2014/main" id="{1BFF2C73-9370-40B6-A445-A25DDAF6960A}"/>
-              </a:ext>
-            </a:extLst>
-          </p:cNvPr>
-          <p:cNvSpPr>
-            <a:spLocks noGrp="1"/>
-          </p:cNvSpPr>
-          <p:nvPr>
-            <p:ph type="body" idx="1"/>
-          </p:nvPr>
-        </p:nvSpPr>
-        <p:spPr/>
-        <p:txBody>
-          <a:bodyPr/>
-          <a:lstStyle/>
-          <a:p>
-            <a:r>
-              <a:rPr lang="en-US" altLang="ko-KR" sz="2000" dirty="0">
-                <a:hlinkClick r:id="rId2"/>
-              </a:rPr>
-              <a:t>https://github.com/microsoft/calculator</a:t>
-            </a:r>
-            <a:endParaRPr lang="ko-KR" altLang="en-US" sz="2000" dirty="0"/>
+              <a:rPr lang="en-US" altLang="ko-KR" dirty="0"/>
+              <a:t>3</a:t>
+            </a:r>
+            <a:r>
+              <a:rPr lang="ko-KR" altLang="en-US" dirty="0"/>
+              <a:t>단계</a:t>
+            </a:r>
+            <a:r>
+              <a:rPr lang="en-US" altLang="ko-KR" dirty="0"/>
+              <a:t>: </a:t>
+            </a:r>
+            <a:r>
+              <a:rPr lang="ko-KR" altLang="en-US" dirty="0"/>
+              <a:t>코드 분석</a:t>
+            </a:r>
+          </a:p>
+        </p:txBody>
+      </p:sp>
+      <p:sp>
+        <p:nvSpPr>
+          <p:cNvPr id="3" name="내용 개체 틀 2">
+            <a:extLst>
+              <a:ext uri="{FF2B5EF4-FFF2-40B4-BE49-F238E27FC236}">
+                <a16:creationId xmlns:a16="http://schemas.microsoft.com/office/drawing/2014/main" id="{DD33524E-D6AB-479D-A777-53A9BB9A14C7}"/>
+              </a:ext>
+            </a:extLst>
+          </p:cNvPr>
+          <p:cNvSpPr>
+            <a:spLocks noGrp="1"/>
+          </p:cNvSpPr>
+          <p:nvPr>
+            <p:ph idx="1"/>
+          </p:nvPr>
+        </p:nvSpPr>
+        <p:spPr>
+          <a:xfrm>
+            <a:off x="395535" y="1058566"/>
+            <a:ext cx="8632227" cy="5269953"/>
+          </a:xfrm>
+        </p:spPr>
+        <p:txBody>
+          <a:bodyPr/>
+          <a:lstStyle/>
+          <a:p>
+            <a:pPr marL="457200" indent="-457200">
+              <a:buFont typeface="+mj-lt"/>
+              <a:buAutoNum type="arabicPeriod" startAt="3"/>
+            </a:pPr>
+            <a:r>
+              <a:rPr lang="ko-KR" altLang="en-US" dirty="0"/>
+              <a:t>관련된 코드</a:t>
+            </a:r>
+            <a:r>
+              <a:rPr lang="en-US" altLang="ko-KR" dirty="0"/>
+              <a:t>, </a:t>
+            </a:r>
+            <a:r>
+              <a:rPr lang="ko-KR" altLang="en-US" dirty="0"/>
+              <a:t>컴포넌트와의 연관 관계를 파악</a:t>
+            </a:r>
+            <a:endParaRPr lang="en-US" altLang="ko-KR" dirty="0"/>
+          </a:p>
+          <a:p>
+            <a:pPr lvl="1"/>
+            <a:r>
+              <a:rPr lang="ko-KR" altLang="en-US" dirty="0"/>
+              <a:t>컴포넌트</a:t>
+            </a:r>
+            <a:r>
+              <a:rPr lang="en-US" altLang="ko-KR" dirty="0"/>
+              <a:t>, </a:t>
+            </a:r>
+            <a:r>
+              <a:rPr lang="ko-KR" altLang="en-US" dirty="0"/>
+              <a:t>함수들 간의 관계를 잘 분리해서 설계하지 않은 코드의 경우</a:t>
+            </a:r>
+            <a:r>
+              <a:rPr lang="en-US" altLang="ko-KR" dirty="0"/>
+              <a:t>, </a:t>
+            </a:r>
+            <a:r>
+              <a:rPr lang="ko-KR" altLang="en-US" dirty="0"/>
+              <a:t>해당 코드를 수정하면 다른 코드에 영향을 미치는 경우가 있음</a:t>
+            </a:r>
+            <a:endParaRPr lang="en-US" altLang="ko-KR" dirty="0"/>
+          </a:p>
+          <a:p>
+            <a:pPr lvl="1"/>
+            <a:r>
+              <a:rPr lang="ko-KR" altLang="en-US" dirty="0"/>
+              <a:t>전체 코드가 공유하는 자료 구조</a:t>
+            </a:r>
+            <a:r>
+              <a:rPr lang="en-US" altLang="ko-KR" dirty="0"/>
+              <a:t>, </a:t>
+            </a:r>
+            <a:r>
+              <a:rPr lang="ko-KR" altLang="en-US" dirty="0"/>
+              <a:t>전역 변수 등을 확인해야 함</a:t>
+            </a:r>
+            <a:endParaRPr lang="en-US" altLang="ko-KR" dirty="0"/>
+          </a:p>
+          <a:p>
+            <a:pPr marL="457200" indent="-457200">
+              <a:buFont typeface="+mj-lt"/>
+              <a:buAutoNum type="arabicPeriod" startAt="3"/>
+            </a:pPr>
+            <a:r>
+              <a:rPr lang="ko-KR" altLang="en-US" dirty="0"/>
+              <a:t>코드 수정</a:t>
+            </a:r>
+            <a:endParaRPr lang="en-US" altLang="ko-KR" dirty="0"/>
+          </a:p>
+          <a:p>
+            <a:pPr lvl="1"/>
+            <a:r>
+              <a:rPr lang="ko-KR" altLang="en-US" dirty="0"/>
+              <a:t>수정하고자 하는 기능의 형태</a:t>
+            </a:r>
+            <a:r>
+              <a:rPr lang="en-US" altLang="ko-KR" dirty="0"/>
+              <a:t>, </a:t>
+            </a:r>
+            <a:r>
+              <a:rPr lang="ko-KR" altLang="en-US" dirty="0"/>
+              <a:t>동작을 설계하고</a:t>
+            </a:r>
+            <a:r>
+              <a:rPr lang="en-US" altLang="ko-KR" dirty="0"/>
+              <a:t>,</a:t>
+            </a:r>
+          </a:p>
+          <a:p>
+            <a:pPr lvl="1"/>
+            <a:r>
+              <a:rPr lang="en-US" altLang="ko-KR" dirty="0"/>
+              <a:t>Divide &amp; Conquer </a:t>
+            </a:r>
+            <a:r>
+              <a:rPr lang="ko-KR" altLang="en-US" dirty="0"/>
+              <a:t>방식으로 진행할 수 있도록 구현의 단계를 세분화</a:t>
+            </a:r>
+            <a:endParaRPr lang="en-US" altLang="ko-KR" dirty="0"/>
+          </a:p>
+          <a:p>
+            <a:pPr lvl="1"/>
+            <a:r>
+              <a:rPr lang="ko-KR" altLang="en-US" dirty="0"/>
+              <a:t>한 단계씩 진행하며 반드시 필요한 테스트들을 진행</a:t>
+            </a:r>
+            <a:endParaRPr lang="en-US" altLang="ko-KR" dirty="0"/>
+          </a:p>
+          <a:p>
+            <a:pPr lvl="1"/>
+            <a:r>
+              <a:rPr lang="ko-KR" altLang="en-US" dirty="0"/>
+              <a:t>기존 코드 내용을 수정할 경우</a:t>
+            </a:r>
+            <a:r>
+              <a:rPr lang="en-US" altLang="ko-KR" dirty="0"/>
+              <a:t>, </a:t>
+            </a:r>
+            <a:r>
+              <a:rPr lang="ko-KR" altLang="en-US" dirty="0"/>
+              <a:t>최소한 주석 처리를 </a:t>
+            </a:r>
+            <a:r>
+              <a:rPr lang="ko-KR" altLang="en-US" dirty="0" err="1"/>
+              <a:t>해두거나</a:t>
+            </a:r>
+            <a:r>
+              <a:rPr lang="en-US" altLang="ko-KR" dirty="0"/>
+              <a:t>, </a:t>
+            </a:r>
+            <a:br>
+              <a:rPr lang="en-US" altLang="ko-KR" dirty="0"/>
+            </a:br>
+            <a:r>
+              <a:rPr lang="en-US" altLang="ko-KR" dirty="0"/>
+              <a:t>#ifdef</a:t>
+            </a:r>
+            <a:r>
+              <a:rPr lang="ko-KR" altLang="en-US" dirty="0"/>
+              <a:t> 와 같은 </a:t>
+            </a:r>
+            <a:r>
+              <a:rPr lang="ko-KR" altLang="en-US" dirty="0" err="1"/>
+              <a:t>전처리</a:t>
+            </a:r>
+            <a:r>
+              <a:rPr lang="ko-KR" altLang="en-US" dirty="0"/>
+              <a:t> 명령을 이용해 </a:t>
+            </a:r>
+            <a:br>
+              <a:rPr lang="en-US" altLang="ko-KR" dirty="0"/>
+            </a:br>
+            <a:r>
+              <a:rPr lang="ko-KR" altLang="en-US" dirty="0"/>
+              <a:t>수정한 부분을 기존 코드와 분리할 것</a:t>
+            </a:r>
+            <a:endParaRPr lang="en-US" altLang="ko-KR" dirty="0"/>
+          </a:p>
+          <a:p>
+            <a:pPr lvl="1"/>
+            <a:r>
+              <a:rPr lang="ko-KR" altLang="en-US" dirty="0"/>
+              <a:t>해당 프로젝트의 </a:t>
+            </a:r>
+            <a:r>
+              <a:rPr lang="en-US" altLang="ko-KR" dirty="0"/>
+              <a:t>code convention </a:t>
+            </a:r>
+            <a:r>
+              <a:rPr lang="ko-KR" altLang="en-US" dirty="0"/>
+              <a:t>을 잘 확인하고</a:t>
+            </a:r>
+            <a:r>
+              <a:rPr lang="en-US" altLang="ko-KR" dirty="0"/>
+              <a:t>, </a:t>
+            </a:r>
+            <a:r>
+              <a:rPr lang="ko-KR" altLang="en-US" dirty="0"/>
+              <a:t>그에 따라 진행할 것</a:t>
+            </a:r>
+            <a:endParaRPr lang="en-US" altLang="ko-KR" dirty="0"/>
+          </a:p>
+          <a:p>
+            <a:pPr lvl="1"/>
+            <a:endParaRPr lang="ko-KR" altLang="en-US" dirty="0"/>
+          </a:p>
+          <a:p>
+            <a:endParaRPr lang="ko-KR" altLang="en-US" dirty="0"/>
           </a:p>
         </p:txBody>
       </p:sp>
@@ -4009,7 +4207,7 @@
           <p:cNvPr id="4" name="슬라이드 번호 개체 틀 3">
             <a:extLst>
               <a:ext uri="{FF2B5EF4-FFF2-40B4-BE49-F238E27FC236}">
-                <a16:creationId xmlns:a16="http://schemas.microsoft.com/office/drawing/2014/main" id="{6526787F-27EE-40FA-A36B-C8949EFE249B}"/>
+                <a16:creationId xmlns:a16="http://schemas.microsoft.com/office/drawing/2014/main" id="{99781D9A-F1A3-434E-90F9-865915D5E90C}"/>
               </a:ext>
             </a:extLst>
           </p:cNvPr>
@@ -4036,7 +4234,7 @@
     </p:spTree>
     <p:extLst>
       <p:ext uri="{BB962C8B-B14F-4D97-AF65-F5344CB8AC3E}">
-        <p14:creationId xmlns:p14="http://schemas.microsoft.com/office/powerpoint/2010/main" val="2470706500"/>
+        <p14:creationId xmlns:p14="http://schemas.microsoft.com/office/powerpoint/2010/main" val="3134560176"/>
       </p:ext>
     </p:extLst>
   </p:cSld>
@@ -4068,7 +4266,7 @@
           <p:cNvPr id="5" name="제목 4">
             <a:extLst>
               <a:ext uri="{FF2B5EF4-FFF2-40B4-BE49-F238E27FC236}">
-                <a16:creationId xmlns:a16="http://schemas.microsoft.com/office/drawing/2014/main" id="{8FABE75B-D926-46B5-B7B0-32E0906633C9}"/>
+                <a16:creationId xmlns:a16="http://schemas.microsoft.com/office/drawing/2014/main" id="{A9B79EF1-96CC-4F82-AF87-5FB2AD434025}"/>
               </a:ext>
             </a:extLst>
           </p:cNvPr>
@@ -4086,8 +4284,53 @@
           <a:p>
             <a:r>
               <a:rPr lang="ko-KR" altLang="en-US" dirty="0"/>
-              <a:t>계산기 앱</a:t>
-            </a:r>
+              <a:t>코드 분석 실습</a:t>
+            </a:r>
+            <a:r>
+              <a:rPr lang="en-US" altLang="ko-KR" dirty="0"/>
+              <a:t>: </a:t>
+            </a:r>
+            <a:br>
+              <a:rPr lang="en-US" altLang="ko-KR" dirty="0"/>
+            </a:br>
+            <a:br>
+              <a:rPr lang="en-US" altLang="ko-KR" dirty="0"/>
+            </a:br>
+            <a:r>
+              <a:rPr lang="ko-KR" altLang="en-US" dirty="0"/>
+              <a:t>윈도우 계산기 앱 수정</a:t>
+            </a:r>
+          </a:p>
+        </p:txBody>
+      </p:sp>
+      <p:sp>
+        <p:nvSpPr>
+          <p:cNvPr id="6" name="텍스트 개체 틀 5">
+            <a:extLst>
+              <a:ext uri="{FF2B5EF4-FFF2-40B4-BE49-F238E27FC236}">
+                <a16:creationId xmlns:a16="http://schemas.microsoft.com/office/drawing/2014/main" id="{1BFF2C73-9370-40B6-A445-A25DDAF6960A}"/>
+              </a:ext>
+            </a:extLst>
+          </p:cNvPr>
+          <p:cNvSpPr>
+            <a:spLocks noGrp="1"/>
+          </p:cNvSpPr>
+          <p:nvPr>
+            <p:ph type="body" idx="1"/>
+          </p:nvPr>
+        </p:nvSpPr>
+        <p:spPr/>
+        <p:txBody>
+          <a:bodyPr/>
+          <a:lstStyle/>
+          <a:p>
+            <a:r>
+              <a:rPr lang="en-US" altLang="ko-KR" sz="2000" dirty="0">
+                <a:hlinkClick r:id="rId2"/>
+              </a:rPr>
+              <a:t>https://github.com/microsoft/calculator</a:t>
+            </a:r>
+            <a:endParaRPr lang="ko-KR" altLang="en-US" sz="2000" dirty="0"/>
           </a:p>
         </p:txBody>
       </p:sp>
@@ -4096,7 +4339,7 @@
           <p:cNvPr id="4" name="슬라이드 번호 개체 틀 3">
             <a:extLst>
               <a:ext uri="{FF2B5EF4-FFF2-40B4-BE49-F238E27FC236}">
-                <a16:creationId xmlns:a16="http://schemas.microsoft.com/office/drawing/2014/main" id="{EB24B32A-E0F5-4D99-9878-544D5DD33F9E}"/>
+                <a16:creationId xmlns:a16="http://schemas.microsoft.com/office/drawing/2014/main" id="{6526787F-27EE-40FA-A36B-C8949EFE249B}"/>
               </a:ext>
             </a:extLst>
           </p:cNvPr>
@@ -4115,6 +4358,93 @@
             <a:fld id="{64F0D409-D3F6-4EEC-8C77-1F5E89989FFB}" type="slidenum">
               <a:rPr lang="ko-KR" altLang="en-US" smtClean="0"/>
               <a:t>11</a:t>
+            </a:fld>
+            <a:endParaRPr lang="ko-KR" altLang="en-US"/>
+          </a:p>
+        </p:txBody>
+      </p:sp>
+    </p:spTree>
+    <p:extLst>
+      <p:ext uri="{BB962C8B-B14F-4D97-AF65-F5344CB8AC3E}">
+        <p14:creationId xmlns:p14="http://schemas.microsoft.com/office/powerpoint/2010/main" val="2470706500"/>
+      </p:ext>
+    </p:extLst>
+  </p:cSld>
+  <p:clrMapOvr>
+    <a:masterClrMapping/>
+  </p:clrMapOvr>
+</p:sld>
+</file>
+
+<file path=ppt/slides/slide12.xml><?xml version="1.0" encoding="utf-8"?>
+<p:sld xmlns:a="http://schemas.openxmlformats.org/drawingml/2006/main" xmlns:r="http://schemas.openxmlformats.org/officeDocument/2006/relationships" xmlns:p="http://schemas.openxmlformats.org/presentationml/2006/main">
+  <p:cSld>
+    <p:spTree>
+      <p:nvGrpSpPr>
+        <p:cNvPr id="1" name=""/>
+        <p:cNvGrpSpPr/>
+        <p:nvPr/>
+      </p:nvGrpSpPr>
+      <p:grpSpPr>
+        <a:xfrm>
+          <a:off x="0" y="0"/>
+          <a:ext cx="0" cy="0"/>
+          <a:chOff x="0" y="0"/>
+          <a:chExt cx="0" cy="0"/>
+        </a:xfrm>
+      </p:grpSpPr>
+      <p:sp>
+        <p:nvSpPr>
+          <p:cNvPr id="5" name="제목 4">
+            <a:extLst>
+              <a:ext uri="{FF2B5EF4-FFF2-40B4-BE49-F238E27FC236}">
+                <a16:creationId xmlns:a16="http://schemas.microsoft.com/office/drawing/2014/main" id="{8FABE75B-D926-46B5-B7B0-32E0906633C9}"/>
+              </a:ext>
+            </a:extLst>
+          </p:cNvPr>
+          <p:cNvSpPr>
+            <a:spLocks noGrp="1"/>
+          </p:cNvSpPr>
+          <p:nvPr>
+            <p:ph type="title"/>
+          </p:nvPr>
+        </p:nvSpPr>
+        <p:spPr/>
+        <p:txBody>
+          <a:bodyPr/>
+          <a:lstStyle/>
+          <a:p>
+            <a:r>
+              <a:rPr lang="ko-KR" altLang="en-US" dirty="0"/>
+              <a:t>계산기 앱</a:t>
+            </a:r>
+          </a:p>
+        </p:txBody>
+      </p:sp>
+      <p:sp>
+        <p:nvSpPr>
+          <p:cNvPr id="4" name="슬라이드 번호 개체 틀 3">
+            <a:extLst>
+              <a:ext uri="{FF2B5EF4-FFF2-40B4-BE49-F238E27FC236}">
+                <a16:creationId xmlns:a16="http://schemas.microsoft.com/office/drawing/2014/main" id="{EB24B32A-E0F5-4D99-9878-544D5DD33F9E}"/>
+              </a:ext>
+            </a:extLst>
+          </p:cNvPr>
+          <p:cNvSpPr>
+            <a:spLocks noGrp="1"/>
+          </p:cNvSpPr>
+          <p:nvPr>
+            <p:ph type="sldNum" sz="quarter" idx="12"/>
+          </p:nvPr>
+        </p:nvSpPr>
+        <p:spPr/>
+        <p:txBody>
+          <a:bodyPr/>
+          <a:lstStyle/>
+          <a:p>
+            <a:fld id="{64F0D409-D3F6-4EEC-8C77-1F5E89989FFB}" type="slidenum">
+              <a:rPr lang="ko-KR" altLang="en-US" smtClean="0"/>
+              <a:t>12</a:t>
             </a:fld>
             <a:endParaRPr lang="ko-KR" altLang="en-US"/>
           </a:p>
@@ -4165,283 +4495,6 @@
 </p:sld>
 </file>
 
-<file path=ppt/slides/slide12.xml><?xml version="1.0" encoding="utf-8"?>
-<p:sld xmlns:a="http://schemas.openxmlformats.org/drawingml/2006/main" xmlns:r="http://schemas.openxmlformats.org/officeDocument/2006/relationships" xmlns:p="http://schemas.openxmlformats.org/presentationml/2006/main">
-  <p:cSld>
-    <p:spTree>
-      <p:nvGrpSpPr>
-        <p:cNvPr id="1" name=""/>
-        <p:cNvGrpSpPr/>
-        <p:nvPr/>
-      </p:nvGrpSpPr>
-      <p:grpSpPr>
-        <a:xfrm>
-          <a:off x="0" y="0"/>
-          <a:ext cx="0" cy="0"/>
-          <a:chOff x="0" y="0"/>
-          <a:chExt cx="0" cy="0"/>
-        </a:xfrm>
-      </p:grpSpPr>
-      <p:sp>
-        <p:nvSpPr>
-          <p:cNvPr id="2" name="제목 1">
-            <a:extLst>
-              <a:ext uri="{FF2B5EF4-FFF2-40B4-BE49-F238E27FC236}">
-                <a16:creationId xmlns:a16="http://schemas.microsoft.com/office/drawing/2014/main" id="{7FE7C7A1-D888-4566-8A38-9BF2777F7966}"/>
-              </a:ext>
-            </a:extLst>
-          </p:cNvPr>
-          <p:cNvSpPr>
-            <a:spLocks noGrp="1"/>
-          </p:cNvSpPr>
-          <p:nvPr>
-            <p:ph type="title"/>
-          </p:nvPr>
-        </p:nvSpPr>
-        <p:spPr/>
-        <p:txBody>
-          <a:bodyPr/>
-          <a:lstStyle/>
-          <a:p>
-            <a:r>
-              <a:rPr lang="ko-KR" altLang="en-US" dirty="0"/>
-              <a:t>계산기 앱</a:t>
-            </a:r>
-          </a:p>
-        </p:txBody>
-      </p:sp>
-      <p:sp>
-        <p:nvSpPr>
-          <p:cNvPr id="3" name="내용 개체 틀 2">
-            <a:extLst>
-              <a:ext uri="{FF2B5EF4-FFF2-40B4-BE49-F238E27FC236}">
-                <a16:creationId xmlns:a16="http://schemas.microsoft.com/office/drawing/2014/main" id="{4C4F934E-058B-45FF-B090-D5944DA9DD38}"/>
-              </a:ext>
-            </a:extLst>
-          </p:cNvPr>
-          <p:cNvSpPr>
-            <a:spLocks noGrp="1"/>
-          </p:cNvSpPr>
-          <p:nvPr>
-            <p:ph idx="1"/>
-          </p:nvPr>
-        </p:nvSpPr>
-        <p:spPr/>
-        <p:txBody>
-          <a:bodyPr/>
-          <a:lstStyle/>
-          <a:p>
-            <a:r>
-              <a:rPr lang="ko-KR" altLang="en-US" dirty="0"/>
-              <a:t>프로그래머의 친구</a:t>
-            </a:r>
-            <a:r>
-              <a:rPr lang="en-US" altLang="ko-KR" dirty="0"/>
-              <a:t>, </a:t>
-            </a:r>
-            <a:r>
-              <a:rPr lang="ko-KR" altLang="en-US" dirty="0"/>
-              <a:t>계산기</a:t>
-            </a:r>
-            <a:r>
-              <a:rPr lang="en-US" altLang="ko-KR" dirty="0"/>
-              <a:t>!</a:t>
-            </a:r>
-          </a:p>
-          <a:p>
-            <a:pPr lvl="1"/>
-            <a:r>
-              <a:rPr lang="en-US" altLang="ko-KR" dirty="0"/>
-              <a:t>Window key + R, Calc</a:t>
-            </a:r>
-          </a:p>
-          <a:p>
-            <a:r>
-              <a:rPr lang="en-US" altLang="ko-KR" dirty="0"/>
-              <a:t>2019</a:t>
-            </a:r>
-            <a:r>
-              <a:rPr lang="ko-KR" altLang="en-US" dirty="0"/>
-              <a:t>년 </a:t>
-            </a:r>
-            <a:r>
-              <a:rPr lang="en-US" altLang="ko-KR" dirty="0"/>
-              <a:t>3</a:t>
-            </a:r>
-            <a:r>
-              <a:rPr lang="ko-KR" altLang="en-US" dirty="0"/>
-              <a:t>월 </a:t>
-            </a:r>
-            <a:r>
-              <a:rPr lang="en-US" altLang="ko-KR" dirty="0"/>
-              <a:t>GitHub</a:t>
-            </a:r>
-            <a:r>
-              <a:rPr lang="ko-KR" altLang="en-US" dirty="0"/>
-              <a:t>에 공개되어 활발하게 진행 중</a:t>
-            </a:r>
-            <a:endParaRPr lang="en-US" altLang="ko-KR" dirty="0"/>
-          </a:p>
-          <a:p>
-            <a:pPr lvl="1"/>
-            <a:r>
-              <a:rPr lang="en-US" altLang="ko-KR" dirty="0"/>
-              <a:t>18K</a:t>
-            </a:r>
-            <a:r>
-              <a:rPr lang="ko-KR" altLang="en-US" dirty="0"/>
-              <a:t> </a:t>
-            </a:r>
-            <a:r>
-              <a:rPr lang="en-US" altLang="ko-KR" dirty="0"/>
-              <a:t>Star, 3K Fork: </a:t>
-            </a:r>
-            <a:r>
-              <a:rPr lang="ko-KR" altLang="en-US" dirty="0"/>
-              <a:t>높은 인기</a:t>
-            </a:r>
-            <a:endParaRPr lang="en-US" altLang="ko-KR" dirty="0"/>
-          </a:p>
-          <a:p>
-            <a:pPr lvl="1"/>
-            <a:r>
-              <a:rPr lang="en-US" altLang="ko-KR" dirty="0"/>
-              <a:t>52</a:t>
-            </a:r>
-            <a:r>
-              <a:rPr lang="ko-KR" altLang="en-US" dirty="0"/>
-              <a:t>명의 </a:t>
-            </a:r>
-            <a:r>
-              <a:rPr lang="en-US" altLang="ko-KR" dirty="0"/>
-              <a:t>Contributor, </a:t>
-            </a:r>
-            <a:r>
-              <a:rPr lang="ko-KR" altLang="en-US" dirty="0"/>
-              <a:t>그 중 </a:t>
-            </a:r>
-            <a:r>
-              <a:rPr lang="en-US" altLang="ko-KR" dirty="0"/>
-              <a:t>6-8</a:t>
-            </a:r>
-            <a:r>
-              <a:rPr lang="ko-KR" altLang="en-US" dirty="0"/>
-              <a:t>명 정도가 활발히 활동 중</a:t>
-            </a:r>
-            <a:endParaRPr lang="en-US" altLang="ko-KR" dirty="0"/>
-          </a:p>
-          <a:p>
-            <a:pPr lvl="1"/>
-            <a:r>
-              <a:rPr lang="ko-KR" altLang="en-US" dirty="0"/>
-              <a:t>이슈</a:t>
-            </a:r>
-            <a:r>
-              <a:rPr lang="en-US" altLang="ko-KR" dirty="0"/>
-              <a:t>, Pull Request</a:t>
-            </a:r>
-            <a:r>
-              <a:rPr lang="ko-KR" altLang="en-US" dirty="0"/>
-              <a:t>도 상당수</a:t>
-            </a:r>
-            <a:endParaRPr lang="en-US" altLang="ko-KR" dirty="0"/>
-          </a:p>
-          <a:p>
-            <a:pPr lvl="1"/>
-            <a:r>
-              <a:rPr lang="en-US" altLang="ko-KR" dirty="0"/>
-              <a:t>Documentation </a:t>
-            </a:r>
-            <a:r>
-              <a:rPr lang="ko-KR" altLang="en-US" dirty="0"/>
-              <a:t>도 충실하고</a:t>
-            </a:r>
-            <a:r>
-              <a:rPr lang="en-US" altLang="ko-KR" dirty="0"/>
-              <a:t>, PR Guideline </a:t>
-            </a:r>
-            <a:r>
-              <a:rPr lang="ko-KR" altLang="en-US" dirty="0"/>
-              <a:t>등도 상세히 제시함</a:t>
-            </a:r>
-            <a:endParaRPr lang="en-US" altLang="ko-KR" dirty="0"/>
-          </a:p>
-          <a:p>
-            <a:pPr lvl="1"/>
-            <a:r>
-              <a:rPr lang="ko-KR" altLang="en-US" dirty="0"/>
-              <a:t>모두가 사용하며</a:t>
-            </a:r>
-            <a:r>
-              <a:rPr lang="en-US" altLang="ko-KR" dirty="0"/>
-              <a:t>, </a:t>
-            </a:r>
-            <a:r>
-              <a:rPr lang="ko-KR" altLang="en-US" dirty="0"/>
-              <a:t>어렵지 않고</a:t>
-            </a:r>
-            <a:r>
-              <a:rPr lang="en-US" altLang="ko-KR" dirty="0"/>
-              <a:t>, </a:t>
-            </a:r>
-            <a:r>
-              <a:rPr lang="ko-KR" altLang="en-US" dirty="0"/>
-              <a:t>빌드 부담도 적어 접근하기 좋음</a:t>
-            </a:r>
-            <a:endParaRPr lang="en-US" altLang="ko-KR" dirty="0"/>
-          </a:p>
-          <a:p>
-            <a:pPr lvl="1"/>
-            <a:r>
-              <a:rPr lang="ko-KR" altLang="en-US" dirty="0"/>
-              <a:t>모범적으로 운영 중인 프로젝트</a:t>
-            </a:r>
-            <a:endParaRPr lang="en-US" altLang="ko-KR" dirty="0"/>
-          </a:p>
-        </p:txBody>
-      </p:sp>
-      <p:sp>
-        <p:nvSpPr>
-          <p:cNvPr id="4" name="슬라이드 번호 개체 틀 3">
-            <a:extLst>
-              <a:ext uri="{FF2B5EF4-FFF2-40B4-BE49-F238E27FC236}">
-                <a16:creationId xmlns:a16="http://schemas.microsoft.com/office/drawing/2014/main" id="{152C4A51-8167-4F48-BBD3-635F4ADCA78E}"/>
-              </a:ext>
-            </a:extLst>
-          </p:cNvPr>
-          <p:cNvSpPr>
-            <a:spLocks noGrp="1"/>
-          </p:cNvSpPr>
-          <p:nvPr>
-            <p:ph type="sldNum" sz="quarter" idx="12"/>
-          </p:nvPr>
-        </p:nvSpPr>
-        <p:spPr/>
-        <p:txBody>
-          <a:bodyPr/>
-          <a:lstStyle/>
-          <a:p>
-            <a:fld id="{64F0D409-D3F6-4EEC-8C77-1F5E89989FFB}" type="slidenum">
-              <a:rPr lang="ko-KR" altLang="en-US" smtClean="0"/>
-              <a:t>12</a:t>
-            </a:fld>
-            <a:endParaRPr lang="ko-KR" altLang="en-US"/>
-          </a:p>
-        </p:txBody>
-      </p:sp>
-    </p:spTree>
-    <p:extLst>
-      <p:ext uri="{BB962C8B-B14F-4D97-AF65-F5344CB8AC3E}">
-        <p14:creationId xmlns:p14="http://schemas.microsoft.com/office/powerpoint/2010/main" val="4176122008"/>
-      </p:ext>
-    </p:extLst>
-  </p:cSld>
-  <p:clrMapOvr>
-    <a:masterClrMapping/>
-  </p:clrMapOvr>
-</p:sld>
-</file>
-
 <file path=ppt/slides/slide13.xml><?xml version="1.0" encoding="utf-8"?>
 <p:sld xmlns:a="http://schemas.openxmlformats.org/drawingml/2006/main" xmlns:r="http://schemas.openxmlformats.org/officeDocument/2006/relationships" xmlns:p="http://schemas.openxmlformats.org/presentationml/2006/main">
   <p:cSld>
@@ -4464,7 +4517,7 @@
           <p:cNvPr id="2" name="제목 1">
             <a:extLst>
               <a:ext uri="{FF2B5EF4-FFF2-40B4-BE49-F238E27FC236}">
-                <a16:creationId xmlns:a16="http://schemas.microsoft.com/office/drawing/2014/main" id="{B335ACF7-F24C-43F5-9702-D12AC1DD228A}"/>
+                <a16:creationId xmlns:a16="http://schemas.microsoft.com/office/drawing/2014/main" id="{7FE7C7A1-D888-4566-8A38-9BF2777F7966}"/>
               </a:ext>
             </a:extLst>
           </p:cNvPr>
@@ -4482,208 +4535,223 @@
           <a:p>
             <a:r>
               <a:rPr lang="ko-KR" altLang="en-US" dirty="0"/>
-              <a:t>첫 번째 시도</a:t>
+              <a:t>계산기 앱</a:t>
+            </a:r>
+          </a:p>
+        </p:txBody>
+      </p:sp>
+      <p:sp>
+        <p:nvSpPr>
+          <p:cNvPr id="3" name="내용 개체 틀 2">
+            <a:extLst>
+              <a:ext uri="{FF2B5EF4-FFF2-40B4-BE49-F238E27FC236}">
+                <a16:creationId xmlns:a16="http://schemas.microsoft.com/office/drawing/2014/main" id="{4C4F934E-058B-45FF-B090-D5944DA9DD38}"/>
+              </a:ext>
+            </a:extLst>
+          </p:cNvPr>
+          <p:cNvSpPr>
+            <a:spLocks noGrp="1"/>
+          </p:cNvSpPr>
+          <p:nvPr>
+            <p:ph idx="1"/>
+          </p:nvPr>
+        </p:nvSpPr>
+        <p:spPr/>
+        <p:txBody>
+          <a:bodyPr/>
+          <a:lstStyle/>
+          <a:p>
+            <a:r>
+              <a:rPr lang="ko-KR" altLang="en-US" dirty="0"/>
+              <a:t>프로그래머의 친구</a:t>
             </a:r>
             <a:r>
               <a:rPr lang="en-US" altLang="ko-KR" dirty="0"/>
-              <a:t>: </a:t>
-            </a:r>
-            <a:r>
-              <a:rPr lang="ko-KR" altLang="en-US" dirty="0"/>
-              <a:t>실패</a:t>
-            </a:r>
-          </a:p>
-        </p:txBody>
-      </p:sp>
-      <p:sp>
-        <p:nvSpPr>
-          <p:cNvPr id="3" name="내용 개체 틀 2">
-            <a:extLst>
-              <a:ext uri="{FF2B5EF4-FFF2-40B4-BE49-F238E27FC236}">
-                <a16:creationId xmlns:a16="http://schemas.microsoft.com/office/drawing/2014/main" id="{5E3249C9-3712-489C-AEE0-570DABCDA180}"/>
-              </a:ext>
-            </a:extLst>
-          </p:cNvPr>
-          <p:cNvSpPr>
-            <a:spLocks noGrp="1"/>
-          </p:cNvSpPr>
-          <p:nvPr>
-            <p:ph idx="1"/>
-          </p:nvPr>
-        </p:nvSpPr>
-        <p:spPr/>
-        <p:txBody>
-          <a:bodyPr/>
-          <a:lstStyle/>
-          <a:p>
-            <a:r>
-              <a:rPr lang="ko-KR" altLang="en-US" sz="2000" dirty="0"/>
-              <a:t>더하기를 수행하면 빼기가 수행되게 수정</a:t>
-            </a:r>
-            <a:endParaRPr lang="en-US" altLang="ko-KR" sz="2000" dirty="0"/>
+              <a:t>, </a:t>
+            </a:r>
+            <a:r>
+              <a:rPr lang="ko-KR" altLang="en-US" dirty="0"/>
+              <a:t>계산기</a:t>
+            </a:r>
+            <a:r>
+              <a:rPr lang="en-US" altLang="ko-KR" dirty="0"/>
+              <a:t>!</a:t>
+            </a:r>
           </a:p>
           <a:p>
             <a:pPr lvl="1"/>
             <a:r>
-              <a:rPr lang="ko-KR" altLang="en-US" sz="1800" dirty="0"/>
-              <a:t>처음에는 단순히 </a:t>
-            </a:r>
-            <a:r>
-              <a:rPr lang="en-US" altLang="ko-KR" sz="1800" dirty="0"/>
-              <a:t>+ </a:t>
-            </a:r>
-            <a:r>
-              <a:rPr lang="ko-KR" altLang="en-US" sz="1800" dirty="0"/>
-              <a:t>연산자를 사용해 계산하고 결과를 보여주리라 예상</a:t>
-            </a:r>
-            <a:endParaRPr lang="en-US" altLang="ko-KR" sz="1800" dirty="0"/>
+              <a:rPr lang="en-US" altLang="ko-KR" dirty="0"/>
+              <a:t>Window key + R, Calc</a:t>
+            </a:r>
+          </a:p>
+          <a:p>
+            <a:r>
+              <a:rPr lang="en-US" altLang="ko-KR" dirty="0"/>
+              <a:t>2019</a:t>
+            </a:r>
+            <a:r>
+              <a:rPr lang="ko-KR" altLang="en-US" dirty="0"/>
+              <a:t>년 </a:t>
+            </a:r>
+            <a:r>
+              <a:rPr lang="en-US" altLang="ko-KR" dirty="0"/>
+              <a:t>3</a:t>
+            </a:r>
+            <a:r>
+              <a:rPr lang="ko-KR" altLang="en-US" dirty="0"/>
+              <a:t>월 </a:t>
+            </a:r>
+            <a:r>
+              <a:rPr lang="en-US" altLang="ko-KR" dirty="0"/>
+              <a:t>GitHub</a:t>
+            </a:r>
+            <a:r>
+              <a:rPr lang="ko-KR" altLang="en-US" dirty="0"/>
+              <a:t>에 공개되어 활발하게 진행 중</a:t>
+            </a:r>
+            <a:endParaRPr lang="en-US" altLang="ko-KR" dirty="0"/>
           </a:p>
           <a:p>
             <a:pPr lvl="1"/>
             <a:r>
-              <a:rPr lang="ko-KR" altLang="en-US" sz="1800" dirty="0"/>
-              <a:t>실제 확인해보니 각 자릿수 별로 더하기를 수행하여 최종 결과 도출</a:t>
-            </a:r>
-            <a:br>
-              <a:rPr lang="en-US" altLang="ko-KR" sz="1800" dirty="0"/>
-            </a:br>
-            <a:r>
-              <a:rPr lang="en-US" altLang="ko-KR" sz="1800" dirty="0"/>
-              <a:t>(</a:t>
-            </a:r>
-            <a:r>
-              <a:rPr lang="ko-KR" altLang="en-US" sz="1800" dirty="0"/>
-              <a:t>대단히 큰 숫자의 연산을 위해서 이렇게 구현한 듯</a:t>
-            </a:r>
-            <a:r>
-              <a:rPr lang="en-US" altLang="ko-KR" sz="1800" dirty="0"/>
-              <a:t>)</a:t>
-            </a:r>
+              <a:rPr lang="en-US" altLang="ko-KR" dirty="0"/>
+              <a:t>18K</a:t>
+            </a:r>
+            <a:r>
+              <a:rPr lang="ko-KR" altLang="en-US" dirty="0"/>
+              <a:t> </a:t>
+            </a:r>
+            <a:r>
+              <a:rPr lang="en-US" altLang="ko-KR" dirty="0"/>
+              <a:t>Star, 3K Fork: </a:t>
+            </a:r>
+            <a:r>
+              <a:rPr lang="ko-KR" altLang="en-US" dirty="0"/>
+              <a:t>높은 인기</a:t>
+            </a:r>
+            <a:endParaRPr lang="en-US" altLang="ko-KR" dirty="0"/>
           </a:p>
           <a:p>
             <a:pPr lvl="1"/>
             <a:r>
-              <a:rPr lang="ko-KR" altLang="en-US" sz="1800" dirty="0"/>
-              <a:t>또한 빼기 연산을 위한 코드는 따로 없고</a:t>
-            </a:r>
-            <a:r>
-              <a:rPr lang="en-US" altLang="ko-KR" sz="1800" dirty="0"/>
+              <a:rPr lang="en-US" altLang="ko-KR" dirty="0"/>
+              <a:t>52</a:t>
+            </a:r>
+            <a:r>
+              <a:rPr lang="ko-KR" altLang="en-US" dirty="0"/>
+              <a:t>명의 </a:t>
+            </a:r>
+            <a:r>
+              <a:rPr lang="en-US" altLang="ko-KR" dirty="0"/>
+              <a:t>Contributor, </a:t>
+            </a:r>
+            <a:r>
+              <a:rPr lang="ko-KR" altLang="en-US" dirty="0"/>
+              <a:t>그 중 </a:t>
+            </a:r>
+            <a:r>
+              <a:rPr lang="en-US" altLang="ko-KR" dirty="0"/>
+              <a:t>6-8</a:t>
+            </a:r>
+            <a:r>
+              <a:rPr lang="ko-KR" altLang="en-US" dirty="0"/>
+              <a:t>명 정도가 활발히 활동 중</a:t>
+            </a:r>
+            <a:endParaRPr lang="en-US" altLang="ko-KR" dirty="0"/>
+          </a:p>
+          <a:p>
+            <a:pPr lvl="1"/>
+            <a:r>
+              <a:rPr lang="ko-KR" altLang="en-US" dirty="0"/>
+              <a:t>이슈</a:t>
+            </a:r>
+            <a:r>
+              <a:rPr lang="en-US" altLang="ko-KR" dirty="0"/>
+              <a:t>, Pull Request</a:t>
+            </a:r>
+            <a:r>
+              <a:rPr lang="ko-KR" altLang="en-US" dirty="0"/>
+              <a:t>도 상당수</a:t>
+            </a:r>
+            <a:endParaRPr lang="en-US" altLang="ko-KR" dirty="0"/>
+          </a:p>
+          <a:p>
+            <a:pPr lvl="1"/>
+            <a:r>
+              <a:rPr lang="en-US" altLang="ko-KR" dirty="0"/>
+              <a:t>Documentation </a:t>
+            </a:r>
+            <a:r>
+              <a:rPr lang="ko-KR" altLang="en-US" dirty="0"/>
+              <a:t>도 충실하고</a:t>
+            </a:r>
+            <a:r>
+              <a:rPr lang="en-US" altLang="ko-KR" dirty="0"/>
+              <a:t>, PR Guideline </a:t>
+            </a:r>
+            <a:r>
+              <a:rPr lang="ko-KR" altLang="en-US" dirty="0"/>
+              <a:t>등도 상세히 제시함</a:t>
+            </a:r>
+            <a:endParaRPr lang="en-US" altLang="ko-KR" dirty="0"/>
+          </a:p>
+          <a:p>
+            <a:pPr lvl="1"/>
+            <a:r>
+              <a:rPr lang="ko-KR" altLang="en-US" dirty="0"/>
+              <a:t>모두가 사용하며</a:t>
+            </a:r>
+            <a:r>
+              <a:rPr lang="en-US" altLang="ko-KR" dirty="0"/>
               <a:t>, </a:t>
             </a:r>
             <a:r>
-              <a:rPr lang="ko-KR" altLang="en-US" sz="1800" dirty="0"/>
-              <a:t>더하기 코드를 이용하며 </a:t>
-            </a:r>
-            <a:br>
-              <a:rPr lang="en-US" altLang="ko-KR" sz="1800" dirty="0"/>
-            </a:br>
-            <a:r>
-              <a:rPr lang="ko-KR" altLang="en-US" sz="1800" dirty="0"/>
-              <a:t>단순히 음수 양수 여부 </a:t>
-            </a:r>
-            <a:r>
-              <a:rPr lang="en-US" altLang="ko-KR" sz="1800" dirty="0"/>
-              <a:t>(sign </a:t>
-            </a:r>
-            <a:r>
-              <a:rPr lang="ko-KR" altLang="en-US" sz="1800" dirty="0"/>
-              <a:t>값</a:t>
-            </a:r>
-            <a:r>
-              <a:rPr lang="en-US" altLang="ko-KR" sz="1800" dirty="0"/>
-              <a:t>) </a:t>
-            </a:r>
-            <a:r>
-              <a:rPr lang="ko-KR" altLang="en-US" sz="1800" dirty="0"/>
-              <a:t>만 변경함</a:t>
-            </a:r>
-            <a:endParaRPr lang="en-US" altLang="ko-KR" sz="1800" dirty="0"/>
+              <a:rPr lang="ko-KR" altLang="en-US" dirty="0"/>
+              <a:t>어렵지 않고</a:t>
+            </a:r>
+            <a:r>
+              <a:rPr lang="en-US" altLang="ko-KR" dirty="0"/>
+              <a:t>, </a:t>
+            </a:r>
+            <a:r>
+              <a:rPr lang="ko-KR" altLang="en-US" dirty="0"/>
+              <a:t>빌드 부담도 적어 접근하기 좋음</a:t>
+            </a:r>
+            <a:endParaRPr lang="en-US" altLang="ko-KR" dirty="0"/>
           </a:p>
           <a:p>
             <a:pPr lvl="1"/>
             <a:r>
-              <a:rPr lang="ko-KR" altLang="en-US" sz="1800" dirty="0"/>
-              <a:t>최종적으로 더하기 연산에 대해 </a:t>
-            </a:r>
-            <a:r>
-              <a:rPr lang="en-US" altLang="ko-KR" sz="1800" dirty="0"/>
-              <a:t>sign </a:t>
-            </a:r>
-            <a:r>
-              <a:rPr lang="ko-KR" altLang="en-US" sz="1800" dirty="0"/>
-              <a:t>을 바꿔주는 방식으로 구현하려고 했음</a:t>
-            </a:r>
-            <a:endParaRPr lang="en-US" altLang="ko-KR" sz="2000" dirty="0"/>
-          </a:p>
-          <a:p>
-            <a:r>
-              <a:rPr lang="ko-KR" altLang="en-US" sz="2000" dirty="0"/>
-              <a:t>실패 원인</a:t>
-            </a:r>
-            <a:endParaRPr lang="en-US" altLang="ko-KR" sz="2000" dirty="0"/>
+              <a:rPr lang="ko-KR" altLang="en-US" dirty="0"/>
+              <a:t>모범적으로 운영 중인 프로젝트</a:t>
+            </a:r>
+            <a:endParaRPr lang="en-US" altLang="ko-KR" dirty="0"/>
+          </a:p>
+          <a:p>
+            <a:r>
+              <a:rPr lang="en-US" altLang="ko-KR" dirty="0">
+                <a:hlinkClick r:id="rId2"/>
+              </a:rPr>
+              <a:t>https://github.com/microsoft/calculator</a:t>
+            </a:r>
+            <a:endParaRPr lang="en-US" altLang="ko-KR" dirty="0"/>
           </a:p>
           <a:p>
             <a:pPr lvl="1"/>
             <a:r>
-              <a:rPr lang="ko-KR" altLang="en-US" sz="1800" dirty="0"/>
-              <a:t>내부적으로 더하기 연산을 초기화 과정에 이용함</a:t>
-            </a:r>
-            <a:endParaRPr lang="en-US" altLang="ko-KR" sz="1800" dirty="0"/>
-          </a:p>
-          <a:p>
-            <a:pPr lvl="1"/>
-            <a:r>
-              <a:rPr lang="ko-KR" altLang="en-US" sz="1800" dirty="0"/>
-              <a:t>더하기를 빼기로 바꾸었더니 초기화가 완료되지 않음</a:t>
-            </a:r>
-            <a:endParaRPr lang="en-US" altLang="ko-KR" sz="1800" dirty="0"/>
-          </a:p>
-          <a:p>
-            <a:pPr lvl="1"/>
-            <a:r>
-              <a:rPr lang="en-US" altLang="ko-KR" sz="1800" dirty="0"/>
-              <a:t>Break point</a:t>
-            </a:r>
-            <a:r>
-              <a:rPr lang="ko-KR" altLang="en-US" sz="1800" dirty="0"/>
-              <a:t>를 넣어 확인해보았으나</a:t>
-            </a:r>
-            <a:r>
-              <a:rPr lang="en-US" altLang="ko-KR" sz="1800" dirty="0"/>
-              <a:t>, </a:t>
-            </a:r>
-            <a:r>
-              <a:rPr lang="ko-KR" altLang="en-US" sz="1800" dirty="0"/>
-              <a:t>어떤 루틴인지 파악이 어려움</a:t>
-            </a:r>
-            <a:endParaRPr lang="en-US" altLang="ko-KR" sz="1800" dirty="0"/>
-          </a:p>
-          <a:p>
-            <a:pPr lvl="1"/>
-            <a:r>
-              <a:rPr lang="ko-KR" altLang="en-US" sz="1800" dirty="0"/>
-              <a:t>이것을 확인하려면 초기화 과정을 검토해야 하며</a:t>
-            </a:r>
-            <a:r>
-              <a:rPr lang="en-US" altLang="ko-KR" sz="1800" dirty="0"/>
-              <a:t>, </a:t>
-            </a:r>
-            <a:r>
-              <a:rPr lang="ko-KR" altLang="en-US" sz="1800" dirty="0"/>
-              <a:t>이는 시간이 많이 소요됨</a:t>
-            </a:r>
-            <a:endParaRPr lang="en-US" altLang="ko-KR" sz="1800" dirty="0"/>
-          </a:p>
-          <a:p>
-            <a:pPr lvl="1"/>
-            <a:r>
-              <a:rPr lang="ko-KR" altLang="en-US" sz="1800" dirty="0"/>
-              <a:t>다른 아이디어로 변경</a:t>
-            </a:r>
-            <a:r>
-              <a:rPr lang="en-US" altLang="ko-KR" sz="1800" dirty="0"/>
-              <a:t>!</a:t>
-            </a:r>
+              <a:rPr lang="ko-KR" altLang="en-US" dirty="0"/>
+              <a:t>페이지 내용 보면서 </a:t>
+            </a:r>
+            <a:r>
+              <a:rPr lang="en-US" altLang="ko-KR" dirty="0"/>
+              <a:t>VS 2019 </a:t>
+            </a:r>
+            <a:r>
+              <a:rPr lang="ko-KR" altLang="en-US" dirty="0"/>
+              <a:t>설치부터 하나씩 진행</a:t>
+            </a:r>
+            <a:endParaRPr lang="en-US" altLang="ko-KR" dirty="0"/>
           </a:p>
         </p:txBody>
       </p:sp>
@@ -4692,7 +4760,7 @@
           <p:cNvPr id="4" name="슬라이드 번호 개체 틀 3">
             <a:extLst>
               <a:ext uri="{FF2B5EF4-FFF2-40B4-BE49-F238E27FC236}">
-                <a16:creationId xmlns:a16="http://schemas.microsoft.com/office/drawing/2014/main" id="{711C656C-62DA-4166-9C9B-835070A12A10}"/>
+                <a16:creationId xmlns:a16="http://schemas.microsoft.com/office/drawing/2014/main" id="{152C4A51-8167-4F48-BBD3-635F4ADCA78E}"/>
               </a:ext>
             </a:extLst>
           </p:cNvPr>
@@ -4710,7 +4778,6 @@
           <a:p>
             <a:fld id="{64F0D409-D3F6-4EEC-8C77-1F5E89989FFB}" type="slidenum">
               <a:rPr lang="ko-KR" altLang="en-US" smtClean="0"/>
-              <a:pPr/>
               <a:t>13</a:t>
             </a:fld>
             <a:endParaRPr lang="ko-KR" altLang="en-US"/>
@@ -4720,7 +4787,7 @@
     </p:spTree>
     <p:extLst>
       <p:ext uri="{BB962C8B-B14F-4D97-AF65-F5344CB8AC3E}">
-        <p14:creationId xmlns:p14="http://schemas.microsoft.com/office/powerpoint/2010/main" val="293938049"/>
+        <p14:creationId xmlns:p14="http://schemas.microsoft.com/office/powerpoint/2010/main" val="4176122008"/>
       </p:ext>
     </p:extLst>
   </p:cSld>
@@ -5021,10 +5088,10 @@
       </p:sp>
       <p:pic>
         <p:nvPicPr>
-          <p:cNvPr id="5" name="내용 개체 틀 4">
-            <a:extLst>
-              <a:ext uri="{FF2B5EF4-FFF2-40B4-BE49-F238E27FC236}">
-                <a16:creationId xmlns:a16="http://schemas.microsoft.com/office/drawing/2014/main" id="{2B235251-5497-4FC0-859D-A63A75C9F9C2}"/>
+          <p:cNvPr id="7" name="내용 개체 틀 6">
+            <a:extLst>
+              <a:ext uri="{FF2B5EF4-FFF2-40B4-BE49-F238E27FC236}">
+                <a16:creationId xmlns:a16="http://schemas.microsoft.com/office/drawing/2014/main" id="{1601239C-A2B5-456C-A197-EA65CCBA5D29}"/>
               </a:ext>
             </a:extLst>
           </p:cNvPr>
@@ -5043,8 +5110,8 @@
         </p:blipFill>
         <p:spPr>
           <a:xfrm>
-            <a:off x="395288" y="1359122"/>
-            <a:ext cx="8353425" cy="4668394"/>
+            <a:off x="395288" y="1589123"/>
+            <a:ext cx="8353425" cy="4208392"/>
           </a:xfrm>
           <a:prstGeom prst="rect">
             <a:avLst/>
@@ -5538,7 +5605,13 @@
       </p:grpSpPr>
       <p:sp>
         <p:nvSpPr>
-          <p:cNvPr id="2" name="제목 1"/>
+          <p:cNvPr id="2" name="제목 1">
+            <a:extLst>
+              <a:ext uri="{FF2B5EF4-FFF2-40B4-BE49-F238E27FC236}">
+                <a16:creationId xmlns:a16="http://schemas.microsoft.com/office/drawing/2014/main" id="{AD8D8AB6-92BB-4029-81E9-2EA137A67530}"/>
+              </a:ext>
+            </a:extLst>
+          </p:cNvPr>
           <p:cNvSpPr>
             <a:spLocks noGrp="1"/>
           </p:cNvSpPr>
@@ -5553,1974 +5626,72 @@
           <a:p>
             <a:r>
               <a:rPr lang="ko-KR" altLang="en-US" dirty="0"/>
-              <a:t>강의 일정 </a:t>
+              <a:t>시작 전에</a:t>
             </a:r>
             <a:r>
               <a:rPr lang="en-US" altLang="ko-KR" dirty="0"/>
-              <a:t>(updated)</a:t>
+              <a:t>…</a:t>
             </a:r>
             <a:endParaRPr lang="ko-KR" altLang="en-US" dirty="0"/>
           </a:p>
         </p:txBody>
       </p:sp>
-      <p:graphicFrame>
-        <p:nvGraphicFramePr>
-          <p:cNvPr id="4" name="내용 개체 틀 3"/>
-          <p:cNvGraphicFramePr>
-            <a:graphicFrameLocks noGrp="1"/>
-          </p:cNvGraphicFramePr>
+      <p:sp>
+        <p:nvSpPr>
+          <p:cNvPr id="3" name="내용 개체 틀 2">
+            <a:extLst>
+              <a:ext uri="{FF2B5EF4-FFF2-40B4-BE49-F238E27FC236}">
+                <a16:creationId xmlns:a16="http://schemas.microsoft.com/office/drawing/2014/main" id="{A0B3D2E2-6AE5-4AE8-8582-8DAF24BFD3B0}"/>
+              </a:ext>
+            </a:extLst>
+          </p:cNvPr>
+          <p:cNvSpPr>
+            <a:spLocks noGrp="1"/>
+          </p:cNvSpPr>
           <p:nvPr>
             <p:ph idx="1"/>
-            <p:extLst>
-              <p:ext uri="{D42A27DB-BD31-4B8C-83A1-F6EECF244321}">
-                <p14:modId xmlns:p14="http://schemas.microsoft.com/office/powerpoint/2010/main" val="2739026296"/>
-              </p:ext>
-            </p:extLst>
-          </p:nvPr>
-        </p:nvGraphicFramePr>
-        <p:xfrm>
-          <a:off x="387405" y="1078658"/>
-          <a:ext cx="8353426" cy="5155093"/>
-        </p:xfrm>
-        <a:graphic>
-          <a:graphicData uri="http://schemas.openxmlformats.org/drawingml/2006/table">
-            <a:tbl>
-              <a:tblPr firstRow="1" bandRow="1">
-                <a:tableStyleId>{5C22544A-7EE6-4342-B048-85BDC9FD1C3A}</a:tableStyleId>
-              </a:tblPr>
-              <a:tblGrid>
-                <a:gridCol w="1137948">
-                  <a:extLst>
-                    <a:ext uri="{9D8B030D-6E8A-4147-A177-3AD203B41FA5}">
-                      <a16:colId xmlns:a16="http://schemas.microsoft.com/office/drawing/2014/main" val="4079619587"/>
-                    </a:ext>
-                  </a:extLst>
-                </a:gridCol>
-                <a:gridCol w="3607739">
-                  <a:extLst>
-                    <a:ext uri="{9D8B030D-6E8A-4147-A177-3AD203B41FA5}">
-                      <a16:colId xmlns:a16="http://schemas.microsoft.com/office/drawing/2014/main" val="2625429840"/>
-                    </a:ext>
-                  </a:extLst>
-                </a:gridCol>
-                <a:gridCol w="3607739">
-                  <a:extLst>
-                    <a:ext uri="{9D8B030D-6E8A-4147-A177-3AD203B41FA5}">
-                      <a16:colId xmlns:a16="http://schemas.microsoft.com/office/drawing/2014/main" val="1599299322"/>
-                    </a:ext>
-                  </a:extLst>
-                </a:gridCol>
-              </a:tblGrid>
-              <a:tr h="361775">
-                <a:tc>
-                  <a:txBody>
-                    <a:bodyPr/>
-                    <a:lstStyle/>
-                    <a:p>
-                      <a:pPr algn="ctr" latinLnBrk="1"/>
-                      <a:r>
-                        <a:rPr lang="ko-KR" altLang="en-US" sz="1400" dirty="0"/>
-                        <a:t>주차</a:t>
-                      </a:r>
-                    </a:p>
-                  </a:txBody>
-                  <a:tcPr anchor="ctr"/>
-                </a:tc>
-                <a:tc>
-                  <a:txBody>
-                    <a:bodyPr/>
-                    <a:lstStyle/>
-                    <a:p>
-                      <a:pPr algn="ctr" latinLnBrk="1"/>
-                      <a:r>
-                        <a:rPr lang="ko-KR" altLang="en-US" sz="1400" dirty="0"/>
-                        <a:t>월 </a:t>
-                      </a:r>
-                      <a:r>
-                        <a:rPr lang="en-US" altLang="ko-KR" sz="1400" dirty="0"/>
-                        <a:t>(100</a:t>
-                      </a:r>
-                      <a:r>
-                        <a:rPr lang="ko-KR" altLang="en-US" sz="1400" dirty="0"/>
-                        <a:t>분</a:t>
-                      </a:r>
-                      <a:r>
-                        <a:rPr lang="en-US" altLang="ko-KR" sz="1400" dirty="0"/>
-                        <a:t>)</a:t>
-                      </a:r>
-                      <a:endParaRPr lang="ko-KR" altLang="en-US" sz="1400" dirty="0"/>
-                    </a:p>
-                  </a:txBody>
-                  <a:tcPr anchor="ctr"/>
-                </a:tc>
-                <a:tc>
-                  <a:txBody>
-                    <a:bodyPr/>
-                    <a:lstStyle/>
-                    <a:p>
-                      <a:pPr algn="ctr" latinLnBrk="1"/>
-                      <a:r>
-                        <a:rPr lang="ko-KR" altLang="en-US" sz="1400" dirty="0"/>
-                        <a:t>수 </a:t>
-                      </a:r>
-                      <a:r>
-                        <a:rPr lang="en-US" altLang="ko-KR" sz="1400" dirty="0"/>
-                        <a:t>(50</a:t>
-                      </a:r>
-                      <a:r>
-                        <a:rPr lang="ko-KR" altLang="en-US" sz="1400" dirty="0"/>
-                        <a:t>분</a:t>
-                      </a:r>
-                      <a:r>
-                        <a:rPr lang="en-US" altLang="ko-KR" sz="1400" dirty="0"/>
-                        <a:t>)</a:t>
-                      </a:r>
-                      <a:endParaRPr lang="ko-KR" altLang="en-US" sz="1400" dirty="0"/>
-                    </a:p>
-                  </a:txBody>
-                  <a:tcPr anchor="ctr"/>
-                </a:tc>
-                <a:extLst>
-                  <a:ext uri="{0D108BD9-81ED-4DB2-BD59-A6C34878D82A}">
-                    <a16:rowId xmlns:a16="http://schemas.microsoft.com/office/drawing/2014/main" val="276385721"/>
-                  </a:ext>
-                </a:extLst>
-              </a:tr>
-              <a:tr h="316051">
-                <a:tc>
-                  <a:txBody>
-                    <a:bodyPr/>
-                    <a:lstStyle/>
-                    <a:p>
-                      <a:pPr algn="r" fontAlgn="ctr"/>
-                      <a:r>
-                        <a:rPr lang="en-US" altLang="ko-KR" sz="1100" b="0" i="0" u="none" strike="noStrike" dirty="0">
-                          <a:solidFill>
-                            <a:srgbClr val="000000"/>
-                          </a:solidFill>
-                          <a:effectLst/>
-                          <a:latin typeface="맑은 고딕" panose="020B0503020000020004" pitchFamily="50" charset="-127"/>
-                          <a:ea typeface="맑은 고딕" panose="020B0503020000020004" pitchFamily="50" charset="-127"/>
-                        </a:rPr>
-                        <a:t>1 (9/1)</a:t>
-                      </a:r>
-                    </a:p>
-                  </a:txBody>
-                  <a:tcPr marL="9525" marR="9525" marT="9525" marB="0" anchor="ctr"/>
-                </a:tc>
-                <a:tc>
-                  <a:txBody>
-                    <a:bodyPr/>
-                    <a:lstStyle/>
-                    <a:p>
-                      <a:pPr algn="ctr" fontAlgn="ctr"/>
-                      <a:r>
-                        <a:rPr lang="en-US" sz="1100" b="0" i="0" u="none" strike="noStrike" dirty="0">
-                          <a:solidFill>
-                            <a:srgbClr val="000000"/>
-                          </a:solidFill>
-                          <a:effectLst/>
-                          <a:latin typeface="맑은 고딕" panose="020B0503020000020004" pitchFamily="50" charset="-127"/>
-                          <a:ea typeface="맑은 고딕" panose="020B0503020000020004" pitchFamily="50" charset="-127"/>
-                        </a:rPr>
-                        <a:t>Introduction</a:t>
-                      </a:r>
-                    </a:p>
-                  </a:txBody>
-                  <a:tcPr marL="9525" marR="9525" marT="9525" marB="0" anchor="ctr"/>
-                </a:tc>
-                <a:tc>
-                  <a:txBody>
-                    <a:bodyPr/>
-                    <a:lstStyle/>
-                    <a:p>
-                      <a:pPr algn="ctr" fontAlgn="ctr"/>
-                      <a:r>
-                        <a:rPr lang="en-US" altLang="ko-KR" sz="1100" b="0" i="0" u="none" strike="noStrike" dirty="0">
-                          <a:solidFill>
-                            <a:srgbClr val="000000"/>
-                          </a:solidFill>
-                          <a:effectLst/>
-                          <a:latin typeface="맑은 고딕" panose="020B0503020000020004" pitchFamily="50" charset="-127"/>
-                          <a:ea typeface="맑은 고딕" panose="020B0503020000020004" pitchFamily="50" charset="-127"/>
-                        </a:rPr>
-                        <a:t>OSS</a:t>
-                      </a:r>
-                      <a:r>
-                        <a:rPr lang="ko-KR" altLang="en-US" sz="1100" b="0" i="0" u="none" strike="noStrike" dirty="0">
-                          <a:solidFill>
-                            <a:srgbClr val="000000"/>
-                          </a:solidFill>
-                          <a:effectLst/>
-                          <a:latin typeface="맑은 고딕" panose="020B0503020000020004" pitchFamily="50" charset="-127"/>
-                          <a:ea typeface="맑은 고딕" panose="020B0503020000020004" pitchFamily="50" charset="-127"/>
-                        </a:rPr>
-                        <a:t> 역사 </a:t>
-                      </a:r>
-                      <a:r>
-                        <a:rPr lang="en-US" altLang="ko-KR" sz="1100" b="0" i="0" u="none" strike="noStrike" dirty="0">
-                          <a:solidFill>
-                            <a:srgbClr val="000000"/>
-                          </a:solidFill>
-                          <a:effectLst/>
-                          <a:latin typeface="맑은 고딕" panose="020B0503020000020004" pitchFamily="50" charset="-127"/>
-                          <a:ea typeface="맑은 고딕" panose="020B0503020000020004" pitchFamily="50" charset="-127"/>
-                        </a:rPr>
-                        <a:t>1</a:t>
-                      </a:r>
-                    </a:p>
-                  </a:txBody>
-                  <a:tcPr marL="9525" marR="9525" marT="9525" marB="0" anchor="ctr"/>
-                </a:tc>
-                <a:extLst>
-                  <a:ext uri="{0D108BD9-81ED-4DB2-BD59-A6C34878D82A}">
-                    <a16:rowId xmlns:a16="http://schemas.microsoft.com/office/drawing/2014/main" val="475938863"/>
-                  </a:ext>
-                </a:extLst>
-              </a:tr>
-              <a:tr h="316051">
-                <a:tc>
-                  <a:txBody>
-                    <a:bodyPr/>
-                    <a:lstStyle/>
-                    <a:p>
-                      <a:pPr algn="r" fontAlgn="ctr"/>
-                      <a:r>
-                        <a:rPr lang="en-US" altLang="ko-KR" sz="1100" b="0" i="0" u="none" strike="noStrike" dirty="0">
-                          <a:solidFill>
-                            <a:srgbClr val="000000"/>
-                          </a:solidFill>
-                          <a:effectLst/>
-                          <a:latin typeface="맑은 고딕" panose="020B0503020000020004" pitchFamily="50" charset="-127"/>
-                          <a:ea typeface="맑은 고딕" panose="020B0503020000020004" pitchFamily="50" charset="-127"/>
-                        </a:rPr>
-                        <a:t>2</a:t>
-                      </a:r>
-                    </a:p>
-                  </a:txBody>
-                  <a:tcPr marL="9525" marR="9525" marT="9525" marB="0" anchor="ctr"/>
-                </a:tc>
-                <a:tc>
-                  <a:txBody>
-                    <a:bodyPr/>
-                    <a:lstStyle/>
-                    <a:p>
-                      <a:pPr algn="ctr" fontAlgn="ctr"/>
-                      <a:r>
-                        <a:rPr lang="en-US" altLang="ko-KR" sz="1100" b="0" i="0" u="none" strike="noStrike" dirty="0">
-                          <a:solidFill>
-                            <a:srgbClr val="000000"/>
-                          </a:solidFill>
-                          <a:effectLst/>
-                          <a:latin typeface="맑은 고딕" panose="020B0503020000020004" pitchFamily="50" charset="-127"/>
-                          <a:ea typeface="+mn-ea"/>
-                        </a:rPr>
-                        <a:t>OSS</a:t>
-                      </a:r>
-                      <a:r>
-                        <a:rPr lang="ko-KR" altLang="en-US" sz="1100" b="0" i="0" u="none" strike="noStrike" dirty="0">
-                          <a:solidFill>
-                            <a:srgbClr val="000000"/>
-                          </a:solidFill>
-                          <a:effectLst/>
-                          <a:latin typeface="맑은 고딕" panose="020B0503020000020004" pitchFamily="50" charset="-127"/>
-                          <a:ea typeface="+mn-ea"/>
-                        </a:rPr>
-                        <a:t> 역사 </a:t>
-                      </a:r>
-                      <a:r>
-                        <a:rPr lang="en-US" altLang="ko-KR" sz="1100" b="0" i="0" u="none" strike="noStrike" dirty="0">
-                          <a:solidFill>
-                            <a:srgbClr val="000000"/>
-                          </a:solidFill>
-                          <a:effectLst/>
-                          <a:latin typeface="맑은 고딕" panose="020B0503020000020004" pitchFamily="50" charset="-127"/>
-                          <a:ea typeface="+mn-ea"/>
-                        </a:rPr>
-                        <a:t>2 / OSS</a:t>
-                      </a:r>
-                      <a:r>
-                        <a:rPr lang="ko-KR" altLang="en-US" sz="1100" b="0" i="0" u="none" strike="noStrike" dirty="0">
-                          <a:solidFill>
-                            <a:srgbClr val="000000"/>
-                          </a:solidFill>
-                          <a:effectLst/>
-                          <a:latin typeface="맑은 고딕" panose="020B0503020000020004" pitchFamily="50" charset="-127"/>
-                          <a:ea typeface="+mn-ea"/>
-                        </a:rPr>
-                        <a:t> 개요 </a:t>
-                      </a:r>
-                      <a:r>
-                        <a:rPr lang="en-US" altLang="ko-KR" sz="1100" b="0" i="0" u="none" strike="noStrike" dirty="0">
-                          <a:solidFill>
-                            <a:srgbClr val="000000"/>
-                          </a:solidFill>
-                          <a:effectLst/>
-                          <a:latin typeface="맑은 고딕" panose="020B0503020000020004" pitchFamily="50" charset="-127"/>
-                          <a:ea typeface="+mn-ea"/>
-                        </a:rPr>
-                        <a:t>1</a:t>
-                      </a:r>
-                    </a:p>
-                  </a:txBody>
-                  <a:tcPr marL="9525" marR="9525" marT="9525" marB="0" anchor="ctr"/>
-                </a:tc>
-                <a:tc>
-                  <a:txBody>
-                    <a:bodyPr/>
-                    <a:lstStyle/>
-                    <a:p>
-                      <a:pPr algn="ctr" fontAlgn="ctr"/>
-                      <a:r>
-                        <a:rPr lang="ko-KR" altLang="en-US" sz="1100" b="0" i="0" u="none" strike="noStrike" dirty="0">
-                          <a:solidFill>
-                            <a:srgbClr val="FF0000"/>
-                          </a:solidFill>
-                          <a:effectLst/>
-                          <a:latin typeface="맑은 고딕" panose="020B0503020000020004" pitchFamily="50" charset="-127"/>
-                          <a:ea typeface="+mn-ea"/>
-                        </a:rPr>
-                        <a:t>추석</a:t>
-                      </a:r>
-                    </a:p>
-                  </a:txBody>
-                  <a:tcPr marL="9525" marR="9525" marT="9525" marB="0" anchor="ctr"/>
-                </a:tc>
-                <a:extLst>
-                  <a:ext uri="{0D108BD9-81ED-4DB2-BD59-A6C34878D82A}">
-                    <a16:rowId xmlns:a16="http://schemas.microsoft.com/office/drawing/2014/main" val="2700577287"/>
-                  </a:ext>
-                </a:extLst>
-              </a:tr>
-              <a:tr h="316051">
-                <a:tc>
-                  <a:txBody>
-                    <a:bodyPr/>
-                    <a:lstStyle/>
-                    <a:p>
-                      <a:pPr algn="r" fontAlgn="ctr"/>
-                      <a:r>
-                        <a:rPr lang="en-US" altLang="ko-KR" sz="1100" b="0" i="0" u="none" strike="noStrike" dirty="0">
-                          <a:solidFill>
-                            <a:srgbClr val="000000"/>
-                          </a:solidFill>
-                          <a:effectLst/>
-                          <a:latin typeface="맑은 고딕" panose="020B0503020000020004" pitchFamily="50" charset="-127"/>
-                          <a:ea typeface="맑은 고딕" panose="020B0503020000020004" pitchFamily="50" charset="-127"/>
-                        </a:rPr>
-                        <a:t>3</a:t>
-                      </a:r>
-                    </a:p>
-                  </a:txBody>
-                  <a:tcPr marL="9525" marR="9525" marT="9525" marB="0" anchor="ctr"/>
-                </a:tc>
-                <a:tc>
-                  <a:txBody>
-                    <a:bodyPr/>
-                    <a:lstStyle/>
-                    <a:p>
-                      <a:pPr algn="ctr" fontAlgn="ctr"/>
-                      <a:r>
-                        <a:rPr lang="en-US" altLang="ko-KR" sz="1100" b="0" i="0" u="none" strike="noStrike" dirty="0">
-                          <a:solidFill>
-                            <a:srgbClr val="000000"/>
-                          </a:solidFill>
-                          <a:effectLst/>
-                          <a:latin typeface="맑은 고딕" panose="020B0503020000020004" pitchFamily="50" charset="-127"/>
-                          <a:ea typeface="맑은 고딕" panose="020B0503020000020004" pitchFamily="50" charset="-127"/>
-                        </a:rPr>
-                        <a:t>OSS </a:t>
-                      </a:r>
-                      <a:r>
-                        <a:rPr lang="ko-KR" altLang="en-US" sz="1100" b="0" i="0" u="none" strike="noStrike" dirty="0">
-                          <a:solidFill>
-                            <a:srgbClr val="000000"/>
-                          </a:solidFill>
-                          <a:effectLst/>
-                          <a:latin typeface="맑은 고딕" panose="020B0503020000020004" pitchFamily="50" charset="-127"/>
-                          <a:ea typeface="맑은 고딕" panose="020B0503020000020004" pitchFamily="50" charset="-127"/>
-                        </a:rPr>
-                        <a:t>개요 </a:t>
-                      </a:r>
-                      <a:r>
-                        <a:rPr lang="en-US" altLang="ko-KR" sz="1100" b="0" i="0" u="none" strike="noStrike" dirty="0">
-                          <a:solidFill>
-                            <a:srgbClr val="000000"/>
-                          </a:solidFill>
-                          <a:effectLst/>
-                          <a:latin typeface="맑은 고딕" panose="020B0503020000020004" pitchFamily="50" charset="-127"/>
-                          <a:ea typeface="맑은 고딕" panose="020B0503020000020004" pitchFamily="50" charset="-127"/>
-                        </a:rPr>
-                        <a:t>2 / OSS </a:t>
-                      </a:r>
-                      <a:r>
-                        <a:rPr lang="ko-KR" altLang="en-US" sz="1100" b="0" i="0" u="none" strike="noStrike" dirty="0">
-                          <a:solidFill>
-                            <a:srgbClr val="000000"/>
-                          </a:solidFill>
-                          <a:effectLst/>
-                          <a:latin typeface="맑은 고딕" panose="020B0503020000020004" pitchFamily="50" charset="-127"/>
-                          <a:ea typeface="맑은 고딕" panose="020B0503020000020004" pitchFamily="50" charset="-127"/>
-                        </a:rPr>
-                        <a:t>라이선스 </a:t>
-                      </a:r>
-                      <a:r>
-                        <a:rPr lang="en-US" altLang="ko-KR" sz="1100" b="0" i="0" u="none" strike="noStrike" dirty="0">
-                          <a:solidFill>
-                            <a:srgbClr val="000000"/>
-                          </a:solidFill>
-                          <a:effectLst/>
-                          <a:latin typeface="맑은 고딕" panose="020B0503020000020004" pitchFamily="50" charset="-127"/>
-                          <a:ea typeface="맑은 고딕" panose="020B0503020000020004" pitchFamily="50" charset="-127"/>
-                        </a:rPr>
-                        <a:t>1</a:t>
-                      </a:r>
-                    </a:p>
-                  </a:txBody>
-                  <a:tcPr marL="9525" marR="9525" marT="9525" marB="0" anchor="ctr"/>
-                </a:tc>
-                <a:tc>
-                  <a:txBody>
-                    <a:bodyPr/>
-                    <a:lstStyle/>
-                    <a:p>
-                      <a:pPr algn="ctr" fontAlgn="ctr"/>
-                      <a:r>
-                        <a:rPr lang="en-US" altLang="ko-KR" sz="1100" b="0" i="0" u="none" strike="noStrike" dirty="0">
-                          <a:solidFill>
-                            <a:srgbClr val="000000"/>
-                          </a:solidFill>
-                          <a:effectLst/>
-                          <a:latin typeface="맑은 고딕" panose="020B0503020000020004" pitchFamily="50" charset="-127"/>
-                          <a:ea typeface="맑은 고딕" panose="020B0503020000020004" pitchFamily="50" charset="-127"/>
-                        </a:rPr>
-                        <a:t>OSS </a:t>
-                      </a:r>
-                      <a:r>
-                        <a:rPr lang="ko-KR" altLang="en-US" sz="1100" b="0" i="0" u="none" strike="noStrike" dirty="0">
-                          <a:solidFill>
-                            <a:srgbClr val="000000"/>
-                          </a:solidFill>
-                          <a:effectLst/>
-                          <a:latin typeface="맑은 고딕" panose="020B0503020000020004" pitchFamily="50" charset="-127"/>
-                          <a:ea typeface="맑은 고딕" panose="020B0503020000020004" pitchFamily="50" charset="-127"/>
-                        </a:rPr>
-                        <a:t>라이선스 </a:t>
-                      </a:r>
-                      <a:r>
-                        <a:rPr lang="en-US" altLang="ko-KR" sz="1100" b="0" i="0" u="none" strike="noStrike" dirty="0">
-                          <a:solidFill>
-                            <a:srgbClr val="000000"/>
-                          </a:solidFill>
-                          <a:effectLst/>
-                          <a:latin typeface="맑은 고딕" panose="020B0503020000020004" pitchFamily="50" charset="-127"/>
-                          <a:ea typeface="맑은 고딕" panose="020B0503020000020004" pitchFamily="50" charset="-127"/>
-                        </a:rPr>
-                        <a:t>2</a:t>
-                      </a:r>
-                      <a:endParaRPr lang="ko-KR" altLang="en-US" sz="1100" b="0" i="0" u="none" strike="noStrike" dirty="0">
-                        <a:solidFill>
-                          <a:srgbClr val="000000"/>
-                        </a:solidFill>
-                        <a:effectLst/>
-                        <a:latin typeface="맑은 고딕" panose="020B0503020000020004" pitchFamily="50" charset="-127"/>
-                        <a:ea typeface="맑은 고딕" panose="020B0503020000020004" pitchFamily="50" charset="-127"/>
-                      </a:endParaRPr>
-                    </a:p>
-                  </a:txBody>
-                  <a:tcPr marL="9525" marR="9525" marT="9525" marB="0" anchor="ctr"/>
-                </a:tc>
-                <a:extLst>
-                  <a:ext uri="{0D108BD9-81ED-4DB2-BD59-A6C34878D82A}">
-                    <a16:rowId xmlns:a16="http://schemas.microsoft.com/office/drawing/2014/main" val="4062224445"/>
-                  </a:ext>
-                </a:extLst>
-              </a:tr>
-              <a:tr h="316051">
-                <a:tc>
-                  <a:txBody>
-                    <a:bodyPr/>
-                    <a:lstStyle/>
-                    <a:p>
-                      <a:pPr algn="r" fontAlgn="ctr"/>
-                      <a:r>
-                        <a:rPr lang="en-US" altLang="ko-KR" sz="1100" b="0" i="0" u="none" strike="noStrike" dirty="0">
-                          <a:solidFill>
-                            <a:srgbClr val="000000"/>
-                          </a:solidFill>
-                          <a:effectLst/>
-                          <a:latin typeface="맑은 고딕" panose="020B0503020000020004" pitchFamily="50" charset="-127"/>
-                          <a:ea typeface="맑은 고딕" panose="020B0503020000020004" pitchFamily="50" charset="-127"/>
-                        </a:rPr>
-                        <a:t>4</a:t>
-                      </a:r>
-                    </a:p>
-                  </a:txBody>
-                  <a:tcPr marL="9525" marR="9525" marT="9525" marB="0" anchor="ctr"/>
-                </a:tc>
-                <a:tc>
-                  <a:txBody>
-                    <a:bodyPr/>
-                    <a:lstStyle/>
-                    <a:p>
-                      <a:pPr algn="ctr" fontAlgn="ctr"/>
-                      <a:r>
-                        <a:rPr lang="en-US" altLang="ko-KR" sz="1100" b="0" i="0" u="none" strike="noStrike" dirty="0">
-                          <a:solidFill>
-                            <a:srgbClr val="000000"/>
-                          </a:solidFill>
-                          <a:effectLst/>
-                          <a:latin typeface="맑은 고딕" panose="020B0503020000020004" pitchFamily="50" charset="-127"/>
-                          <a:ea typeface="맑은 고딕" panose="020B0503020000020004" pitchFamily="50" charset="-127"/>
-                        </a:rPr>
-                        <a:t>OSS </a:t>
-                      </a:r>
-                      <a:r>
-                        <a:rPr lang="ko-KR" altLang="en-US" sz="1100" b="0" i="0" u="none" strike="noStrike" dirty="0">
-                          <a:solidFill>
-                            <a:srgbClr val="000000"/>
-                          </a:solidFill>
-                          <a:effectLst/>
-                          <a:latin typeface="맑은 고딕" panose="020B0503020000020004" pitchFamily="50" charset="-127"/>
-                          <a:ea typeface="맑은 고딕" panose="020B0503020000020004" pitchFamily="50" charset="-127"/>
-                        </a:rPr>
-                        <a:t>활용 방법 </a:t>
-                      </a:r>
-                      <a:r>
-                        <a:rPr lang="en-US" altLang="ko-KR" sz="1100" b="0" i="0" u="none" strike="noStrike" dirty="0">
-                          <a:solidFill>
-                            <a:srgbClr val="000000"/>
-                          </a:solidFill>
-                          <a:effectLst/>
-                          <a:latin typeface="맑은 고딕" panose="020B0503020000020004" pitchFamily="50" charset="-127"/>
-                          <a:ea typeface="맑은 고딕" panose="020B0503020000020004" pitchFamily="50" charset="-127"/>
-                        </a:rPr>
-                        <a:t>/ </a:t>
-                      </a:r>
-                      <a:r>
-                        <a:rPr lang="ko-KR" altLang="en-US" sz="1100" b="0" i="0" u="none" strike="noStrike" dirty="0">
-                          <a:solidFill>
-                            <a:srgbClr val="000000"/>
-                          </a:solidFill>
-                          <a:effectLst/>
-                          <a:latin typeface="맑은 고딕" panose="020B0503020000020004" pitchFamily="50" charset="-127"/>
-                          <a:ea typeface="맑은 고딕" panose="020B0503020000020004" pitchFamily="50" charset="-127"/>
-                        </a:rPr>
-                        <a:t>버전 관리 도구 </a:t>
-                      </a:r>
-                      <a:r>
-                        <a:rPr lang="en-US" altLang="ko-KR" sz="1100" b="0" i="0" u="none" strike="noStrike" dirty="0">
-                          <a:solidFill>
-                            <a:srgbClr val="000000"/>
-                          </a:solidFill>
-                          <a:effectLst/>
-                          <a:latin typeface="맑은 고딕" panose="020B0503020000020004" pitchFamily="50" charset="-127"/>
-                          <a:ea typeface="맑은 고딕" panose="020B0503020000020004" pitchFamily="50" charset="-127"/>
-                        </a:rPr>
-                        <a:t>Git</a:t>
-                      </a:r>
-                      <a:r>
-                        <a:rPr lang="ko-KR" altLang="en-US" sz="1100" b="0" i="0" u="none" strike="noStrike" dirty="0">
-                          <a:solidFill>
-                            <a:srgbClr val="000000"/>
-                          </a:solidFill>
-                          <a:effectLst/>
-                          <a:latin typeface="맑은 고딕" panose="020B0503020000020004" pitchFamily="50" charset="-127"/>
-                          <a:ea typeface="맑은 고딕" panose="020B0503020000020004" pitchFamily="50" charset="-127"/>
-                        </a:rPr>
-                        <a:t> </a:t>
-                      </a:r>
-                      <a:r>
-                        <a:rPr lang="en-US" altLang="ko-KR" sz="1100" b="0" i="0" u="none" strike="noStrike" dirty="0">
-                          <a:solidFill>
-                            <a:srgbClr val="000000"/>
-                          </a:solidFill>
-                          <a:effectLst/>
-                          <a:latin typeface="맑은 고딕" panose="020B0503020000020004" pitchFamily="50" charset="-127"/>
-                          <a:ea typeface="맑은 고딕" panose="020B0503020000020004" pitchFamily="50" charset="-127"/>
-                        </a:rPr>
-                        <a:t>1</a:t>
-                      </a:r>
-                    </a:p>
-                  </a:txBody>
-                  <a:tcPr marL="9525" marR="9525" marT="9525" marB="0" anchor="ctr"/>
-                </a:tc>
-                <a:tc>
-                  <a:txBody>
-                    <a:bodyPr/>
-                    <a:lstStyle/>
-                    <a:p>
-                      <a:pPr algn="ctr" fontAlgn="ctr"/>
-                      <a:r>
-                        <a:rPr lang="ko-KR" altLang="en-US" sz="1100" b="0" i="0" u="none" strike="noStrike" dirty="0">
-                          <a:solidFill>
-                            <a:srgbClr val="000000"/>
-                          </a:solidFill>
-                          <a:effectLst/>
-                          <a:latin typeface="맑은 고딕" panose="020B0503020000020004" pitchFamily="50" charset="-127"/>
-                          <a:ea typeface="+mn-ea"/>
-                        </a:rPr>
-                        <a:t>버전 관리 도구 </a:t>
-                      </a:r>
-                      <a:r>
-                        <a:rPr lang="en-US" altLang="ko-KR" sz="1100" b="0" i="0" u="none" strike="noStrike" dirty="0">
-                          <a:solidFill>
-                            <a:srgbClr val="000000"/>
-                          </a:solidFill>
-                          <a:effectLst/>
-                          <a:latin typeface="맑은 고딕" panose="020B0503020000020004" pitchFamily="50" charset="-127"/>
-                          <a:ea typeface="+mn-ea"/>
-                        </a:rPr>
-                        <a:t>Git 2</a:t>
-                      </a:r>
-                    </a:p>
-                  </a:txBody>
-                  <a:tcPr marL="9525" marR="9525" marT="9525" marB="0" anchor="ctr"/>
-                </a:tc>
-                <a:extLst>
-                  <a:ext uri="{0D108BD9-81ED-4DB2-BD59-A6C34878D82A}">
-                    <a16:rowId xmlns:a16="http://schemas.microsoft.com/office/drawing/2014/main" val="2748419094"/>
-                  </a:ext>
-                </a:extLst>
-              </a:tr>
-              <a:tr h="316051">
-                <a:tc>
-                  <a:txBody>
-                    <a:bodyPr/>
-                    <a:lstStyle/>
-                    <a:p>
-                      <a:pPr algn="r" fontAlgn="ctr"/>
-                      <a:r>
-                        <a:rPr lang="en-US" altLang="ko-KR" sz="1100" b="0" i="0" u="none" strike="noStrike" dirty="0">
-                          <a:solidFill>
-                            <a:srgbClr val="000000"/>
-                          </a:solidFill>
-                          <a:effectLst/>
-                          <a:latin typeface="맑은 고딕" panose="020B0503020000020004" pitchFamily="50" charset="-127"/>
-                          <a:ea typeface="맑은 고딕" panose="020B0503020000020004" pitchFamily="50" charset="-127"/>
-                        </a:rPr>
-                        <a:t>5 (9/30)</a:t>
-                      </a:r>
-                    </a:p>
-                  </a:txBody>
-                  <a:tcPr marL="9525" marR="9525" marT="9525" marB="0" anchor="ctr"/>
-                </a:tc>
-                <a:tc>
-                  <a:txBody>
-                    <a:bodyPr/>
-                    <a:lstStyle/>
-                    <a:p>
-                      <a:pPr algn="ctr" fontAlgn="ctr"/>
-                      <a:r>
-                        <a:rPr lang="ko-KR" altLang="en-US" sz="1100" b="0" i="0" u="none" strike="noStrike" dirty="0">
-                          <a:solidFill>
-                            <a:srgbClr val="000000"/>
-                          </a:solidFill>
-                          <a:effectLst/>
-                          <a:latin typeface="맑은 고딕" panose="020B0503020000020004" pitchFamily="50" charset="-127"/>
-                          <a:ea typeface="+mn-ea"/>
-                        </a:rPr>
-                        <a:t>버전 관리 도구 </a:t>
-                      </a:r>
-                      <a:r>
-                        <a:rPr lang="en-US" altLang="ko-KR" sz="1100" b="0" i="0" u="none" strike="noStrike" dirty="0">
-                          <a:solidFill>
-                            <a:srgbClr val="000000"/>
-                          </a:solidFill>
-                          <a:effectLst/>
-                          <a:latin typeface="맑은 고딕" panose="020B0503020000020004" pitchFamily="50" charset="-127"/>
-                          <a:ea typeface="+mn-ea"/>
-                        </a:rPr>
-                        <a:t>Git</a:t>
-                      </a:r>
-                      <a:r>
-                        <a:rPr lang="ko-KR" altLang="en-US" sz="1100" b="0" i="0" u="none" strike="noStrike" dirty="0">
-                          <a:solidFill>
-                            <a:srgbClr val="000000"/>
-                          </a:solidFill>
-                          <a:effectLst/>
-                          <a:latin typeface="맑은 고딕" panose="020B0503020000020004" pitchFamily="50" charset="-127"/>
-                          <a:ea typeface="+mn-ea"/>
-                        </a:rPr>
-                        <a:t> </a:t>
-                      </a:r>
-                      <a:r>
-                        <a:rPr lang="en-US" altLang="ko-KR" sz="1100" b="0" i="0" u="none" strike="noStrike" dirty="0">
-                          <a:solidFill>
-                            <a:srgbClr val="000000"/>
-                          </a:solidFill>
-                          <a:effectLst/>
-                          <a:latin typeface="맑은 고딕" panose="020B0503020000020004" pitchFamily="50" charset="-127"/>
-                          <a:ea typeface="+mn-ea"/>
-                        </a:rPr>
-                        <a:t>3</a:t>
-                      </a:r>
-                    </a:p>
-                  </a:txBody>
-                  <a:tcPr marL="9525" marR="9525" marT="9525" marB="0" anchor="ctr"/>
-                </a:tc>
-                <a:tc>
-                  <a:txBody>
-                    <a:bodyPr/>
-                    <a:lstStyle/>
-                    <a:p>
-                      <a:pPr algn="ctr" fontAlgn="ctr"/>
-                      <a:r>
-                        <a:rPr lang="ko-KR" altLang="en-US" sz="1100" b="0" i="0" u="none" strike="noStrike" dirty="0">
-                          <a:solidFill>
-                            <a:srgbClr val="000000"/>
-                          </a:solidFill>
-                          <a:effectLst/>
-                          <a:latin typeface="맑은 고딕" panose="020B0503020000020004" pitchFamily="50" charset="-127"/>
-                          <a:ea typeface="+mn-ea"/>
-                        </a:rPr>
-                        <a:t>버전 관리 도구 </a:t>
-                      </a:r>
-                      <a:r>
-                        <a:rPr lang="en-US" altLang="ko-KR" sz="1100" b="0" i="0" u="none" strike="noStrike" dirty="0">
-                          <a:solidFill>
-                            <a:srgbClr val="000000"/>
-                          </a:solidFill>
-                          <a:effectLst/>
-                          <a:latin typeface="맑은 고딕" panose="020B0503020000020004" pitchFamily="50" charset="-127"/>
-                          <a:ea typeface="+mn-ea"/>
-                        </a:rPr>
-                        <a:t>Git 4</a:t>
-                      </a:r>
-                    </a:p>
-                  </a:txBody>
-                  <a:tcPr marL="9525" marR="9525" marT="9525" marB="0" anchor="ctr"/>
-                </a:tc>
-                <a:extLst>
-                  <a:ext uri="{0D108BD9-81ED-4DB2-BD59-A6C34878D82A}">
-                    <a16:rowId xmlns:a16="http://schemas.microsoft.com/office/drawing/2014/main" val="814556900"/>
-                  </a:ext>
-                </a:extLst>
-              </a:tr>
-              <a:tr h="316051">
-                <a:tc>
-                  <a:txBody>
-                    <a:bodyPr/>
-                    <a:lstStyle/>
-                    <a:p>
-                      <a:pPr algn="r" fontAlgn="ctr"/>
-                      <a:r>
-                        <a:rPr lang="en-US" altLang="ko-KR" sz="1100" b="0" i="0" u="none" strike="noStrike" dirty="0">
-                          <a:solidFill>
-                            <a:srgbClr val="000000"/>
-                          </a:solidFill>
-                          <a:effectLst/>
-                          <a:latin typeface="맑은 고딕" panose="020B0503020000020004" pitchFamily="50" charset="-127"/>
-                          <a:ea typeface="맑은 고딕" panose="020B0503020000020004" pitchFamily="50" charset="-127"/>
-                        </a:rPr>
-                        <a:t>6</a:t>
-                      </a:r>
-                    </a:p>
-                  </a:txBody>
-                  <a:tcPr marL="9525" marR="9525" marT="9525" marB="0" anchor="ctr"/>
-                </a:tc>
-                <a:tc>
-                  <a:txBody>
-                    <a:bodyPr/>
-                    <a:lstStyle/>
-                    <a:p>
-                      <a:pPr algn="ctr" fontAlgn="ctr"/>
-                      <a:r>
-                        <a:rPr lang="ko-KR" altLang="en-US" sz="1100" b="0" i="0" u="none" strike="noStrike" dirty="0">
-                          <a:solidFill>
-                            <a:srgbClr val="000000"/>
-                          </a:solidFill>
-                          <a:effectLst/>
-                          <a:latin typeface="맑은 고딕" panose="020B0503020000020004" pitchFamily="50" charset="-127"/>
-                          <a:ea typeface="+mn-ea"/>
-                        </a:rPr>
-                        <a:t>버전 관리 도구 </a:t>
-                      </a:r>
-                      <a:r>
-                        <a:rPr lang="en-US" altLang="ko-KR" sz="1100" b="0" i="0" u="none" strike="noStrike" dirty="0">
-                          <a:solidFill>
-                            <a:srgbClr val="000000"/>
-                          </a:solidFill>
-                          <a:effectLst/>
-                          <a:latin typeface="맑은 고딕" panose="020B0503020000020004" pitchFamily="50" charset="-127"/>
-                          <a:ea typeface="+mn-ea"/>
-                        </a:rPr>
-                        <a:t>Git 5</a:t>
-                      </a:r>
-                    </a:p>
-                  </a:txBody>
-                  <a:tcPr marL="9525" marR="9525" marT="9525" marB="0" anchor="ctr"/>
-                </a:tc>
-                <a:tc>
-                  <a:txBody>
-                    <a:bodyPr/>
-                    <a:lstStyle/>
-                    <a:p>
-                      <a:pPr algn="ctr" fontAlgn="ctr"/>
-                      <a:r>
-                        <a:rPr lang="ko-KR" altLang="en-US" sz="1100" b="0" i="0" u="none" strike="noStrike" dirty="0">
-                          <a:solidFill>
-                            <a:srgbClr val="FF0000"/>
-                          </a:solidFill>
-                          <a:effectLst/>
-                          <a:latin typeface="맑은 고딕" panose="020B0503020000020004" pitchFamily="50" charset="-127"/>
-                          <a:ea typeface="맑은 고딕" panose="020B0503020000020004" pitchFamily="50" charset="-127"/>
-                        </a:rPr>
-                        <a:t>한글날</a:t>
-                      </a:r>
-                      <a:endParaRPr lang="en-US" altLang="ko-KR" sz="1100" b="0" i="0" u="none" strike="noStrike" dirty="0">
-                        <a:solidFill>
-                          <a:srgbClr val="FF0000"/>
-                        </a:solidFill>
-                        <a:effectLst/>
-                        <a:latin typeface="맑은 고딕" panose="020B0503020000020004" pitchFamily="50" charset="-127"/>
-                        <a:ea typeface="맑은 고딕" panose="020B0503020000020004" pitchFamily="50" charset="-127"/>
-                      </a:endParaRPr>
-                    </a:p>
-                  </a:txBody>
-                  <a:tcPr marL="9525" marR="9525" marT="9525" marB="0" anchor="ctr"/>
-                </a:tc>
-                <a:extLst>
-                  <a:ext uri="{0D108BD9-81ED-4DB2-BD59-A6C34878D82A}">
-                    <a16:rowId xmlns:a16="http://schemas.microsoft.com/office/drawing/2014/main" val="2908590043"/>
-                  </a:ext>
-                </a:extLst>
-              </a:tr>
-              <a:tr h="316051">
-                <a:tc>
-                  <a:txBody>
-                    <a:bodyPr/>
-                    <a:lstStyle/>
-                    <a:p>
-                      <a:pPr algn="r" fontAlgn="ctr"/>
-                      <a:r>
-                        <a:rPr lang="en-US" altLang="ko-KR" sz="1100" b="0" i="0" u="none" strike="noStrike" dirty="0">
-                          <a:solidFill>
-                            <a:srgbClr val="000000"/>
-                          </a:solidFill>
-                          <a:effectLst/>
-                          <a:latin typeface="맑은 고딕" panose="020B0503020000020004" pitchFamily="50" charset="-127"/>
-                          <a:ea typeface="맑은 고딕" panose="020B0503020000020004" pitchFamily="50" charset="-127"/>
-                        </a:rPr>
-                        <a:t>7</a:t>
-                      </a:r>
-                    </a:p>
-                  </a:txBody>
-                  <a:tcPr marL="9525" marR="9525" marT="9525" marB="0" anchor="ctr"/>
-                </a:tc>
-                <a:tc>
-                  <a:txBody>
-                    <a:bodyPr/>
-                    <a:lstStyle/>
-                    <a:p>
-                      <a:pPr algn="ctr" fontAlgn="ctr"/>
-                      <a:r>
-                        <a:rPr lang="ko-KR" altLang="en-US" sz="1100" b="1" i="0" u="none" strike="noStrike" dirty="0">
-                          <a:solidFill>
-                            <a:srgbClr val="FF0000"/>
-                          </a:solidFill>
-                          <a:effectLst/>
-                          <a:latin typeface="맑은 고딕" panose="020B0503020000020004" pitchFamily="50" charset="-127"/>
-                          <a:ea typeface="+mn-ea"/>
-                        </a:rPr>
-                        <a:t>특강 </a:t>
-                      </a:r>
-                      <a:r>
-                        <a:rPr lang="en-US" altLang="ko-KR" sz="1100" b="1" i="0" u="none" strike="noStrike" dirty="0">
-                          <a:solidFill>
-                            <a:srgbClr val="FF0000"/>
-                          </a:solidFill>
-                          <a:effectLst/>
-                          <a:latin typeface="맑은 고딕" panose="020B0503020000020004" pitchFamily="50" charset="-127"/>
-                          <a:ea typeface="+mn-ea"/>
-                        </a:rPr>
-                        <a:t>1 (10/14)</a:t>
-                      </a:r>
-                    </a:p>
-                  </a:txBody>
-                  <a:tcPr marL="9525" marR="9525" marT="9525" marB="0" anchor="ctr"/>
-                </a:tc>
-                <a:tc>
-                  <a:txBody>
-                    <a:bodyPr/>
-                    <a:lstStyle/>
-                    <a:p>
-                      <a:pPr algn="ctr" fontAlgn="ctr"/>
-                      <a:r>
-                        <a:rPr lang="ko-KR" altLang="en-US" sz="1100" b="0" i="0" u="none" strike="noStrike" dirty="0">
-                          <a:solidFill>
-                            <a:srgbClr val="000000"/>
-                          </a:solidFill>
-                          <a:effectLst/>
-                          <a:latin typeface="맑은 고딕" panose="020B0503020000020004" pitchFamily="50" charset="-127"/>
-                          <a:ea typeface="+mn-ea"/>
-                        </a:rPr>
-                        <a:t>코드 분석 </a:t>
-                      </a:r>
-                      <a:r>
-                        <a:rPr lang="en-US" altLang="ko-KR" sz="1100" b="0" i="0" u="none" strike="noStrike" dirty="0">
-                          <a:solidFill>
-                            <a:srgbClr val="000000"/>
-                          </a:solidFill>
-                          <a:effectLst/>
-                          <a:latin typeface="맑은 고딕" panose="020B0503020000020004" pitchFamily="50" charset="-127"/>
-                          <a:ea typeface="+mn-ea"/>
-                        </a:rPr>
-                        <a:t>1</a:t>
-                      </a:r>
-                    </a:p>
-                  </a:txBody>
-                  <a:tcPr marL="9525" marR="9525" marT="9525" marB="0" anchor="ctr">
-                    <a:solidFill>
-                      <a:schemeClr val="accent5">
-                        <a:lumMod val="20000"/>
-                        <a:lumOff val="80000"/>
-                      </a:schemeClr>
-                    </a:solidFill>
-                  </a:tcPr>
-                </a:tc>
-                <a:extLst>
-                  <a:ext uri="{0D108BD9-81ED-4DB2-BD59-A6C34878D82A}">
-                    <a16:rowId xmlns:a16="http://schemas.microsoft.com/office/drawing/2014/main" val="4222617544"/>
-                  </a:ext>
-                </a:extLst>
-              </a:tr>
-              <a:tr h="316051">
-                <a:tc>
-                  <a:txBody>
-                    <a:bodyPr/>
-                    <a:lstStyle/>
-                    <a:p>
-                      <a:pPr algn="r" fontAlgn="ctr"/>
-                      <a:r>
-                        <a:rPr lang="en-US" altLang="ko-KR" sz="1100" b="0" i="0" u="none" strike="noStrike" dirty="0">
-                          <a:solidFill>
-                            <a:srgbClr val="000000"/>
-                          </a:solidFill>
-                          <a:effectLst/>
-                          <a:latin typeface="맑은 고딕" panose="020B0503020000020004" pitchFamily="50" charset="-127"/>
-                          <a:ea typeface="맑은 고딕" panose="020B0503020000020004" pitchFamily="50" charset="-127"/>
-                        </a:rPr>
-                        <a:t>8 (10/21)</a:t>
-                      </a:r>
-                    </a:p>
-                  </a:txBody>
-                  <a:tcPr marL="9525" marR="9525" marT="9525" marB="0" anchor="ctr"/>
-                </a:tc>
-                <a:tc>
-                  <a:txBody>
-                    <a:bodyPr/>
-                    <a:lstStyle/>
-                    <a:p>
-                      <a:pPr algn="ctr" fontAlgn="ctr"/>
-                      <a:r>
-                        <a:rPr lang="ko-KR" altLang="en-US" sz="1100" b="0" i="0" u="none" strike="noStrike" dirty="0">
-                          <a:solidFill>
-                            <a:srgbClr val="FF0000"/>
-                          </a:solidFill>
-                          <a:effectLst/>
-                          <a:latin typeface="맑은 고딕" panose="020B0503020000020004" pitchFamily="50" charset="-127"/>
-                          <a:ea typeface="맑은 고딕" panose="020B0503020000020004" pitchFamily="50" charset="-127"/>
-                        </a:rPr>
-                        <a:t>중간고사</a:t>
-                      </a:r>
-                    </a:p>
-                  </a:txBody>
-                  <a:tcPr marL="9525" marR="9525" marT="9525" marB="0" anchor="ctr"/>
-                </a:tc>
-                <a:tc>
-                  <a:txBody>
-                    <a:bodyPr/>
-                    <a:lstStyle/>
-                    <a:p>
-                      <a:pPr algn="ctr" fontAlgn="ctr"/>
-                      <a:r>
-                        <a:rPr lang="ko-KR" altLang="en-US" sz="1100" b="0" i="0" u="none" strike="noStrike" kern="1200" dirty="0">
-                          <a:solidFill>
-                            <a:srgbClr val="000000"/>
-                          </a:solidFill>
-                          <a:effectLst/>
-                          <a:latin typeface="맑은 고딕" panose="020B0503020000020004" pitchFamily="50" charset="-127"/>
-                          <a:ea typeface="+mn-ea"/>
-                          <a:cs typeface="+mn-cs"/>
-                        </a:rPr>
-                        <a:t>개인 프로젝트 </a:t>
-                      </a:r>
-                      <a:r>
-                        <a:rPr lang="en-US" altLang="ko-KR" sz="1100" b="0" i="0" u="none" strike="noStrike" kern="1200" dirty="0">
-                          <a:solidFill>
-                            <a:srgbClr val="000000"/>
-                          </a:solidFill>
-                          <a:effectLst/>
-                          <a:latin typeface="맑은 고딕" panose="020B0503020000020004" pitchFamily="50" charset="-127"/>
-                          <a:ea typeface="+mn-ea"/>
-                          <a:cs typeface="+mn-cs"/>
-                        </a:rPr>
-                        <a:t>1 : </a:t>
-                      </a:r>
-                      <a:r>
-                        <a:rPr lang="ko-KR" altLang="en-US" sz="1100" b="0" i="0" u="none" strike="noStrike" kern="1200" dirty="0">
-                          <a:solidFill>
-                            <a:srgbClr val="000000"/>
-                          </a:solidFill>
-                          <a:effectLst/>
-                          <a:latin typeface="맑은 고딕" panose="020B0503020000020004" pitchFamily="50" charset="-127"/>
-                          <a:ea typeface="+mn-ea"/>
-                          <a:cs typeface="+mn-cs"/>
-                        </a:rPr>
-                        <a:t>프로젝트 선정 및 계획 마감</a:t>
-                      </a:r>
-                      <a:r>
-                        <a:rPr lang="en-US" altLang="ko-KR" sz="1100" b="0" i="0" u="none" strike="noStrike" kern="1200" dirty="0">
-                          <a:solidFill>
-                            <a:srgbClr val="000000"/>
-                          </a:solidFill>
-                          <a:effectLst/>
-                          <a:latin typeface="맑은 고딕" panose="020B0503020000020004" pitchFamily="50" charset="-127"/>
-                          <a:ea typeface="+mn-ea"/>
-                          <a:cs typeface="+mn-cs"/>
-                        </a:rPr>
-                        <a:t> (</a:t>
-                      </a:r>
-                      <a:r>
-                        <a:rPr lang="ko-KR" altLang="en-US" sz="1100" b="0" i="0" u="none" strike="noStrike" kern="1200" dirty="0">
-                          <a:solidFill>
-                            <a:srgbClr val="000000"/>
-                          </a:solidFill>
-                          <a:effectLst/>
-                          <a:latin typeface="맑은 고딕" panose="020B0503020000020004" pitchFamily="50" charset="-127"/>
-                          <a:ea typeface="+mn-ea"/>
-                          <a:cs typeface="+mn-cs"/>
-                        </a:rPr>
-                        <a:t>휴강</a:t>
-                      </a:r>
-                      <a:r>
-                        <a:rPr lang="en-US" altLang="ko-KR" sz="1100" b="0" i="0" u="none" strike="noStrike" kern="1200" dirty="0">
-                          <a:solidFill>
-                            <a:srgbClr val="000000"/>
-                          </a:solidFill>
-                          <a:effectLst/>
-                          <a:latin typeface="맑은 고딕" panose="020B0503020000020004" pitchFamily="50" charset="-127"/>
-                          <a:ea typeface="+mn-ea"/>
-                          <a:cs typeface="+mn-cs"/>
-                        </a:rPr>
-                        <a:t>)</a:t>
-                      </a:r>
-                      <a:endParaRPr lang="ko-KR" altLang="en-US" sz="1100" b="0" i="0" u="none" strike="noStrike" dirty="0">
-                        <a:solidFill>
-                          <a:srgbClr val="FF0000"/>
-                        </a:solidFill>
-                        <a:effectLst/>
-                        <a:latin typeface="맑은 고딕" panose="020B0503020000020004" pitchFamily="50" charset="-127"/>
-                        <a:ea typeface="맑은 고딕" panose="020B0503020000020004" pitchFamily="50" charset="-127"/>
-                      </a:endParaRPr>
-                    </a:p>
-                  </a:txBody>
-                  <a:tcPr marL="9525" marR="9525" marT="9525" marB="0" anchor="ctr">
-                    <a:lnB w="12700" cmpd="sng">
-                      <a:noFill/>
-                    </a:lnB>
-                    <a:solidFill>
-                      <a:schemeClr val="accent4"/>
-                    </a:solidFill>
-                  </a:tcPr>
-                </a:tc>
-                <a:extLst>
-                  <a:ext uri="{0D108BD9-81ED-4DB2-BD59-A6C34878D82A}">
-                    <a16:rowId xmlns:a16="http://schemas.microsoft.com/office/drawing/2014/main" val="2117078907"/>
-                  </a:ext>
-                </a:extLst>
-              </a:tr>
-              <a:tr h="316051">
-                <a:tc>
-                  <a:txBody>
-                    <a:bodyPr/>
-                    <a:lstStyle/>
-                    <a:p>
-                      <a:pPr algn="r" fontAlgn="ctr"/>
-                      <a:r>
-                        <a:rPr lang="en-US" altLang="ko-KR" sz="1100" b="0" i="0" u="none" strike="noStrike" dirty="0">
-                          <a:solidFill>
-                            <a:srgbClr val="000000"/>
-                          </a:solidFill>
-                          <a:effectLst/>
-                          <a:latin typeface="맑은 고딕" panose="020B0503020000020004" pitchFamily="50" charset="-127"/>
-                          <a:ea typeface="맑은 고딕" panose="020B0503020000020004" pitchFamily="50" charset="-127"/>
-                        </a:rPr>
-                        <a:t>9</a:t>
-                      </a:r>
-                    </a:p>
-                  </a:txBody>
-                  <a:tcPr marL="9525" marR="9525" marT="9525" marB="0" anchor="ctr"/>
-                </a:tc>
-                <a:tc>
-                  <a:txBody>
-                    <a:bodyPr/>
-                    <a:lstStyle/>
-                    <a:p>
-                      <a:pPr algn="ctr" fontAlgn="ctr"/>
-                      <a:r>
-                        <a:rPr lang="ko-KR" altLang="en-US" sz="1100" b="1" i="0" u="none" strike="noStrike" dirty="0">
-                          <a:solidFill>
-                            <a:srgbClr val="FF0000"/>
-                          </a:solidFill>
-                          <a:effectLst/>
-                          <a:latin typeface="맑은 고딕" panose="020B0503020000020004" pitchFamily="50" charset="-127"/>
-                          <a:ea typeface="맑은 고딕" panose="020B0503020000020004" pitchFamily="50" charset="-127"/>
-                        </a:rPr>
-                        <a:t>특강 </a:t>
-                      </a:r>
-                      <a:r>
-                        <a:rPr lang="en-US" altLang="ko-KR" sz="1100" b="1" i="0" u="none" strike="noStrike" dirty="0">
-                          <a:solidFill>
-                            <a:srgbClr val="FF0000"/>
-                          </a:solidFill>
-                          <a:effectLst/>
-                          <a:latin typeface="맑은 고딕" panose="020B0503020000020004" pitchFamily="50" charset="-127"/>
-                          <a:ea typeface="맑은 고딕" panose="020B0503020000020004" pitchFamily="50" charset="-127"/>
-                        </a:rPr>
-                        <a:t>2 (10/28)</a:t>
-                      </a:r>
-                    </a:p>
-                  </a:txBody>
-                  <a:tcPr marL="9525" marR="9525" marT="9525" marB="0" anchor="ctr">
-                    <a:lnR w="12700" cmpd="sng">
-                      <a:noFill/>
-                    </a:lnR>
-                  </a:tcPr>
-                </a:tc>
-                <a:tc>
-                  <a:txBody>
-                    <a:bodyPr/>
-                    <a:lstStyle/>
-                    <a:p>
-                      <a:pPr marL="0" algn="ctr" defTabSz="914400" rtl="0" eaLnBrk="1" fontAlgn="ctr" latinLnBrk="1" hangingPunct="1"/>
-                      <a:r>
-                        <a:rPr lang="ko-KR" altLang="en-US" sz="1100" b="0" i="0" u="none" strike="noStrike" kern="1200" dirty="0">
-                          <a:solidFill>
-                            <a:srgbClr val="000000"/>
-                          </a:solidFill>
-                          <a:effectLst/>
-                          <a:latin typeface="맑은 고딕" panose="020B0503020000020004" pitchFamily="50" charset="-127"/>
-                          <a:ea typeface="맑은 고딕" panose="020B0503020000020004" pitchFamily="50" charset="-127"/>
-                          <a:cs typeface="+mn-cs"/>
-                        </a:rPr>
-                        <a:t>코드 분석 </a:t>
-                      </a:r>
-                      <a:r>
-                        <a:rPr lang="en-US" altLang="ko-KR" sz="1100" b="0" i="0" u="none" strike="noStrike" kern="1200" dirty="0">
-                          <a:solidFill>
-                            <a:srgbClr val="000000"/>
-                          </a:solidFill>
-                          <a:effectLst/>
-                          <a:latin typeface="맑은 고딕" panose="020B0503020000020004" pitchFamily="50" charset="-127"/>
-                          <a:ea typeface="맑은 고딕" panose="020B0503020000020004" pitchFamily="50" charset="-127"/>
-                          <a:cs typeface="+mn-cs"/>
-                        </a:rPr>
-                        <a:t>2</a:t>
-                      </a:r>
-                    </a:p>
-                  </a:txBody>
-                  <a:tcPr marL="9525" marR="9525" marT="9525" marB="0" anchor="ctr">
-                    <a:lnL w="12700" cmpd="sng">
-                      <a:noFill/>
-                    </a:lnL>
-                    <a:lnR w="12700" cmpd="sng">
-                      <a:noFill/>
-                    </a:lnR>
-                    <a:lnT w="12700" cmpd="sng">
-                      <a:noFill/>
-                    </a:lnT>
-                    <a:lnB w="12700" cmpd="sng">
-                      <a:noFill/>
-                    </a:lnB>
-                    <a:lnTlToBr w="12700" cmpd="sng">
-                      <a:noFill/>
-                      <a:prstDash val="solid"/>
-                    </a:lnTlToBr>
-                    <a:lnBlToTr w="12700" cmpd="sng">
-                      <a:noFill/>
-                      <a:prstDash val="solid"/>
-                    </a:lnBlToTr>
-                    <a:solidFill>
-                      <a:schemeClr val="accent5">
-                        <a:lumMod val="20000"/>
-                        <a:lumOff val="80000"/>
-                      </a:schemeClr>
-                    </a:solidFill>
-                  </a:tcPr>
-                </a:tc>
-                <a:extLst>
-                  <a:ext uri="{0D108BD9-81ED-4DB2-BD59-A6C34878D82A}">
-                    <a16:rowId xmlns:a16="http://schemas.microsoft.com/office/drawing/2014/main" val="1318025886"/>
-                  </a:ext>
-                </a:extLst>
-              </a:tr>
-              <a:tr h="316051">
-                <a:tc>
-                  <a:txBody>
-                    <a:bodyPr/>
-                    <a:lstStyle/>
-                    <a:p>
-                      <a:pPr algn="r" fontAlgn="ctr"/>
-                      <a:r>
-                        <a:rPr lang="en-US" altLang="ko-KR" sz="1100" b="0" i="0" u="none" strike="noStrike" dirty="0">
-                          <a:solidFill>
-                            <a:srgbClr val="000000"/>
-                          </a:solidFill>
-                          <a:effectLst/>
-                          <a:latin typeface="맑은 고딕" panose="020B0503020000020004" pitchFamily="50" charset="-127"/>
-                          <a:ea typeface="맑은 고딕" panose="020B0503020000020004" pitchFamily="50" charset="-127"/>
-                        </a:rPr>
-                        <a:t>10 (11/4)</a:t>
-                      </a:r>
-                    </a:p>
-                  </a:txBody>
-                  <a:tcPr marL="9525" marR="9525" marT="9525" marB="0" anchor="ctr"/>
-                </a:tc>
-                <a:tc>
-                  <a:txBody>
-                    <a:bodyPr/>
-                    <a:lstStyle/>
-                    <a:p>
-                      <a:pPr marL="0" marR="0" lvl="0" indent="0" algn="ctr" defTabSz="914400" rtl="0" eaLnBrk="1" fontAlgn="ctr" latinLnBrk="1" hangingPunct="1">
-                        <a:lnSpc>
-                          <a:spcPct val="100000"/>
-                        </a:lnSpc>
-                        <a:spcBef>
-                          <a:spcPts val="0"/>
-                        </a:spcBef>
-                        <a:spcAft>
-                          <a:spcPts val="0"/>
-                        </a:spcAft>
-                        <a:buClrTx/>
-                        <a:buSzTx/>
-                        <a:buFontTx/>
-                        <a:buNone/>
-                        <a:tabLst/>
-                        <a:defRPr/>
-                      </a:pPr>
-                      <a:r>
-                        <a:rPr lang="ko-KR" altLang="en-US" sz="1100" b="0" i="0" u="none" strike="noStrike" dirty="0">
-                          <a:solidFill>
-                            <a:srgbClr val="000000"/>
-                          </a:solidFill>
-                          <a:effectLst/>
-                          <a:latin typeface="맑은 고딕" panose="020B0503020000020004" pitchFamily="50" charset="-127"/>
-                          <a:ea typeface="+mn-ea"/>
-                        </a:rPr>
-                        <a:t>클라우드를 이용한 개발 환경 구축 </a:t>
-                      </a:r>
-                      <a:r>
-                        <a:rPr lang="en-US" altLang="ko-KR" sz="1100" b="0" i="0" u="none" strike="noStrike" dirty="0">
-                          <a:solidFill>
-                            <a:srgbClr val="000000"/>
-                          </a:solidFill>
-                          <a:effectLst/>
-                          <a:latin typeface="맑은 고딕" panose="020B0503020000020004" pitchFamily="50" charset="-127"/>
-                          <a:ea typeface="+mn-ea"/>
-                        </a:rPr>
-                        <a:t>1</a:t>
-                      </a:r>
-                      <a:endParaRPr lang="ko-KR" altLang="en-US" sz="1100" b="0" i="0" u="none" strike="noStrike" dirty="0">
-                        <a:solidFill>
-                          <a:srgbClr val="000000"/>
-                        </a:solidFill>
-                        <a:effectLst/>
-                        <a:latin typeface="맑은 고딕" panose="020B0503020000020004" pitchFamily="50" charset="-127"/>
-                        <a:ea typeface="+mn-ea"/>
-                      </a:endParaRPr>
-                    </a:p>
-                  </a:txBody>
-                  <a:tcPr marL="9525" marR="9525" marT="9525" marB="0" anchor="ctr"/>
-                </a:tc>
-                <a:tc>
-                  <a:txBody>
-                    <a:bodyPr/>
-                    <a:lstStyle/>
-                    <a:p>
-                      <a:pPr marL="0" marR="0" lvl="0" indent="0" algn="ctr" defTabSz="914400" rtl="0" eaLnBrk="1" fontAlgn="ctr" latinLnBrk="1" hangingPunct="1">
-                        <a:lnSpc>
-                          <a:spcPct val="100000"/>
-                        </a:lnSpc>
-                        <a:spcBef>
-                          <a:spcPts val="0"/>
-                        </a:spcBef>
-                        <a:spcAft>
-                          <a:spcPts val="0"/>
-                        </a:spcAft>
-                        <a:buClrTx/>
-                        <a:buSzTx/>
-                        <a:buFontTx/>
-                        <a:buNone/>
-                        <a:tabLst/>
-                        <a:defRPr/>
-                      </a:pPr>
-                      <a:r>
-                        <a:rPr lang="ko-KR" altLang="en-US" sz="1100" b="0" i="0" u="none" strike="noStrike" dirty="0">
-                          <a:solidFill>
-                            <a:srgbClr val="000000"/>
-                          </a:solidFill>
-                          <a:effectLst/>
-                          <a:latin typeface="맑은 고딕" panose="020B0503020000020004" pitchFamily="50" charset="-127"/>
-                          <a:ea typeface="+mn-ea"/>
-                        </a:rPr>
-                        <a:t>클라우드를 이용한 개발 환경 구축 </a:t>
-                      </a:r>
-                      <a:r>
-                        <a:rPr lang="en-US" altLang="ko-KR" sz="1100" b="0" i="0" u="none" strike="noStrike" dirty="0">
-                          <a:solidFill>
-                            <a:srgbClr val="000000"/>
-                          </a:solidFill>
-                          <a:effectLst/>
-                          <a:latin typeface="맑은 고딕" panose="020B0503020000020004" pitchFamily="50" charset="-127"/>
-                          <a:ea typeface="+mn-ea"/>
-                        </a:rPr>
-                        <a:t>2</a:t>
-                      </a:r>
-                      <a:endParaRPr lang="ko-KR" altLang="en-US" sz="1100" b="0" i="0" u="none" strike="noStrike" dirty="0">
-                        <a:solidFill>
-                          <a:srgbClr val="000000"/>
-                        </a:solidFill>
-                        <a:effectLst/>
-                        <a:latin typeface="맑은 고딕" panose="020B0503020000020004" pitchFamily="50" charset="-127"/>
-                        <a:ea typeface="+mn-ea"/>
-                      </a:endParaRPr>
-                    </a:p>
-                  </a:txBody>
-                  <a:tcPr marL="9525" marR="9525" marT="9525" marB="0" anchor="ctr">
-                    <a:lnT w="12700" cmpd="sng">
-                      <a:noFill/>
-                    </a:lnT>
-                  </a:tcPr>
-                </a:tc>
-                <a:extLst>
-                  <a:ext uri="{0D108BD9-81ED-4DB2-BD59-A6C34878D82A}">
-                    <a16:rowId xmlns:a16="http://schemas.microsoft.com/office/drawing/2014/main" val="2789463766"/>
-                  </a:ext>
-                </a:extLst>
-              </a:tr>
-              <a:tr h="316051">
-                <a:tc>
-                  <a:txBody>
-                    <a:bodyPr/>
-                    <a:lstStyle/>
-                    <a:p>
-                      <a:pPr algn="r" fontAlgn="ctr"/>
-                      <a:r>
-                        <a:rPr lang="en-US" altLang="ko-KR" sz="1100" b="0" i="0" u="none" strike="noStrike" dirty="0">
-                          <a:solidFill>
-                            <a:srgbClr val="000000"/>
-                          </a:solidFill>
-                          <a:effectLst/>
-                          <a:latin typeface="맑은 고딕" panose="020B0503020000020004" pitchFamily="50" charset="-127"/>
-                          <a:ea typeface="맑은 고딕" panose="020B0503020000020004" pitchFamily="50" charset="-127"/>
-                        </a:rPr>
-                        <a:t>11</a:t>
-                      </a:r>
-                    </a:p>
-                  </a:txBody>
-                  <a:tcPr marL="9525" marR="9525" marT="9525" marB="0" anchor="ctr"/>
-                </a:tc>
-                <a:tc>
-                  <a:txBody>
-                    <a:bodyPr/>
-                    <a:lstStyle/>
-                    <a:p>
-                      <a:pPr algn="ctr" fontAlgn="ctr"/>
-                      <a:r>
-                        <a:rPr lang="en-US" altLang="ko-KR" sz="1100" b="0" i="0" u="none" strike="noStrike" dirty="0">
-                          <a:solidFill>
-                            <a:srgbClr val="000000"/>
-                          </a:solidFill>
-                          <a:effectLst/>
-                          <a:latin typeface="맑은 고딕" panose="020B0503020000020004" pitchFamily="50" charset="-127"/>
-                          <a:ea typeface="맑은 고딕" panose="020B0503020000020004" pitchFamily="50" charset="-127"/>
-                        </a:rPr>
-                        <a:t>GitHub</a:t>
-                      </a:r>
-                      <a:r>
-                        <a:rPr lang="ko-KR" altLang="en-US" sz="1100" b="0" i="0" u="none" strike="noStrike" dirty="0">
-                          <a:solidFill>
-                            <a:srgbClr val="000000"/>
-                          </a:solidFill>
-                          <a:effectLst/>
-                          <a:latin typeface="맑은 고딕" panose="020B0503020000020004" pitchFamily="50" charset="-127"/>
-                          <a:ea typeface="맑은 고딕" panose="020B0503020000020004" pitchFamily="50" charset="-127"/>
-                        </a:rPr>
-                        <a:t>를 이용한 협업 </a:t>
-                      </a:r>
-                      <a:r>
-                        <a:rPr lang="en-US" altLang="ko-KR" sz="1100" b="0" i="0" u="none" strike="noStrike" dirty="0">
-                          <a:solidFill>
-                            <a:srgbClr val="000000"/>
-                          </a:solidFill>
-                          <a:effectLst/>
-                          <a:latin typeface="맑은 고딕" panose="020B0503020000020004" pitchFamily="50" charset="-127"/>
-                          <a:ea typeface="맑은 고딕" panose="020B0503020000020004" pitchFamily="50" charset="-127"/>
-                        </a:rPr>
-                        <a:t>1</a:t>
-                      </a:r>
-                    </a:p>
-                  </a:txBody>
-                  <a:tcPr marL="9525" marR="9525" marT="9525" marB="0" anchor="ctr"/>
-                </a:tc>
-                <a:tc>
-                  <a:txBody>
-                    <a:bodyPr/>
-                    <a:lstStyle/>
-                    <a:p>
-                      <a:pPr marL="0" marR="0" lvl="0" indent="0" algn="ctr" defTabSz="914400" rtl="0" eaLnBrk="1" fontAlgn="ctr" latinLnBrk="1" hangingPunct="1">
-                        <a:lnSpc>
-                          <a:spcPct val="100000"/>
-                        </a:lnSpc>
-                        <a:spcBef>
-                          <a:spcPts val="0"/>
-                        </a:spcBef>
-                        <a:spcAft>
-                          <a:spcPts val="0"/>
-                        </a:spcAft>
-                        <a:buClrTx/>
-                        <a:buSzTx/>
-                        <a:buFontTx/>
-                        <a:buNone/>
-                        <a:tabLst/>
-                        <a:defRPr/>
-                      </a:pPr>
-                      <a:r>
-                        <a:rPr lang="en-US" altLang="ko-KR" sz="1100" b="0" i="0" u="none" strike="noStrike" dirty="0">
-                          <a:solidFill>
-                            <a:srgbClr val="000000"/>
-                          </a:solidFill>
-                          <a:effectLst/>
-                          <a:latin typeface="맑은 고딕" panose="020B0503020000020004" pitchFamily="50" charset="-127"/>
-                          <a:ea typeface="+mn-ea"/>
-                        </a:rPr>
-                        <a:t>GitHub</a:t>
-                      </a:r>
-                      <a:r>
-                        <a:rPr lang="ko-KR" altLang="en-US" sz="1100" b="0" i="0" u="none" strike="noStrike" dirty="0">
-                          <a:solidFill>
-                            <a:srgbClr val="000000"/>
-                          </a:solidFill>
-                          <a:effectLst/>
-                          <a:latin typeface="맑은 고딕" panose="020B0503020000020004" pitchFamily="50" charset="-127"/>
-                          <a:ea typeface="+mn-ea"/>
-                        </a:rPr>
-                        <a:t>를 이용한 협업</a:t>
-                      </a:r>
-                      <a:r>
-                        <a:rPr lang="en-US" altLang="ko-KR" sz="1100" b="0" i="0" u="none" strike="noStrike" dirty="0">
-                          <a:solidFill>
-                            <a:srgbClr val="000000"/>
-                          </a:solidFill>
-                          <a:effectLst/>
-                          <a:latin typeface="맑은 고딕" panose="020B0503020000020004" pitchFamily="50" charset="-127"/>
-                          <a:ea typeface="+mn-ea"/>
-                        </a:rPr>
-                        <a:t> 2</a:t>
-                      </a:r>
-                    </a:p>
-                  </a:txBody>
-                  <a:tcPr marL="9525" marR="9525" marT="9525" marB="0" anchor="ctr"/>
-                </a:tc>
-                <a:extLst>
-                  <a:ext uri="{0D108BD9-81ED-4DB2-BD59-A6C34878D82A}">
-                    <a16:rowId xmlns:a16="http://schemas.microsoft.com/office/drawing/2014/main" val="3553160150"/>
-                  </a:ext>
-                </a:extLst>
-              </a:tr>
-              <a:tr h="368604">
-                <a:tc>
-                  <a:txBody>
-                    <a:bodyPr/>
-                    <a:lstStyle/>
-                    <a:p>
-                      <a:pPr algn="r" fontAlgn="ctr"/>
-                      <a:r>
-                        <a:rPr lang="en-US" altLang="ko-KR" sz="1100" b="0" i="0" u="none" strike="noStrike" dirty="0">
-                          <a:solidFill>
-                            <a:srgbClr val="000000"/>
-                          </a:solidFill>
-                          <a:effectLst/>
-                          <a:latin typeface="맑은 고딕" panose="020B0503020000020004" pitchFamily="50" charset="-127"/>
-                          <a:ea typeface="맑은 고딕" panose="020B0503020000020004" pitchFamily="50" charset="-127"/>
-                        </a:rPr>
-                        <a:t>12</a:t>
-                      </a:r>
-                    </a:p>
-                  </a:txBody>
-                  <a:tcPr marL="9525" marR="9525" marT="9525" marB="0" anchor="ctr"/>
-                </a:tc>
-                <a:tc gridSpan="2">
-                  <a:txBody>
-                    <a:bodyPr/>
-                    <a:lstStyle/>
-                    <a:p>
-                      <a:pPr algn="ctr" fontAlgn="ctr"/>
-                      <a:r>
-                        <a:rPr lang="ko-KR" altLang="en-US" sz="1100" b="0" i="0" u="none" strike="noStrike" dirty="0">
-                          <a:solidFill>
-                            <a:srgbClr val="000000"/>
-                          </a:solidFill>
-                          <a:effectLst/>
-                          <a:latin typeface="맑은 고딕" panose="020B0503020000020004" pitchFamily="50" charset="-127"/>
-                          <a:ea typeface="+mn-ea"/>
-                        </a:rPr>
-                        <a:t>개인 프로젝트 </a:t>
-                      </a:r>
-                      <a:r>
-                        <a:rPr lang="en-US" altLang="ko-KR" sz="1100" b="0" i="0" u="none" strike="noStrike" dirty="0">
-                          <a:solidFill>
-                            <a:srgbClr val="000000"/>
-                          </a:solidFill>
-                          <a:effectLst/>
-                          <a:latin typeface="맑은 고딕" panose="020B0503020000020004" pitchFamily="50" charset="-127"/>
-                          <a:ea typeface="+mn-ea"/>
-                        </a:rPr>
-                        <a:t>2: </a:t>
-                      </a:r>
-                      <a:r>
-                        <a:rPr lang="ko-KR" altLang="en-US" sz="1100" b="0" i="0" u="none" strike="noStrike" dirty="0">
-                          <a:solidFill>
-                            <a:srgbClr val="000000"/>
-                          </a:solidFill>
-                          <a:effectLst/>
-                          <a:latin typeface="맑은 고딕" panose="020B0503020000020004" pitchFamily="50" charset="-127"/>
-                          <a:ea typeface="+mn-ea"/>
-                        </a:rPr>
-                        <a:t>대상 프로젝트 코드 분석 결과 발표 및 기능 구현 방향</a:t>
-                      </a:r>
-                      <a:r>
-                        <a:rPr lang="en-US" altLang="ko-KR" sz="1100" b="0" i="0" u="none" strike="noStrike" dirty="0">
-                          <a:solidFill>
-                            <a:srgbClr val="000000"/>
-                          </a:solidFill>
-                          <a:effectLst/>
-                          <a:latin typeface="맑은 고딕" panose="020B0503020000020004" pitchFamily="50" charset="-127"/>
-                          <a:ea typeface="+mn-ea"/>
-                        </a:rPr>
-                        <a:t>, </a:t>
-                      </a:r>
-                      <a:r>
-                        <a:rPr lang="ko-KR" altLang="en-US" sz="1100" b="0" i="0" u="none" strike="noStrike" dirty="0">
-                          <a:solidFill>
-                            <a:srgbClr val="000000"/>
-                          </a:solidFill>
-                          <a:effectLst/>
-                          <a:latin typeface="맑은 고딕" panose="020B0503020000020004" pitchFamily="50" charset="-127"/>
-                          <a:ea typeface="+mn-ea"/>
-                        </a:rPr>
-                        <a:t>커뮤니티 참여 방안 발표 및 피드백</a:t>
-                      </a:r>
-                      <a:endParaRPr lang="en-US" altLang="ko-KR" sz="1100" b="0" i="0" u="none" strike="noStrike" dirty="0">
-                        <a:solidFill>
-                          <a:srgbClr val="000000"/>
-                        </a:solidFill>
-                        <a:effectLst/>
-                        <a:latin typeface="맑은 고딕" panose="020B0503020000020004" pitchFamily="50" charset="-127"/>
-                        <a:ea typeface="+mn-ea"/>
-                      </a:endParaRPr>
-                    </a:p>
-                  </a:txBody>
-                  <a:tcPr marL="9525" marR="9525" marT="9525" marB="0" anchor="ctr">
-                    <a:solidFill>
-                      <a:schemeClr val="accent4"/>
-                    </a:solidFill>
-                  </a:tcPr>
-                </a:tc>
-                <a:tc hMerge="1">
-                  <a:txBody>
-                    <a:bodyPr/>
-                    <a:lstStyle/>
-                    <a:p>
-                      <a:pPr algn="ctr" fontAlgn="ctr"/>
-                      <a:endParaRPr lang="en-US" altLang="ko-KR" sz="1100" b="0" i="0" u="none" strike="noStrike" dirty="0">
-                        <a:solidFill>
-                          <a:srgbClr val="000000"/>
-                        </a:solidFill>
-                        <a:effectLst/>
-                        <a:latin typeface="맑은 고딕" panose="020B0503020000020004" pitchFamily="50" charset="-127"/>
-                        <a:ea typeface="+mn-ea"/>
-                      </a:endParaRPr>
-                    </a:p>
-                  </a:txBody>
-                  <a:tcPr marL="9525" marR="9525" marT="9525" marB="0" anchor="ctr">
-                    <a:solidFill>
-                      <a:schemeClr val="accent4"/>
-                    </a:solidFill>
-                  </a:tcPr>
-                </a:tc>
-                <a:extLst>
-                  <a:ext uri="{0D108BD9-81ED-4DB2-BD59-A6C34878D82A}">
-                    <a16:rowId xmlns:a16="http://schemas.microsoft.com/office/drawing/2014/main" val="1308666071"/>
-                  </a:ext>
-                </a:extLst>
-              </a:tr>
-              <a:tr h="316051">
-                <a:tc>
-                  <a:txBody>
-                    <a:bodyPr/>
-                    <a:lstStyle/>
-                    <a:p>
-                      <a:pPr algn="r" fontAlgn="ctr"/>
-                      <a:r>
-                        <a:rPr lang="en-US" altLang="ko-KR" sz="1100" b="0" i="0" u="none" strike="noStrike" dirty="0">
-                          <a:solidFill>
-                            <a:srgbClr val="000000"/>
-                          </a:solidFill>
-                          <a:effectLst/>
-                          <a:latin typeface="맑은 고딕" panose="020B0503020000020004" pitchFamily="50" charset="-127"/>
-                          <a:ea typeface="맑은 고딕" panose="020B0503020000020004" pitchFamily="50" charset="-127"/>
-                        </a:rPr>
-                        <a:t>13 (11/25)</a:t>
-                      </a:r>
-                    </a:p>
-                  </a:txBody>
-                  <a:tcPr marL="9525" marR="9525" marT="9525" marB="0" anchor="ctr"/>
-                </a:tc>
-                <a:tc>
-                  <a:txBody>
-                    <a:bodyPr/>
-                    <a:lstStyle/>
-                    <a:p>
-                      <a:pPr marL="0" marR="0" lvl="0" indent="0" algn="ctr" defTabSz="914400" rtl="0" eaLnBrk="1" fontAlgn="ctr" latinLnBrk="1" hangingPunct="1">
-                        <a:lnSpc>
-                          <a:spcPct val="100000"/>
-                        </a:lnSpc>
-                        <a:spcBef>
-                          <a:spcPts val="0"/>
-                        </a:spcBef>
-                        <a:spcAft>
-                          <a:spcPts val="0"/>
-                        </a:spcAft>
-                        <a:buClrTx/>
-                        <a:buSzTx/>
-                        <a:buFontTx/>
-                        <a:buNone/>
-                        <a:tabLst/>
-                        <a:defRPr/>
-                      </a:pPr>
-                      <a:r>
-                        <a:rPr lang="ko-KR" altLang="en-US" sz="1100" b="0" i="0" u="none" strike="noStrike" dirty="0">
-                          <a:solidFill>
-                            <a:srgbClr val="000000"/>
-                          </a:solidFill>
-                          <a:effectLst/>
-                          <a:latin typeface="맑은 고딕" panose="020B0503020000020004" pitchFamily="50" charset="-127"/>
-                          <a:ea typeface="+mn-ea"/>
-                        </a:rPr>
-                        <a:t>코드 리뷰</a:t>
-                      </a:r>
-                    </a:p>
-                  </a:txBody>
-                  <a:tcPr marL="9525" marR="9525" marT="9525" marB="0" anchor="ctr"/>
-                </a:tc>
-                <a:tc>
-                  <a:txBody>
-                    <a:bodyPr/>
-                    <a:lstStyle/>
-                    <a:p>
-                      <a:pPr marL="0" marR="0" lvl="0" indent="0" algn="ctr" defTabSz="914400" rtl="0" eaLnBrk="1" fontAlgn="ctr" latinLnBrk="1" hangingPunct="1">
-                        <a:lnSpc>
-                          <a:spcPct val="100000"/>
-                        </a:lnSpc>
-                        <a:spcBef>
-                          <a:spcPts val="0"/>
-                        </a:spcBef>
-                        <a:spcAft>
-                          <a:spcPts val="0"/>
-                        </a:spcAft>
-                        <a:buClrTx/>
-                        <a:buSzTx/>
-                        <a:buFontTx/>
-                        <a:buNone/>
-                        <a:tabLst/>
-                        <a:defRPr/>
-                      </a:pPr>
-                      <a:r>
-                        <a:rPr lang="en-US" altLang="ko-KR" sz="1100" b="0" i="0" u="none" strike="noStrike" dirty="0">
-                          <a:solidFill>
-                            <a:srgbClr val="000000"/>
-                          </a:solidFill>
-                          <a:effectLst/>
-                          <a:latin typeface="맑은 고딕" panose="020B0503020000020004" pitchFamily="50" charset="-127"/>
-                          <a:ea typeface="+mn-ea"/>
-                        </a:rPr>
-                        <a:t>CI/CD </a:t>
-                      </a:r>
-                      <a:r>
-                        <a:rPr lang="ko-KR" altLang="en-US" sz="1100" b="0" i="0" u="none" strike="noStrike" dirty="0">
-                          <a:solidFill>
-                            <a:srgbClr val="000000"/>
-                          </a:solidFill>
-                          <a:effectLst/>
-                          <a:latin typeface="맑은 고딕" panose="020B0503020000020004" pitchFamily="50" charset="-127"/>
-                          <a:ea typeface="+mn-ea"/>
-                        </a:rPr>
-                        <a:t>구축</a:t>
-                      </a:r>
-                    </a:p>
-                  </a:txBody>
-                  <a:tcPr marL="9525" marR="9525" marT="9525" marB="0" anchor="ctr"/>
-                </a:tc>
-                <a:extLst>
-                  <a:ext uri="{0D108BD9-81ED-4DB2-BD59-A6C34878D82A}">
-                    <a16:rowId xmlns:a16="http://schemas.microsoft.com/office/drawing/2014/main" val="3193302293"/>
-                  </a:ext>
-                </a:extLst>
-              </a:tr>
-              <a:tr h="316051">
-                <a:tc>
-                  <a:txBody>
-                    <a:bodyPr/>
-                    <a:lstStyle/>
-                    <a:p>
-                      <a:pPr algn="r" fontAlgn="ctr"/>
-                      <a:r>
-                        <a:rPr lang="en-US" altLang="ko-KR" sz="1100" b="0" i="0" u="none" strike="noStrike" dirty="0">
-                          <a:solidFill>
-                            <a:srgbClr val="000000"/>
-                          </a:solidFill>
-                          <a:effectLst/>
-                          <a:latin typeface="맑은 고딕" panose="020B0503020000020004" pitchFamily="50" charset="-127"/>
-                          <a:ea typeface="맑은 고딕" panose="020B0503020000020004" pitchFamily="50" charset="-127"/>
-                        </a:rPr>
-                        <a:t>14</a:t>
-                      </a:r>
-                    </a:p>
-                  </a:txBody>
-                  <a:tcPr marL="9525" marR="9525" marT="9525" marB="0" anchor="ctr"/>
-                </a:tc>
-                <a:tc gridSpan="2">
-                  <a:txBody>
-                    <a:bodyPr/>
-                    <a:lstStyle/>
-                    <a:p>
-                      <a:pPr marL="0" marR="0" lvl="0" indent="0" algn="ctr" defTabSz="914400" rtl="0" eaLnBrk="1" fontAlgn="ctr" latinLnBrk="1" hangingPunct="1">
-                        <a:lnSpc>
-                          <a:spcPct val="100000"/>
-                        </a:lnSpc>
-                        <a:spcBef>
-                          <a:spcPts val="0"/>
-                        </a:spcBef>
-                        <a:spcAft>
-                          <a:spcPts val="0"/>
-                        </a:spcAft>
-                        <a:buClrTx/>
-                        <a:buSzTx/>
-                        <a:buFontTx/>
-                        <a:buNone/>
-                        <a:tabLst/>
-                        <a:defRPr/>
-                      </a:pPr>
-                      <a:r>
-                        <a:rPr lang="ko-KR" altLang="en-US" sz="1100" b="0" i="0" u="none" strike="noStrike" dirty="0">
-                          <a:solidFill>
-                            <a:srgbClr val="000000"/>
-                          </a:solidFill>
-                          <a:effectLst/>
-                          <a:latin typeface="맑은 고딕" panose="020B0503020000020004" pitchFamily="50" charset="-127"/>
-                          <a:ea typeface="+mn-ea"/>
-                        </a:rPr>
-                        <a:t>개별 프로젝트 진행</a:t>
-                      </a:r>
-                      <a:endParaRPr lang="en-US" sz="1100" b="0" i="0" u="none" strike="noStrike" dirty="0">
-                        <a:solidFill>
-                          <a:srgbClr val="000000"/>
-                        </a:solidFill>
-                        <a:effectLst/>
-                        <a:latin typeface="맑은 고딕" panose="020B0503020000020004" pitchFamily="50" charset="-127"/>
-                        <a:ea typeface="맑은 고딕" panose="020B0503020000020004" pitchFamily="50" charset="-127"/>
-                      </a:endParaRPr>
-                    </a:p>
-                  </a:txBody>
-                  <a:tcPr marL="9525" marR="9525" marT="9525" marB="0" anchor="ctr"/>
-                </a:tc>
-                <a:tc hMerge="1">
-                  <a:txBody>
-                    <a:bodyPr/>
-                    <a:lstStyle/>
-                    <a:p>
-                      <a:pPr algn="ctr" fontAlgn="ctr"/>
-                      <a:endParaRPr lang="en-US" sz="1100" b="0" i="0" u="none" strike="noStrike" dirty="0">
-                        <a:solidFill>
-                          <a:srgbClr val="000000"/>
-                        </a:solidFill>
-                        <a:effectLst/>
-                        <a:latin typeface="맑은 고딕" panose="020B0503020000020004" pitchFamily="50" charset="-127"/>
-                        <a:ea typeface="맑은 고딕" panose="020B0503020000020004" pitchFamily="50" charset="-127"/>
-                      </a:endParaRPr>
-                    </a:p>
-                  </a:txBody>
-                  <a:tcPr marL="9525" marR="9525" marT="9525" marB="0" anchor="ctr"/>
-                </a:tc>
-                <a:extLst>
-                  <a:ext uri="{0D108BD9-81ED-4DB2-BD59-A6C34878D82A}">
-                    <a16:rowId xmlns:a16="http://schemas.microsoft.com/office/drawing/2014/main" val="1928419577"/>
-                  </a:ext>
-                </a:extLst>
-              </a:tr>
-              <a:tr h="316051">
-                <a:tc>
-                  <a:txBody>
-                    <a:bodyPr/>
-                    <a:lstStyle/>
-                    <a:p>
-                      <a:pPr algn="r" fontAlgn="ctr"/>
-                      <a:r>
-                        <a:rPr lang="en-US" altLang="ko-KR" sz="1100" b="0" i="0" u="none" strike="noStrike" dirty="0">
-                          <a:solidFill>
-                            <a:srgbClr val="000000"/>
-                          </a:solidFill>
-                          <a:effectLst/>
-                          <a:latin typeface="맑은 고딕" panose="020B0503020000020004" pitchFamily="50" charset="-127"/>
-                          <a:ea typeface="맑은 고딕" panose="020B0503020000020004" pitchFamily="50" charset="-127"/>
-                        </a:rPr>
-                        <a:t>15 (12/9)</a:t>
-                      </a:r>
-                    </a:p>
-                  </a:txBody>
-                  <a:tcPr marL="9525" marR="9525" marT="9525" marB="0" anchor="ctr"/>
-                </a:tc>
-                <a:tc gridSpan="2">
-                  <a:txBody>
-                    <a:bodyPr/>
-                    <a:lstStyle/>
-                    <a:p>
-                      <a:pPr marL="0" marR="0" lvl="0" indent="0" algn="ctr" defTabSz="914400" rtl="0" eaLnBrk="1" fontAlgn="ctr" latinLnBrk="1" hangingPunct="1">
-                        <a:lnSpc>
-                          <a:spcPct val="100000"/>
-                        </a:lnSpc>
-                        <a:spcBef>
-                          <a:spcPts val="0"/>
-                        </a:spcBef>
-                        <a:spcAft>
-                          <a:spcPts val="0"/>
-                        </a:spcAft>
-                        <a:buClrTx/>
-                        <a:buSzTx/>
-                        <a:buFontTx/>
-                        <a:buNone/>
-                        <a:tabLst/>
-                        <a:defRPr/>
-                      </a:pPr>
-                      <a:r>
-                        <a:rPr lang="ko-KR" altLang="en-US" sz="1100" b="0" i="0" u="none" strike="noStrike" dirty="0">
-                          <a:solidFill>
-                            <a:srgbClr val="000000"/>
-                          </a:solidFill>
-                          <a:effectLst/>
-                          <a:latin typeface="맑은 고딕" panose="020B0503020000020004" pitchFamily="50" charset="-127"/>
-                          <a:ea typeface="+mn-ea"/>
-                        </a:rPr>
-                        <a:t>개인 프로젝트 </a:t>
-                      </a:r>
-                      <a:r>
-                        <a:rPr lang="en-US" altLang="ko-KR" sz="1100" b="0" i="0" u="none" strike="noStrike" dirty="0">
-                          <a:solidFill>
-                            <a:srgbClr val="000000"/>
-                          </a:solidFill>
-                          <a:effectLst/>
-                          <a:latin typeface="맑은 고딕" panose="020B0503020000020004" pitchFamily="50" charset="-127"/>
-                          <a:ea typeface="+mn-ea"/>
-                        </a:rPr>
-                        <a:t>3: </a:t>
-                      </a:r>
-                      <a:r>
-                        <a:rPr lang="ko-KR" altLang="en-US" sz="1100" b="0" i="0" u="none" strike="noStrike" dirty="0">
-                          <a:solidFill>
-                            <a:srgbClr val="000000"/>
-                          </a:solidFill>
-                          <a:effectLst/>
-                          <a:latin typeface="맑은 고딕" panose="020B0503020000020004" pitchFamily="50" charset="-127"/>
-                          <a:ea typeface="+mn-ea"/>
-                        </a:rPr>
-                        <a:t>최종 프로젝트 발표</a:t>
-                      </a:r>
-                      <a:r>
-                        <a:rPr lang="en-US" altLang="ko-KR" sz="1100" b="0" i="0" u="none" strike="noStrike" dirty="0">
-                          <a:solidFill>
-                            <a:srgbClr val="000000"/>
-                          </a:solidFill>
-                          <a:effectLst/>
-                          <a:latin typeface="맑은 고딕" panose="020B0503020000020004" pitchFamily="50" charset="-127"/>
-                          <a:ea typeface="+mn-ea"/>
-                        </a:rPr>
-                        <a:t>, </a:t>
-                      </a:r>
-                      <a:r>
-                        <a:rPr lang="ko-KR" altLang="en-US" sz="1100" b="0" i="0" u="none" strike="noStrike" dirty="0">
-                          <a:solidFill>
-                            <a:srgbClr val="000000"/>
-                          </a:solidFill>
-                          <a:effectLst/>
-                          <a:latin typeface="맑은 고딕" panose="020B0503020000020004" pitchFamily="50" charset="-127"/>
-                          <a:ea typeface="+mn-ea"/>
-                        </a:rPr>
-                        <a:t>기능 구현 소개 및 시연</a:t>
-                      </a:r>
-                      <a:r>
-                        <a:rPr lang="en-US" altLang="ko-KR" sz="1100" b="0" i="0" u="none" strike="noStrike" dirty="0">
-                          <a:solidFill>
-                            <a:srgbClr val="000000"/>
-                          </a:solidFill>
-                          <a:effectLst/>
-                          <a:latin typeface="맑은 고딕" panose="020B0503020000020004" pitchFamily="50" charset="-127"/>
-                          <a:ea typeface="+mn-ea"/>
-                        </a:rPr>
-                        <a:t>, OSS </a:t>
-                      </a:r>
-                      <a:r>
-                        <a:rPr lang="ko-KR" altLang="en-US" sz="1100" b="0" i="0" u="none" strike="noStrike" dirty="0">
-                          <a:solidFill>
-                            <a:srgbClr val="000000"/>
-                          </a:solidFill>
-                          <a:effectLst/>
-                          <a:latin typeface="맑은 고딕" panose="020B0503020000020004" pitchFamily="50" charset="-127"/>
-                          <a:ea typeface="+mn-ea"/>
-                        </a:rPr>
-                        <a:t>커뮤니티 활동 소개</a:t>
-                      </a:r>
-                    </a:p>
-                  </a:txBody>
-                  <a:tcPr marL="9525" marR="9525" marT="9525" marB="0" anchor="ctr">
-                    <a:solidFill>
-                      <a:schemeClr val="accent4"/>
-                    </a:solidFill>
-                  </a:tcPr>
-                </a:tc>
-                <a:tc hMerge="1">
-                  <a:txBody>
-                    <a:bodyPr/>
-                    <a:lstStyle/>
-                    <a:p>
-                      <a:pPr algn="ctr" fontAlgn="ctr"/>
-                      <a:endParaRPr lang="ko-KR" altLang="en-US" sz="1100" b="0" i="0" u="none" strike="noStrike" dirty="0">
-                        <a:solidFill>
-                          <a:srgbClr val="000000"/>
-                        </a:solidFill>
-                        <a:effectLst/>
-                        <a:latin typeface="맑은 고딕" panose="020B0503020000020004" pitchFamily="50" charset="-127"/>
-                        <a:ea typeface="맑은 고딕" panose="020B0503020000020004" pitchFamily="50" charset="-127"/>
-                      </a:endParaRPr>
-                    </a:p>
-                  </a:txBody>
-                  <a:tcPr marL="9525" marR="9525" marT="9525" marB="0" anchor="ctr"/>
-                </a:tc>
-                <a:extLst>
-                  <a:ext uri="{0D108BD9-81ED-4DB2-BD59-A6C34878D82A}">
-                    <a16:rowId xmlns:a16="http://schemas.microsoft.com/office/drawing/2014/main" val="676618592"/>
-                  </a:ext>
-                </a:extLst>
-              </a:tr>
-            </a:tbl>
-          </a:graphicData>
-        </a:graphic>
-      </p:graphicFrame>
-      <p:sp>
-        <p:nvSpPr>
-          <p:cNvPr id="3" name="슬라이드 번호 개체 틀 2"/>
+          </p:nvPr>
+        </p:nvSpPr>
+        <p:spPr/>
+        <p:txBody>
+          <a:bodyPr/>
+          <a:lstStyle/>
+          <a:p>
+            <a:r>
+              <a:rPr lang="en-US" altLang="ko-KR" dirty="0"/>
+              <a:t>Visual Studio 2019 Community </a:t>
+            </a:r>
+            <a:r>
+              <a:rPr lang="ko-KR" altLang="en-US" dirty="0"/>
+              <a:t>설치</a:t>
+            </a:r>
+            <a:endParaRPr lang="en-US" altLang="ko-KR" dirty="0"/>
+          </a:p>
+          <a:p>
+            <a:r>
+              <a:rPr lang="ko-KR" altLang="en-US" dirty="0"/>
+              <a:t>뒤 슬라이드 참고하여 </a:t>
+            </a:r>
+            <a:r>
+              <a:rPr lang="en-US" altLang="ko-KR" dirty="0"/>
+              <a:t>Cloning, Build </a:t>
+            </a:r>
+            <a:r>
+              <a:rPr lang="ko-KR" altLang="en-US" dirty="0"/>
+              <a:t>수행</a:t>
+            </a:r>
+          </a:p>
+        </p:txBody>
+      </p:sp>
+      <p:sp>
+        <p:nvSpPr>
+          <p:cNvPr id="4" name="슬라이드 번호 개체 틀 3">
+            <a:extLst>
+              <a:ext uri="{FF2B5EF4-FFF2-40B4-BE49-F238E27FC236}">
+                <a16:creationId xmlns:a16="http://schemas.microsoft.com/office/drawing/2014/main" id="{0DE8CBC8-0C27-4FF6-8543-DA508DB4A85A}"/>
+              </a:ext>
+            </a:extLst>
+          </p:cNvPr>
           <p:cNvSpPr>
             <a:spLocks noGrp="1"/>
           </p:cNvSpPr>
@@ -7544,7 +5715,7 @@
     </p:spTree>
     <p:extLst>
       <p:ext uri="{BB962C8B-B14F-4D97-AF65-F5344CB8AC3E}">
-        <p14:creationId xmlns:p14="http://schemas.microsoft.com/office/powerpoint/2010/main" val="2479531008"/>
+        <p14:creationId xmlns:p14="http://schemas.microsoft.com/office/powerpoint/2010/main" val="2945952718"/>
       </p:ext>
     </p:extLst>
   </p:cSld>
@@ -8759,15 +6930,7 @@
             </a:r>
             <a:r>
               <a:rPr lang="ko-KR" altLang="en-US" dirty="0"/>
-              <a:t>을 빌드하려고 </a:t>
-            </a:r>
-            <a:r>
-              <a:rPr lang="ko-KR" altLang="en-US" dirty="0" err="1"/>
-              <a:t>할때</a:t>
-            </a:r>
-            <a:r>
-              <a:rPr lang="ko-KR" altLang="en-US" dirty="0"/>
-              <a:t> 메모리 부족 현상이 나타날 수 있음</a:t>
+              <a:t>을 빌드하려고 할 때 메모리 부족 현상이 나타날 수 있음</a:t>
             </a:r>
             <a:r>
               <a:rPr lang="en-US" altLang="ko-KR" dirty="0"/>
@@ -9010,10 +7173,10 @@
       </p:grpSpPr>
       <p:sp>
         <p:nvSpPr>
-          <p:cNvPr id="6" name="제목 5">
-            <a:extLst>
-              <a:ext uri="{FF2B5EF4-FFF2-40B4-BE49-F238E27FC236}">
-                <a16:creationId xmlns:a16="http://schemas.microsoft.com/office/drawing/2014/main" id="{F3178B16-008D-4BC7-904A-BEABF5705B80}"/>
+          <p:cNvPr id="2" name="제목 1">
+            <a:extLst>
+              <a:ext uri="{FF2B5EF4-FFF2-40B4-BE49-F238E27FC236}">
+                <a16:creationId xmlns:a16="http://schemas.microsoft.com/office/drawing/2014/main" id="{B335ACF7-F24C-43F5-9702-D12AC1DD228A}"/>
               </a:ext>
             </a:extLst>
           </p:cNvPr>
@@ -9030,51 +7193,218 @@
           <a:lstStyle/>
           <a:p>
             <a:r>
+              <a:rPr lang="ko-KR" altLang="en-US" dirty="0"/>
+              <a:t>첫 번째 시도</a:t>
+            </a:r>
+            <a:r>
               <a:rPr lang="en-US" altLang="ko-KR" dirty="0"/>
-              <a:t>Documentation </a:t>
-            </a:r>
-            <a:r>
-              <a:rPr lang="ko-KR" altLang="en-US" dirty="0"/>
-              <a:t>확인</a:t>
-            </a:r>
-          </a:p>
-        </p:txBody>
-      </p:sp>
-      <p:pic>
-        <p:nvPicPr>
-          <p:cNvPr id="4" name="내용 개체 틀 3">
-            <a:extLst>
-              <a:ext uri="{FF2B5EF4-FFF2-40B4-BE49-F238E27FC236}">
-                <a16:creationId xmlns:a16="http://schemas.microsoft.com/office/drawing/2014/main" id="{6A3C3D1B-7E7D-4053-9B44-453ECDE3BB39}"/>
-              </a:ext>
-            </a:extLst>
-          </p:cNvPr>
-          <p:cNvPicPr>
-            <a:picLocks noGrp="1" noChangeAspect="1"/>
-          </p:cNvPicPr>
+              <a:t>: </a:t>
+            </a:r>
+            <a:r>
+              <a:rPr lang="ko-KR" altLang="en-US" dirty="0"/>
+              <a:t>실패</a:t>
+            </a:r>
+          </a:p>
+        </p:txBody>
+      </p:sp>
+      <p:sp>
+        <p:nvSpPr>
+          <p:cNvPr id="3" name="내용 개체 틀 2">
+            <a:extLst>
+              <a:ext uri="{FF2B5EF4-FFF2-40B4-BE49-F238E27FC236}">
+                <a16:creationId xmlns:a16="http://schemas.microsoft.com/office/drawing/2014/main" id="{5E3249C9-3712-489C-AEE0-570DABCDA180}"/>
+              </a:ext>
+            </a:extLst>
+          </p:cNvPr>
+          <p:cNvSpPr>
+            <a:spLocks noGrp="1"/>
+          </p:cNvSpPr>
           <p:nvPr>
             <p:ph idx="1"/>
           </p:nvPr>
-        </p:nvPicPr>
-        <p:blipFill>
-          <a:blip r:embed="rId2"/>
-          <a:stretch>
-            <a:fillRect/>
-          </a:stretch>
-        </p:blipFill>
-        <p:spPr>
-          <a:xfrm>
-            <a:off x="395288" y="1798540"/>
-            <a:ext cx="8353425" cy="3789558"/>
-          </a:xfrm>
-        </p:spPr>
-      </p:pic>
-      <p:sp>
-        <p:nvSpPr>
-          <p:cNvPr id="2" name="슬라이드 번호 개체 틀 1">
-            <a:extLst>
-              <a:ext uri="{FF2B5EF4-FFF2-40B4-BE49-F238E27FC236}">
-                <a16:creationId xmlns:a16="http://schemas.microsoft.com/office/drawing/2014/main" id="{3F4395CA-DAAB-4FE5-8275-0A36453D838A}"/>
+        </p:nvSpPr>
+        <p:spPr/>
+        <p:txBody>
+          <a:bodyPr/>
+          <a:lstStyle/>
+          <a:p>
+            <a:r>
+              <a:rPr lang="ko-KR" altLang="en-US" sz="2000" dirty="0"/>
+              <a:t>더하기를 수행하면 빼기가 수행되게 수정</a:t>
+            </a:r>
+            <a:endParaRPr lang="en-US" altLang="ko-KR" sz="2000" dirty="0"/>
+          </a:p>
+          <a:p>
+            <a:pPr lvl="1"/>
+            <a:r>
+              <a:rPr lang="ko-KR" altLang="en-US" sz="1800" dirty="0"/>
+              <a:t>처음에는 단순히 </a:t>
+            </a:r>
+            <a:r>
+              <a:rPr lang="en-US" altLang="ko-KR" sz="1800" dirty="0"/>
+              <a:t>+ </a:t>
+            </a:r>
+            <a:r>
+              <a:rPr lang="ko-KR" altLang="en-US" sz="1800" dirty="0"/>
+              <a:t>연산자를 사용해 계산하고 결과를 보여주리라 예상</a:t>
+            </a:r>
+            <a:endParaRPr lang="en-US" altLang="ko-KR" sz="1800" dirty="0"/>
+          </a:p>
+          <a:p>
+            <a:pPr lvl="1"/>
+            <a:r>
+              <a:rPr lang="ko-KR" altLang="en-US" sz="1800" dirty="0"/>
+              <a:t>실제 확인해보니 각 자릿수 별로 더하기를 수행하여 최종 결과 도출</a:t>
+            </a:r>
+            <a:br>
+              <a:rPr lang="en-US" altLang="ko-KR" sz="1800" dirty="0"/>
+            </a:br>
+            <a:r>
+              <a:rPr lang="en-US" altLang="ko-KR" sz="1800" dirty="0"/>
+              <a:t>(</a:t>
+            </a:r>
+            <a:r>
+              <a:rPr lang="ko-KR" altLang="en-US" sz="1800" dirty="0"/>
+              <a:t>대단히 큰 숫자의 연산을 위해서 이렇게 구현한 듯</a:t>
+            </a:r>
+            <a:r>
+              <a:rPr lang="en-US" altLang="ko-KR" sz="1800" dirty="0"/>
+              <a:t>)</a:t>
+            </a:r>
+          </a:p>
+          <a:p>
+            <a:pPr lvl="1"/>
+            <a:r>
+              <a:rPr lang="ko-KR" altLang="en-US" sz="1800" dirty="0"/>
+              <a:t>또한 빼기 연산을 위한 코드는 따로 없고</a:t>
+            </a:r>
+            <a:r>
+              <a:rPr lang="en-US" altLang="ko-KR" sz="1800" dirty="0"/>
+              <a:t>, </a:t>
+            </a:r>
+            <a:r>
+              <a:rPr lang="ko-KR" altLang="en-US" sz="1800" dirty="0"/>
+              <a:t>더하기 코드를 이용하며 </a:t>
+            </a:r>
+            <a:br>
+              <a:rPr lang="en-US" altLang="ko-KR" sz="1800" dirty="0"/>
+            </a:br>
+            <a:r>
+              <a:rPr lang="ko-KR" altLang="en-US" sz="1800" dirty="0"/>
+              <a:t>단순히 음수 양수 여부 </a:t>
+            </a:r>
+            <a:r>
+              <a:rPr lang="en-US" altLang="ko-KR" sz="1800" dirty="0"/>
+              <a:t>(sign </a:t>
+            </a:r>
+            <a:r>
+              <a:rPr lang="ko-KR" altLang="en-US" sz="1800" dirty="0"/>
+              <a:t>값</a:t>
+            </a:r>
+            <a:r>
+              <a:rPr lang="en-US" altLang="ko-KR" sz="1800" dirty="0"/>
+              <a:t>) </a:t>
+            </a:r>
+            <a:r>
+              <a:rPr lang="ko-KR" altLang="en-US" sz="1800" dirty="0"/>
+              <a:t>만 변경함</a:t>
+            </a:r>
+            <a:endParaRPr lang="en-US" altLang="ko-KR" sz="1800" dirty="0"/>
+          </a:p>
+          <a:p>
+            <a:pPr lvl="1"/>
+            <a:r>
+              <a:rPr lang="ko-KR" altLang="en-US" sz="1800" dirty="0"/>
+              <a:t>최종적으로 더하기 연산에 대해 </a:t>
+            </a:r>
+            <a:r>
+              <a:rPr lang="en-US" altLang="ko-KR" sz="1800" dirty="0"/>
+              <a:t>sign </a:t>
+            </a:r>
+            <a:r>
+              <a:rPr lang="ko-KR" altLang="en-US" sz="1800" dirty="0"/>
+              <a:t>을 바꿔주는 방식으로 구현하려고 했음</a:t>
+            </a:r>
+            <a:endParaRPr lang="en-US" altLang="ko-KR" sz="2000" dirty="0"/>
+          </a:p>
+          <a:p>
+            <a:r>
+              <a:rPr lang="ko-KR" altLang="en-US" sz="2000" dirty="0"/>
+              <a:t>실패 원인</a:t>
+            </a:r>
+            <a:endParaRPr lang="en-US" altLang="ko-KR" sz="2000" dirty="0"/>
+          </a:p>
+          <a:p>
+            <a:pPr lvl="1"/>
+            <a:r>
+              <a:rPr lang="ko-KR" altLang="en-US" sz="1800" dirty="0"/>
+              <a:t>내부적으로 더하기 연산을 초기화 과정에 이용함</a:t>
+            </a:r>
+            <a:endParaRPr lang="en-US" altLang="ko-KR" sz="1800" dirty="0"/>
+          </a:p>
+          <a:p>
+            <a:pPr lvl="1"/>
+            <a:r>
+              <a:rPr lang="ko-KR" altLang="en-US" sz="1800" dirty="0"/>
+              <a:t>더하기를 빼기로 바꾸었더니 초기화가 완료되지 않음</a:t>
+            </a:r>
+            <a:endParaRPr lang="en-US" altLang="ko-KR" sz="1800" dirty="0"/>
+          </a:p>
+          <a:p>
+            <a:pPr lvl="1"/>
+            <a:r>
+              <a:rPr lang="en-US" altLang="ko-KR" sz="1800" dirty="0"/>
+              <a:t>Break point</a:t>
+            </a:r>
+            <a:r>
+              <a:rPr lang="ko-KR" altLang="en-US" sz="1800" dirty="0"/>
+              <a:t>를 넣어 확인해보았으나</a:t>
+            </a:r>
+            <a:r>
+              <a:rPr lang="en-US" altLang="ko-KR" sz="1800" dirty="0"/>
+              <a:t>, </a:t>
+            </a:r>
+            <a:r>
+              <a:rPr lang="ko-KR" altLang="en-US" sz="1800" dirty="0"/>
+              <a:t>어떤 루틴인지 파악이 어려움</a:t>
+            </a:r>
+            <a:endParaRPr lang="en-US" altLang="ko-KR" sz="1800" dirty="0"/>
+          </a:p>
+          <a:p>
+            <a:pPr lvl="1"/>
+            <a:r>
+              <a:rPr lang="ko-KR" altLang="en-US" sz="1800" dirty="0"/>
+              <a:t>이것을 확인하려면 초기화 과정을 검토해야 하며</a:t>
+            </a:r>
+            <a:r>
+              <a:rPr lang="en-US" altLang="ko-KR" sz="1800" dirty="0"/>
+              <a:t>, </a:t>
+            </a:r>
+            <a:r>
+              <a:rPr lang="ko-KR" altLang="en-US" sz="1800" dirty="0"/>
+              <a:t>이는 시간이 많이 소요됨</a:t>
+            </a:r>
+            <a:endParaRPr lang="en-US" altLang="ko-KR" sz="1800" dirty="0"/>
+          </a:p>
+          <a:p>
+            <a:pPr lvl="1"/>
+            <a:r>
+              <a:rPr lang="ko-KR" altLang="en-US" sz="1800" dirty="0"/>
+              <a:t>다른 아이디어로 변경</a:t>
+            </a:r>
+            <a:r>
+              <a:rPr lang="en-US" altLang="ko-KR" sz="1800" dirty="0"/>
+              <a:t>!</a:t>
+            </a:r>
+          </a:p>
+        </p:txBody>
+      </p:sp>
+      <p:sp>
+        <p:nvSpPr>
+          <p:cNvPr id="4" name="슬라이드 번호 개체 틀 3">
+            <a:extLst>
+              <a:ext uri="{FF2B5EF4-FFF2-40B4-BE49-F238E27FC236}">
+                <a16:creationId xmlns:a16="http://schemas.microsoft.com/office/drawing/2014/main" id="{711C656C-62DA-4166-9C9B-835070A12A10}"/>
               </a:ext>
             </a:extLst>
           </p:cNvPr>
@@ -9102,7 +7432,7 @@
     </p:spTree>
     <p:extLst>
       <p:ext uri="{BB962C8B-B14F-4D97-AF65-F5344CB8AC3E}">
-        <p14:creationId xmlns:p14="http://schemas.microsoft.com/office/powerpoint/2010/main" val="3184938564"/>
+        <p14:creationId xmlns:p14="http://schemas.microsoft.com/office/powerpoint/2010/main" val="216418786"/>
       </p:ext>
     </p:extLst>
   </p:cSld>
@@ -9131,10 +7461,71 @@
       </p:grpSpPr>
       <p:sp>
         <p:nvSpPr>
+          <p:cNvPr id="6" name="제목 5">
+            <a:extLst>
+              <a:ext uri="{FF2B5EF4-FFF2-40B4-BE49-F238E27FC236}">
+                <a16:creationId xmlns:a16="http://schemas.microsoft.com/office/drawing/2014/main" id="{F3178B16-008D-4BC7-904A-BEABF5705B80}"/>
+              </a:ext>
+            </a:extLst>
+          </p:cNvPr>
+          <p:cNvSpPr>
+            <a:spLocks noGrp="1"/>
+          </p:cNvSpPr>
+          <p:nvPr>
+            <p:ph type="title"/>
+          </p:nvPr>
+        </p:nvSpPr>
+        <p:spPr/>
+        <p:txBody>
+          <a:bodyPr/>
+          <a:lstStyle/>
+          <a:p>
+            <a:r>
+              <a:rPr lang="en-US" altLang="ko-KR" dirty="0"/>
+              <a:t>Documentation </a:t>
+            </a:r>
+            <a:r>
+              <a:rPr lang="ko-KR" altLang="en-US" dirty="0"/>
+              <a:t>확인</a:t>
+            </a:r>
+          </a:p>
+        </p:txBody>
+      </p:sp>
+      <p:pic>
+        <p:nvPicPr>
+          <p:cNvPr id="4" name="내용 개체 틀 3">
+            <a:extLst>
+              <a:ext uri="{FF2B5EF4-FFF2-40B4-BE49-F238E27FC236}">
+                <a16:creationId xmlns:a16="http://schemas.microsoft.com/office/drawing/2014/main" id="{6A3C3D1B-7E7D-4053-9B44-453ECDE3BB39}"/>
+              </a:ext>
+            </a:extLst>
+          </p:cNvPr>
+          <p:cNvPicPr>
+            <a:picLocks noGrp="1" noChangeAspect="1"/>
+          </p:cNvPicPr>
+          <p:nvPr>
+            <p:ph idx="1"/>
+          </p:nvPr>
+        </p:nvPicPr>
+        <p:blipFill>
+          <a:blip r:embed="rId2"/>
+          <a:stretch>
+            <a:fillRect/>
+          </a:stretch>
+        </p:blipFill>
+        <p:spPr>
+          <a:xfrm>
+            <a:off x="395288" y="1798540"/>
+            <a:ext cx="8353425" cy="3789558"/>
+          </a:xfrm>
+        </p:spPr>
+      </p:pic>
+      <p:sp>
+        <p:nvSpPr>
           <p:cNvPr id="2" name="슬라이드 번호 개체 틀 1">
             <a:extLst>
               <a:ext uri="{FF2B5EF4-FFF2-40B4-BE49-F238E27FC236}">
-                <a16:creationId xmlns:a16="http://schemas.microsoft.com/office/drawing/2014/main" id="{6663718A-16DE-468D-BF5D-838D4968427F}"/>
+                <a16:creationId xmlns:a16="http://schemas.microsoft.com/office/drawing/2014/main" id="{3F4395CA-DAAB-4FE5-8275-0A36453D838A}"/>
               </a:ext>
             </a:extLst>
           </p:cNvPr>
@@ -9152,7 +7543,104 @@
           <a:p>
             <a:fld id="{64F0D409-D3F6-4EEC-8C77-1F5E89989FFB}" type="slidenum">
               <a:rPr lang="ko-KR" altLang="en-US" smtClean="0"/>
+              <a:pPr/>
               <a:t>28</a:t>
+            </a:fld>
+            <a:endParaRPr lang="ko-KR" altLang="en-US"/>
+          </a:p>
+        </p:txBody>
+      </p:sp>
+      <p:sp>
+        <p:nvSpPr>
+          <p:cNvPr id="3" name="직사각형 2">
+            <a:extLst>
+              <a:ext uri="{FF2B5EF4-FFF2-40B4-BE49-F238E27FC236}">
+                <a16:creationId xmlns:a16="http://schemas.microsoft.com/office/drawing/2014/main" id="{03A06D79-5F7F-45CB-BDCA-FC965781B19E}"/>
+              </a:ext>
+            </a:extLst>
+          </p:cNvPr>
+          <p:cNvSpPr/>
+          <p:nvPr/>
+        </p:nvSpPr>
+        <p:spPr>
+          <a:xfrm>
+            <a:off x="541724" y="1152210"/>
+            <a:ext cx="8095130" cy="307777"/>
+          </a:xfrm>
+          <a:prstGeom prst="rect">
+            <a:avLst/>
+          </a:prstGeom>
+        </p:spPr>
+        <p:txBody>
+          <a:bodyPr wrap="square">
+            <a:spAutoFit/>
+          </a:bodyPr>
+          <a:lstStyle/>
+          <a:p>
+            <a:r>
+              <a:rPr lang="ko-KR" altLang="en-US" sz="1400" dirty="0">
+                <a:hlinkClick r:id="rId3"/>
+              </a:rPr>
+              <a:t>https://github.com/microsoft/calculator/blob/master/docs/ApplicationArchitecture.md</a:t>
+            </a:r>
+            <a:endParaRPr lang="ko-KR" altLang="en-US" sz="1400" dirty="0"/>
+          </a:p>
+        </p:txBody>
+      </p:sp>
+    </p:spTree>
+    <p:extLst>
+      <p:ext uri="{BB962C8B-B14F-4D97-AF65-F5344CB8AC3E}">
+        <p14:creationId xmlns:p14="http://schemas.microsoft.com/office/powerpoint/2010/main" val="3184938564"/>
+      </p:ext>
+    </p:extLst>
+  </p:cSld>
+  <p:clrMapOvr>
+    <a:masterClrMapping/>
+  </p:clrMapOvr>
+</p:sld>
+</file>
+
+<file path=ppt/slides/slide29.xml><?xml version="1.0" encoding="utf-8"?>
+<p:sld xmlns:a="http://schemas.openxmlformats.org/drawingml/2006/main" xmlns:r="http://schemas.openxmlformats.org/officeDocument/2006/relationships" xmlns:p="http://schemas.openxmlformats.org/presentationml/2006/main">
+  <p:cSld>
+    <p:spTree>
+      <p:nvGrpSpPr>
+        <p:cNvPr id="1" name=""/>
+        <p:cNvGrpSpPr/>
+        <p:nvPr/>
+      </p:nvGrpSpPr>
+      <p:grpSpPr>
+        <a:xfrm>
+          <a:off x="0" y="0"/>
+          <a:ext cx="0" cy="0"/>
+          <a:chOff x="0" y="0"/>
+          <a:chExt cx="0" cy="0"/>
+        </a:xfrm>
+      </p:grpSpPr>
+      <p:sp>
+        <p:nvSpPr>
+          <p:cNvPr id="2" name="슬라이드 번호 개체 틀 1">
+            <a:extLst>
+              <a:ext uri="{FF2B5EF4-FFF2-40B4-BE49-F238E27FC236}">
+                <a16:creationId xmlns:a16="http://schemas.microsoft.com/office/drawing/2014/main" id="{6663718A-16DE-468D-BF5D-838D4968427F}"/>
+              </a:ext>
+            </a:extLst>
+          </p:cNvPr>
+          <p:cNvSpPr>
+            <a:spLocks noGrp="1"/>
+          </p:cNvSpPr>
+          <p:nvPr>
+            <p:ph type="sldNum" sz="quarter" idx="12"/>
+          </p:nvPr>
+        </p:nvSpPr>
+        <p:spPr/>
+        <p:txBody>
+          <a:bodyPr/>
+          <a:lstStyle/>
+          <a:p>
+            <a:fld id="{64F0D409-D3F6-4EEC-8C77-1F5E89989FFB}" type="slidenum">
+              <a:rPr lang="ko-KR" altLang="en-US" smtClean="0"/>
+              <a:t>29</a:t>
             </a:fld>
             <a:endParaRPr lang="ko-KR" altLang="en-US"/>
           </a:p>
@@ -9255,7 +7743,7 @@
 </p:sld>
 </file>
 
-<file path=ppt/slides/slide29.xml><?xml version="1.0" encoding="utf-8"?>
+<file path=ppt/slides/slide3.xml><?xml version="1.0" encoding="utf-8"?>
 <p:sld xmlns:a="http://schemas.openxmlformats.org/drawingml/2006/main" xmlns:r="http://schemas.openxmlformats.org/officeDocument/2006/relationships" xmlns:p="http://schemas.openxmlformats.org/presentationml/2006/main">
   <p:cSld>
     <p:spTree>
@@ -9274,10 +7762,305 @@
       </p:grpSpPr>
       <p:sp>
         <p:nvSpPr>
-          <p:cNvPr id="2" name="슬라이드 번호 개체 틀 1">
-            <a:extLst>
-              <a:ext uri="{FF2B5EF4-FFF2-40B4-BE49-F238E27FC236}">
-                <a16:creationId xmlns:a16="http://schemas.microsoft.com/office/drawing/2014/main" id="{2C41EADC-C457-4F12-8334-1B5FB2B25078}"/>
+          <p:cNvPr id="2" name="제목 1">
+            <a:extLst>
+              <a:ext uri="{FF2B5EF4-FFF2-40B4-BE49-F238E27FC236}">
+                <a16:creationId xmlns:a16="http://schemas.microsoft.com/office/drawing/2014/main" id="{B3A55D83-17FD-4584-B188-03E01F468C5F}"/>
+              </a:ext>
+            </a:extLst>
+          </p:cNvPr>
+          <p:cNvSpPr>
+            <a:spLocks noGrp="1"/>
+          </p:cNvSpPr>
+          <p:nvPr>
+            <p:ph type="title"/>
+          </p:nvPr>
+        </p:nvSpPr>
+        <p:spPr/>
+        <p:txBody>
+          <a:bodyPr/>
+          <a:lstStyle/>
+          <a:p>
+            <a:r>
+              <a:rPr lang="ko-KR" altLang="en-US" dirty="0"/>
+              <a:t>개인 과제 </a:t>
+            </a:r>
+            <a:r>
+              <a:rPr lang="en-US" altLang="ko-KR" dirty="0"/>
+              <a:t>#5</a:t>
+            </a:r>
+            <a:endParaRPr lang="ko-KR" altLang="en-US" dirty="0"/>
+          </a:p>
+        </p:txBody>
+      </p:sp>
+      <p:sp>
+        <p:nvSpPr>
+          <p:cNvPr id="3" name="내용 개체 틀 2">
+            <a:extLst>
+              <a:ext uri="{FF2B5EF4-FFF2-40B4-BE49-F238E27FC236}">
+                <a16:creationId xmlns:a16="http://schemas.microsoft.com/office/drawing/2014/main" id="{6382539C-0B76-47B9-9488-FDEA70C9B954}"/>
+              </a:ext>
+            </a:extLst>
+          </p:cNvPr>
+          <p:cNvSpPr>
+            <a:spLocks noGrp="1"/>
+          </p:cNvSpPr>
+          <p:nvPr>
+            <p:ph idx="1"/>
+          </p:nvPr>
+        </p:nvSpPr>
+        <p:spPr/>
+        <p:txBody>
+          <a:bodyPr/>
+          <a:lstStyle/>
+          <a:p>
+            <a:r>
+              <a:rPr lang="ko-KR" altLang="en-US" sz="1800" dirty="0"/>
+              <a:t>제출</a:t>
+            </a:r>
+            <a:r>
+              <a:rPr lang="en-US" altLang="ko-KR" sz="1800" dirty="0"/>
+              <a:t>: </a:t>
+            </a:r>
+            <a:r>
+              <a:rPr lang="en-US" altLang="ko-KR" sz="1800" dirty="0">
+                <a:solidFill>
+                  <a:srgbClr val="FF0000"/>
+                </a:solidFill>
+              </a:rPr>
+              <a:t>Word </a:t>
+            </a:r>
+            <a:r>
+              <a:rPr lang="ko-KR" altLang="en-US" sz="1800" dirty="0">
+                <a:solidFill>
+                  <a:srgbClr val="FF0000"/>
+                </a:solidFill>
+              </a:rPr>
+              <a:t>파일에 보고서 및 캡처 화면을 넣고</a:t>
+            </a:r>
+            <a:r>
+              <a:rPr lang="en-US" altLang="ko-KR" sz="1800" dirty="0">
+                <a:solidFill>
+                  <a:srgbClr val="FF0000"/>
+                </a:solidFill>
+              </a:rPr>
+              <a:t>, PDF </a:t>
+            </a:r>
+            <a:r>
+              <a:rPr lang="ko-KR" altLang="en-US" sz="1800" dirty="0">
+                <a:solidFill>
+                  <a:srgbClr val="FF0000"/>
+                </a:solidFill>
+              </a:rPr>
+              <a:t>파일로 변환</a:t>
+            </a:r>
+            <a:r>
+              <a:rPr lang="ko-KR" altLang="en-US" sz="1800" dirty="0"/>
+              <a:t>해 </a:t>
+            </a:r>
+            <a:r>
+              <a:rPr lang="en-US" altLang="ko-KR" sz="1800" dirty="0"/>
+              <a:t>LMS </a:t>
+            </a:r>
+            <a:r>
+              <a:rPr lang="ko-KR" altLang="en-US" sz="1800" dirty="0"/>
+              <a:t>제출</a:t>
+            </a:r>
+            <a:endParaRPr lang="en-US" altLang="ko-KR" sz="1800" dirty="0"/>
+          </a:p>
+          <a:p>
+            <a:pPr lvl="1"/>
+            <a:r>
+              <a:rPr lang="ko-KR" altLang="en-US" sz="1600" dirty="0"/>
+              <a:t>파일 이름</a:t>
+            </a:r>
+            <a:r>
+              <a:rPr lang="en-US" altLang="ko-KR" sz="1600" dirty="0"/>
+              <a:t>: </a:t>
+            </a:r>
+            <a:r>
+              <a:rPr lang="ko-KR" altLang="en-US" sz="1600" dirty="0"/>
+              <a:t>학번</a:t>
+            </a:r>
+            <a:r>
+              <a:rPr lang="en-US" altLang="ko-KR" sz="1600" dirty="0"/>
+              <a:t>.pdf</a:t>
+            </a:r>
+          </a:p>
+          <a:p>
+            <a:r>
+              <a:rPr lang="ko-KR" altLang="en-US" sz="1800" dirty="0"/>
+              <a:t>각자 임의의 수정 내용을 설정해 한 가지 수정을 진행해보기</a:t>
+            </a:r>
+            <a:endParaRPr lang="en-US" altLang="ko-KR" sz="1800" dirty="0"/>
+          </a:p>
+          <a:p>
+            <a:pPr lvl="1"/>
+            <a:r>
+              <a:rPr lang="ko-KR" altLang="en-US" sz="1600" dirty="0"/>
+              <a:t>수정 내용</a:t>
+            </a:r>
+            <a:endParaRPr lang="en-US" altLang="ko-KR" sz="1600" dirty="0"/>
+          </a:p>
+          <a:p>
+            <a:pPr lvl="2"/>
+            <a:r>
+              <a:rPr lang="ko-KR" altLang="en-US" sz="1400" dirty="0"/>
+              <a:t>자유롭게 수정하여도 좋으나</a:t>
+            </a:r>
+            <a:r>
+              <a:rPr lang="en-US" altLang="ko-KR" sz="1400" dirty="0"/>
+              <a:t>, </a:t>
+            </a:r>
+            <a:r>
+              <a:rPr lang="ko-KR" altLang="en-US" sz="1400" dirty="0"/>
+              <a:t>본 슬라이드의 실습 내용은 제외</a:t>
+            </a:r>
+            <a:endParaRPr lang="en-US" altLang="ko-KR" sz="1400" dirty="0"/>
+          </a:p>
+          <a:p>
+            <a:pPr lvl="2"/>
+            <a:r>
+              <a:rPr lang="ko-KR" altLang="en-US" sz="1400" dirty="0"/>
+              <a:t>별도의 코드 분석을 진행할 수 있는 내용으로 수행할 것</a:t>
+            </a:r>
+            <a:endParaRPr lang="en-US" altLang="ko-KR" sz="1400" dirty="0"/>
+          </a:p>
+          <a:p>
+            <a:pPr lvl="1"/>
+            <a:r>
+              <a:rPr lang="ko-KR" altLang="en-US" sz="1600" dirty="0"/>
+              <a:t>보고서</a:t>
+            </a:r>
+            <a:r>
+              <a:rPr lang="en-US" altLang="ko-KR" sz="1600" dirty="0"/>
+              <a:t>: </a:t>
+            </a:r>
+            <a:r>
+              <a:rPr lang="ko-KR" altLang="en-US" sz="1600" dirty="0"/>
+              <a:t>전체 </a:t>
+            </a:r>
+            <a:r>
+              <a:rPr lang="en-US" altLang="ko-KR" sz="1600" dirty="0"/>
+              <a:t>A4 5</a:t>
+            </a:r>
+            <a:r>
+              <a:rPr lang="ko-KR" altLang="en-US" sz="1600" dirty="0"/>
+              <a:t>장 이내</a:t>
+            </a:r>
+            <a:endParaRPr lang="en-US" altLang="ko-KR" sz="1600" dirty="0"/>
+          </a:p>
+          <a:p>
+            <a:pPr lvl="2"/>
+            <a:r>
+              <a:rPr lang="ko-KR" altLang="en-US" sz="1400" dirty="0"/>
+              <a:t>수정한 내용 및 코드 분석 과정을</a:t>
+            </a:r>
+            <a:r>
+              <a:rPr lang="en-US" altLang="ko-KR" sz="1400" dirty="0"/>
+              <a:t> </a:t>
+            </a:r>
+            <a:r>
+              <a:rPr lang="ko-KR" altLang="en-US" sz="1400" dirty="0"/>
+              <a:t>기술하고</a:t>
+            </a:r>
+            <a:r>
+              <a:rPr lang="en-US" altLang="ko-KR" sz="1400" dirty="0"/>
+              <a:t>,</a:t>
+            </a:r>
+            <a:r>
+              <a:rPr lang="ko-KR" altLang="en-US" sz="1400" dirty="0"/>
+              <a:t> </a:t>
+            </a:r>
+            <a:endParaRPr lang="en-US" altLang="ko-KR" sz="1400" dirty="0"/>
+          </a:p>
+          <a:p>
+            <a:pPr lvl="2"/>
+            <a:r>
+              <a:rPr lang="ko-KR" altLang="en-US" sz="1400" dirty="0"/>
+              <a:t>과정 및 결과에 대한 캡처 화면을 적절히 삽입할 것</a:t>
+            </a:r>
+            <a:r>
+              <a:rPr lang="en-US" altLang="ko-KR" sz="1400" dirty="0"/>
+              <a:t>. (</a:t>
+            </a:r>
+            <a:r>
+              <a:rPr lang="ko-KR" altLang="en-US" sz="1400" dirty="0"/>
+              <a:t>적절한 크기와 개수</a:t>
+            </a:r>
+            <a:r>
+              <a:rPr lang="en-US" altLang="ko-KR" sz="1400" dirty="0"/>
+              <a:t>)</a:t>
+            </a:r>
+          </a:p>
+          <a:p>
+            <a:pPr lvl="2"/>
+            <a:r>
+              <a:rPr lang="ko-KR" altLang="en-US" sz="1400" dirty="0"/>
+              <a:t>실패한 시도가 있다면 그것도 추가할 것</a:t>
+            </a:r>
+            <a:endParaRPr lang="en-US" altLang="ko-KR" sz="1400" dirty="0"/>
+          </a:p>
+          <a:p>
+            <a:r>
+              <a:rPr lang="ko-KR" altLang="en-US" sz="1800" dirty="0"/>
+              <a:t>기한</a:t>
+            </a:r>
+            <a:r>
+              <a:rPr lang="en-US" altLang="ko-KR" sz="1800" dirty="0"/>
+              <a:t>: 11/9 (</a:t>
+            </a:r>
+            <a:r>
+              <a:rPr lang="ko-KR" altLang="en-US" sz="1800" dirty="0"/>
+              <a:t>월</a:t>
+            </a:r>
+            <a:r>
+              <a:rPr lang="en-US" altLang="ko-KR" sz="1800" dirty="0"/>
+              <a:t>)</a:t>
+            </a:r>
+            <a:r>
+              <a:rPr lang="ko-KR" altLang="en-US" sz="1800" dirty="0"/>
+              <a:t> </a:t>
+            </a:r>
+            <a:r>
+              <a:rPr lang="en-US" altLang="ko-KR" sz="1800" dirty="0"/>
+              <a:t>23:59</a:t>
+            </a:r>
+          </a:p>
+          <a:p>
+            <a:pPr lvl="1"/>
+            <a:r>
+              <a:rPr lang="ko-KR" altLang="en-US" sz="1600" dirty="0"/>
+              <a:t>지각 감점</a:t>
+            </a:r>
+            <a:r>
+              <a:rPr lang="en-US" altLang="ko-KR" sz="1600" dirty="0"/>
+              <a:t>: 5%p / 12H</a:t>
+            </a:r>
+          </a:p>
+          <a:p>
+            <a:pPr lvl="1"/>
+            <a:r>
+              <a:rPr lang="en-US" altLang="ko-KR" sz="1600" dirty="0"/>
+              <a:t>1</a:t>
+            </a:r>
+            <a:r>
+              <a:rPr lang="ko-KR" altLang="en-US" sz="1600" dirty="0"/>
+              <a:t>주 이후 제출 차단</a:t>
+            </a:r>
+            <a:endParaRPr lang="en-US" altLang="ko-KR" sz="1600" dirty="0"/>
+          </a:p>
+          <a:p>
+            <a:endParaRPr lang="ko-KR" altLang="en-US" sz="1800" dirty="0"/>
+          </a:p>
+        </p:txBody>
+      </p:sp>
+      <p:sp>
+        <p:nvSpPr>
+          <p:cNvPr id="4" name="슬라이드 번호 개체 틀 3">
+            <a:extLst>
+              <a:ext uri="{FF2B5EF4-FFF2-40B4-BE49-F238E27FC236}">
+                <a16:creationId xmlns:a16="http://schemas.microsoft.com/office/drawing/2014/main" id="{77DDB07E-1E97-443E-8AA0-A95F399E88D2}"/>
               </a:ext>
             </a:extLst>
           </p:cNvPr>
@@ -9295,7 +8078,67 @@
           <a:p>
             <a:fld id="{64F0D409-D3F6-4EEC-8C77-1F5E89989FFB}" type="slidenum">
               <a:rPr lang="ko-KR" altLang="en-US" smtClean="0"/>
-              <a:t>29</a:t>
+              <a:pPr/>
+              <a:t>3</a:t>
+            </a:fld>
+            <a:endParaRPr lang="ko-KR" altLang="en-US"/>
+          </a:p>
+        </p:txBody>
+      </p:sp>
+    </p:spTree>
+    <p:extLst>
+      <p:ext uri="{BB962C8B-B14F-4D97-AF65-F5344CB8AC3E}">
+        <p14:creationId xmlns:p14="http://schemas.microsoft.com/office/powerpoint/2010/main" val="74958769"/>
+      </p:ext>
+    </p:extLst>
+  </p:cSld>
+  <p:clrMapOvr>
+    <a:masterClrMapping/>
+  </p:clrMapOvr>
+</p:sld>
+</file>
+
+<file path=ppt/slides/slide30.xml><?xml version="1.0" encoding="utf-8"?>
+<p:sld xmlns:a="http://schemas.openxmlformats.org/drawingml/2006/main" xmlns:r="http://schemas.openxmlformats.org/officeDocument/2006/relationships" xmlns:p="http://schemas.openxmlformats.org/presentationml/2006/main">
+  <p:cSld>
+    <p:spTree>
+      <p:nvGrpSpPr>
+        <p:cNvPr id="1" name=""/>
+        <p:cNvGrpSpPr/>
+        <p:nvPr/>
+      </p:nvGrpSpPr>
+      <p:grpSpPr>
+        <a:xfrm>
+          <a:off x="0" y="0"/>
+          <a:ext cx="0" cy="0"/>
+          <a:chOff x="0" y="0"/>
+          <a:chExt cx="0" cy="0"/>
+        </a:xfrm>
+      </p:grpSpPr>
+      <p:sp>
+        <p:nvSpPr>
+          <p:cNvPr id="2" name="슬라이드 번호 개체 틀 1">
+            <a:extLst>
+              <a:ext uri="{FF2B5EF4-FFF2-40B4-BE49-F238E27FC236}">
+                <a16:creationId xmlns:a16="http://schemas.microsoft.com/office/drawing/2014/main" id="{2C41EADC-C457-4F12-8334-1B5FB2B25078}"/>
+              </a:ext>
+            </a:extLst>
+          </p:cNvPr>
+          <p:cNvSpPr>
+            <a:spLocks noGrp="1"/>
+          </p:cNvSpPr>
+          <p:nvPr>
+            <p:ph type="sldNum" sz="quarter" idx="12"/>
+          </p:nvPr>
+        </p:nvSpPr>
+        <p:spPr/>
+        <p:txBody>
+          <a:bodyPr/>
+          <a:lstStyle/>
+          <a:p>
+            <a:fld id="{64F0D409-D3F6-4EEC-8C77-1F5E89989FFB}" type="slidenum">
+              <a:rPr lang="ko-KR" altLang="en-US" smtClean="0"/>
+              <a:t>30</a:t>
             </a:fld>
             <a:endParaRPr lang="ko-KR" altLang="en-US"/>
           </a:p>
@@ -9398,7 +8241,7 @@
 </p:sld>
 </file>
 
-<file path=ppt/slides/slide3.xml><?xml version="1.0" encoding="utf-8"?>
+<file path=ppt/slides/slide31.xml><?xml version="1.0" encoding="utf-8"?>
 <p:sld xmlns:a="http://schemas.openxmlformats.org/drawingml/2006/main" xmlns:r="http://schemas.openxmlformats.org/officeDocument/2006/relationships" xmlns:p="http://schemas.openxmlformats.org/presentationml/2006/main">
   <p:cSld>
     <p:spTree>
@@ -9417,90 +8260,10 @@
       </p:grpSpPr>
       <p:sp>
         <p:nvSpPr>
-          <p:cNvPr id="2" name="제목 1">
-            <a:extLst>
-              <a:ext uri="{FF2B5EF4-FFF2-40B4-BE49-F238E27FC236}">
-                <a16:creationId xmlns:a16="http://schemas.microsoft.com/office/drawing/2014/main" id="{AD8D8AB6-92BB-4029-81E9-2EA137A67530}"/>
-              </a:ext>
-            </a:extLst>
-          </p:cNvPr>
-          <p:cNvSpPr>
-            <a:spLocks noGrp="1"/>
-          </p:cNvSpPr>
-          <p:nvPr>
-            <p:ph type="title"/>
-          </p:nvPr>
-        </p:nvSpPr>
-        <p:spPr/>
-        <p:txBody>
-          <a:bodyPr/>
-          <a:lstStyle/>
-          <a:p>
-            <a:r>
-              <a:rPr lang="ko-KR" altLang="en-US" dirty="0"/>
-              <a:t>시작 전에</a:t>
-            </a:r>
-            <a:r>
-              <a:rPr lang="en-US" altLang="ko-KR" dirty="0"/>
-              <a:t>…</a:t>
-            </a:r>
-            <a:endParaRPr lang="ko-KR" altLang="en-US" dirty="0"/>
-          </a:p>
-        </p:txBody>
-      </p:sp>
-      <p:sp>
-        <p:nvSpPr>
-          <p:cNvPr id="3" name="내용 개체 틀 2">
-            <a:extLst>
-              <a:ext uri="{FF2B5EF4-FFF2-40B4-BE49-F238E27FC236}">
-                <a16:creationId xmlns:a16="http://schemas.microsoft.com/office/drawing/2014/main" id="{A0B3D2E2-6AE5-4AE8-8582-8DAF24BFD3B0}"/>
-              </a:ext>
-            </a:extLst>
-          </p:cNvPr>
-          <p:cNvSpPr>
-            <a:spLocks noGrp="1"/>
-          </p:cNvSpPr>
-          <p:nvPr>
-            <p:ph idx="1"/>
-          </p:nvPr>
-        </p:nvSpPr>
-        <p:spPr/>
-        <p:txBody>
-          <a:bodyPr/>
-          <a:lstStyle/>
-          <a:p>
-            <a:r>
-              <a:rPr lang="en-US" altLang="ko-KR" dirty="0"/>
-              <a:t>Visual Studio 2019 Community </a:t>
-            </a:r>
-            <a:r>
-              <a:rPr lang="ko-KR" altLang="en-US" dirty="0"/>
-              <a:t>설치</a:t>
-            </a:r>
-            <a:endParaRPr lang="en-US" altLang="ko-KR" dirty="0"/>
-          </a:p>
-          <a:p>
-            <a:r>
-              <a:rPr lang="ko-KR" altLang="en-US" dirty="0"/>
-              <a:t>뒤 슬라이드 참고하여 </a:t>
-            </a:r>
-            <a:r>
-              <a:rPr lang="en-US" altLang="ko-KR" dirty="0"/>
-              <a:t>Cloning, Build </a:t>
-            </a:r>
-            <a:r>
-              <a:rPr lang="ko-KR" altLang="en-US" dirty="0"/>
-              <a:t>수행</a:t>
-            </a:r>
-          </a:p>
-        </p:txBody>
-      </p:sp>
-      <p:sp>
-        <p:nvSpPr>
-          <p:cNvPr id="4" name="슬라이드 번호 개체 틀 3">
-            <a:extLst>
-              <a:ext uri="{FF2B5EF4-FFF2-40B4-BE49-F238E27FC236}">
-                <a16:creationId xmlns:a16="http://schemas.microsoft.com/office/drawing/2014/main" id="{0DE8CBC8-0C27-4FF6-8543-DA508DB4A85A}"/>
+          <p:cNvPr id="2" name="슬라이드 번호 개체 틀 1">
+            <a:extLst>
+              <a:ext uri="{FF2B5EF4-FFF2-40B4-BE49-F238E27FC236}">
+                <a16:creationId xmlns:a16="http://schemas.microsoft.com/office/drawing/2014/main" id="{FB3CBD9B-6DDE-49E8-9A5D-5825F4DE6339}"/>
               </a:ext>
             </a:extLst>
           </p:cNvPr>
@@ -9518,66 +8281,7 @@
           <a:p>
             <a:fld id="{64F0D409-D3F6-4EEC-8C77-1F5E89989FFB}" type="slidenum">
               <a:rPr lang="ko-KR" altLang="en-US" smtClean="0"/>
-              <a:t>3</a:t>
-            </a:fld>
-            <a:endParaRPr lang="ko-KR" altLang="en-US"/>
-          </a:p>
-        </p:txBody>
-      </p:sp>
-    </p:spTree>
-    <p:extLst>
-      <p:ext uri="{BB962C8B-B14F-4D97-AF65-F5344CB8AC3E}">
-        <p14:creationId xmlns:p14="http://schemas.microsoft.com/office/powerpoint/2010/main" val="2945952718"/>
-      </p:ext>
-    </p:extLst>
-  </p:cSld>
-  <p:clrMapOvr>
-    <a:masterClrMapping/>
-  </p:clrMapOvr>
-</p:sld>
-</file>
-
-<file path=ppt/slides/slide30.xml><?xml version="1.0" encoding="utf-8"?>
-<p:sld xmlns:a="http://schemas.openxmlformats.org/drawingml/2006/main" xmlns:r="http://schemas.openxmlformats.org/officeDocument/2006/relationships" xmlns:p="http://schemas.openxmlformats.org/presentationml/2006/main">
-  <p:cSld>
-    <p:spTree>
-      <p:nvGrpSpPr>
-        <p:cNvPr id="1" name=""/>
-        <p:cNvGrpSpPr/>
-        <p:nvPr/>
-      </p:nvGrpSpPr>
-      <p:grpSpPr>
-        <a:xfrm>
-          <a:off x="0" y="0"/>
-          <a:ext cx="0" cy="0"/>
-          <a:chOff x="0" y="0"/>
-          <a:chExt cx="0" cy="0"/>
-        </a:xfrm>
-      </p:grpSpPr>
-      <p:sp>
-        <p:nvSpPr>
-          <p:cNvPr id="2" name="슬라이드 번호 개체 틀 1">
-            <a:extLst>
-              <a:ext uri="{FF2B5EF4-FFF2-40B4-BE49-F238E27FC236}">
-                <a16:creationId xmlns:a16="http://schemas.microsoft.com/office/drawing/2014/main" id="{FB3CBD9B-6DDE-49E8-9A5D-5825F4DE6339}"/>
-              </a:ext>
-            </a:extLst>
-          </p:cNvPr>
-          <p:cNvSpPr>
-            <a:spLocks noGrp="1"/>
-          </p:cNvSpPr>
-          <p:nvPr>
-            <p:ph type="sldNum" sz="quarter" idx="12"/>
-          </p:nvPr>
-        </p:nvSpPr>
-        <p:spPr/>
-        <p:txBody>
-          <a:bodyPr/>
-          <a:lstStyle/>
-          <a:p>
-            <a:fld id="{64F0D409-D3F6-4EEC-8C77-1F5E89989FFB}" type="slidenum">
-              <a:rPr lang="ko-KR" altLang="en-US" smtClean="0"/>
-              <a:t>30</a:t>
+              <a:t>31</a:t>
             </a:fld>
             <a:endParaRPr lang="ko-KR" altLang="en-US"/>
           </a:p>
@@ -9628,7 +8332,7 @@
 </p:sld>
 </file>
 
-<file path=ppt/slides/slide31.xml><?xml version="1.0" encoding="utf-8"?>
+<file path=ppt/slides/slide32.xml><?xml version="1.0" encoding="utf-8"?>
 <p:sld xmlns:a="http://schemas.openxmlformats.org/drawingml/2006/main" xmlns:r="http://schemas.openxmlformats.org/officeDocument/2006/relationships" xmlns:p="http://schemas.openxmlformats.org/presentationml/2006/main">
   <p:cSld>
     <p:spTree>
@@ -9668,7 +8372,7 @@
           <a:p>
             <a:fld id="{64F0D409-D3F6-4EEC-8C77-1F5E89989FFB}" type="slidenum">
               <a:rPr lang="ko-KR" altLang="en-US" smtClean="0"/>
-              <a:t>31</a:t>
+              <a:t>32</a:t>
             </a:fld>
             <a:endParaRPr lang="ko-KR" altLang="en-US"/>
           </a:p>
@@ -9793,7 +8497,7 @@
 </p:sld>
 </file>
 
-<file path=ppt/slides/slide32.xml><?xml version="1.0" encoding="utf-8"?>
+<file path=ppt/slides/slide33.xml><?xml version="1.0" encoding="utf-8"?>
 <p:sld xmlns:a="http://schemas.openxmlformats.org/drawingml/2006/main" xmlns:r="http://schemas.openxmlformats.org/officeDocument/2006/relationships" xmlns:p="http://schemas.openxmlformats.org/presentationml/2006/main">
   <p:cSld>
     <p:spTree>
@@ -9833,7 +8537,7 @@
           <a:p>
             <a:fld id="{64F0D409-D3F6-4EEC-8C77-1F5E89989FFB}" type="slidenum">
               <a:rPr lang="ko-KR" altLang="en-US" smtClean="0"/>
-              <a:t>32</a:t>
+              <a:t>33</a:t>
             </a:fld>
             <a:endParaRPr lang="ko-KR" altLang="en-US"/>
           </a:p>
@@ -9884,7 +8588,7 @@
 </p:sld>
 </file>
 
-<file path=ppt/slides/slide33.xml><?xml version="1.0" encoding="utf-8"?>
+<file path=ppt/slides/slide34.xml><?xml version="1.0" encoding="utf-8"?>
 <p:sld xmlns:a="http://schemas.openxmlformats.org/drawingml/2006/main" xmlns:r="http://schemas.openxmlformats.org/officeDocument/2006/relationships" xmlns:p="http://schemas.openxmlformats.org/presentationml/2006/main">
   <p:cSld>
     <p:spTree>
@@ -9924,7 +8628,7 @@
           <a:p>
             <a:fld id="{64F0D409-D3F6-4EEC-8C77-1F5E89989FFB}" type="slidenum">
               <a:rPr lang="ko-KR" altLang="en-US" smtClean="0"/>
-              <a:t>33</a:t>
+              <a:t>34</a:t>
             </a:fld>
             <a:endParaRPr lang="ko-KR" altLang="en-US"/>
           </a:p>
@@ -10142,7 +8846,7 @@
 </p:sld>
 </file>
 
-<file path=ppt/slides/slide34.xml><?xml version="1.0" encoding="utf-8"?>
+<file path=ppt/slides/slide35.xml><?xml version="1.0" encoding="utf-8"?>
 <p:sld xmlns:a="http://schemas.openxmlformats.org/drawingml/2006/main" xmlns:r="http://schemas.openxmlformats.org/officeDocument/2006/relationships" xmlns:p="http://schemas.openxmlformats.org/presentationml/2006/main">
   <p:cSld>
     <p:spTree>
@@ -10263,7 +8967,7 @@
             <a:fld id="{64F0D409-D3F6-4EEC-8C77-1F5E89989FFB}" type="slidenum">
               <a:rPr lang="ko-KR" altLang="en-US" smtClean="0"/>
               <a:pPr/>
-              <a:t>34</a:t>
+              <a:t>35</a:t>
             </a:fld>
             <a:endParaRPr lang="ko-KR" altLang="en-US"/>
           </a:p>
@@ -10312,144 +9016,6 @@
 </p:sld>
 </file>
 
-<file path=ppt/slides/slide35.xml><?xml version="1.0" encoding="utf-8"?>
-<p:sld xmlns:a="http://schemas.openxmlformats.org/drawingml/2006/main" xmlns:r="http://schemas.openxmlformats.org/officeDocument/2006/relationships" xmlns:p="http://schemas.openxmlformats.org/presentationml/2006/main">
-  <p:cSld>
-    <p:spTree>
-      <p:nvGrpSpPr>
-        <p:cNvPr id="1" name=""/>
-        <p:cNvGrpSpPr/>
-        <p:nvPr/>
-      </p:nvGrpSpPr>
-      <p:grpSpPr>
-        <a:xfrm>
-          <a:off x="0" y="0"/>
-          <a:ext cx="0" cy="0"/>
-          <a:chOff x="0" y="0"/>
-          <a:chExt cx="0" cy="0"/>
-        </a:xfrm>
-      </p:grpSpPr>
-      <p:sp>
-        <p:nvSpPr>
-          <p:cNvPr id="4" name="제목 3">
-            <a:extLst>
-              <a:ext uri="{FF2B5EF4-FFF2-40B4-BE49-F238E27FC236}">
-                <a16:creationId xmlns:a16="http://schemas.microsoft.com/office/drawing/2014/main" id="{B62A126A-56A0-4B57-8A71-93597C509106}"/>
-              </a:ext>
-            </a:extLst>
-          </p:cNvPr>
-          <p:cNvSpPr>
-            <a:spLocks noGrp="1"/>
-          </p:cNvSpPr>
-          <p:nvPr>
-            <p:ph type="title"/>
-          </p:nvPr>
-        </p:nvSpPr>
-        <p:spPr/>
-        <p:txBody>
-          <a:bodyPr/>
-          <a:lstStyle/>
-          <a:p>
-            <a:r>
-              <a:rPr lang="ko-KR" altLang="en-US" dirty="0"/>
-              <a:t>두 번째 시도</a:t>
-            </a:r>
-          </a:p>
-        </p:txBody>
-      </p:sp>
-      <p:sp>
-        <p:nvSpPr>
-          <p:cNvPr id="5" name="내용 개체 틀 4">
-            <a:extLst>
-              <a:ext uri="{FF2B5EF4-FFF2-40B4-BE49-F238E27FC236}">
-                <a16:creationId xmlns:a16="http://schemas.microsoft.com/office/drawing/2014/main" id="{D5C9BBCF-FB17-4CAC-9893-4D8F608B403B}"/>
-              </a:ext>
-            </a:extLst>
-          </p:cNvPr>
-          <p:cNvSpPr>
-            <a:spLocks noGrp="1"/>
-          </p:cNvSpPr>
-          <p:nvPr>
-            <p:ph idx="1"/>
-          </p:nvPr>
-        </p:nvSpPr>
-        <p:spPr/>
-        <p:txBody>
-          <a:bodyPr/>
-          <a:lstStyle/>
-          <a:p>
-            <a:r>
-              <a:rPr lang="ko-KR" altLang="en-US" sz="2000" dirty="0"/>
-              <a:t>텍스트 형태로 존재할 수 밖에 없는 요소가 있으므로</a:t>
-            </a:r>
-            <a:r>
-              <a:rPr lang="en-US" altLang="ko-KR" sz="2000" dirty="0"/>
-              <a:t>,</a:t>
-            </a:r>
-          </a:p>
-          <a:p>
-            <a:r>
-              <a:rPr lang="ko-KR" altLang="en-US" sz="2000" dirty="0"/>
-              <a:t>수정해야 하는 코드 부분을 훨씬 쉽게 찾을 수 있음</a:t>
-            </a:r>
-            <a:endParaRPr lang="en-US" altLang="ko-KR" sz="2000" dirty="0"/>
-          </a:p>
-          <a:p>
-            <a:r>
-              <a:rPr lang="ko-KR" altLang="en-US" sz="2000" dirty="0"/>
-              <a:t>단순 문자열 검색 이용</a:t>
-            </a:r>
-            <a:endParaRPr lang="en-US" altLang="ko-KR" sz="1600" dirty="0"/>
-          </a:p>
-          <a:p>
-            <a:pPr lvl="1"/>
-            <a:endParaRPr lang="ko-KR" altLang="en-US" sz="1800" dirty="0"/>
-          </a:p>
-        </p:txBody>
-      </p:sp>
-      <p:sp>
-        <p:nvSpPr>
-          <p:cNvPr id="2" name="슬라이드 번호 개체 틀 1">
-            <a:extLst>
-              <a:ext uri="{FF2B5EF4-FFF2-40B4-BE49-F238E27FC236}">
-                <a16:creationId xmlns:a16="http://schemas.microsoft.com/office/drawing/2014/main" id="{901A7AAB-0C04-4912-AF72-62B8DBD83A7A}"/>
-              </a:ext>
-            </a:extLst>
-          </p:cNvPr>
-          <p:cNvSpPr>
-            <a:spLocks noGrp="1"/>
-          </p:cNvSpPr>
-          <p:nvPr>
-            <p:ph type="sldNum" sz="quarter" idx="12"/>
-          </p:nvPr>
-        </p:nvSpPr>
-        <p:spPr/>
-        <p:txBody>
-          <a:bodyPr/>
-          <a:lstStyle/>
-          <a:p>
-            <a:fld id="{64F0D409-D3F6-4EEC-8C77-1F5E89989FFB}" type="slidenum">
-              <a:rPr lang="ko-KR" altLang="en-US" smtClean="0"/>
-              <a:pPr/>
-              <a:t>35</a:t>
-            </a:fld>
-            <a:endParaRPr lang="ko-KR" altLang="en-US"/>
-          </a:p>
-        </p:txBody>
-      </p:sp>
-    </p:spTree>
-    <p:extLst>
-      <p:ext uri="{BB962C8B-B14F-4D97-AF65-F5344CB8AC3E}">
-        <p14:creationId xmlns:p14="http://schemas.microsoft.com/office/powerpoint/2010/main" val="2872557767"/>
-      </p:ext>
-    </p:extLst>
-  </p:cSld>
-  <p:clrMapOvr>
-    <a:masterClrMapping/>
-  </p:clrMapOvr>
-</p:sld>
-</file>
-
 <file path=ppt/slides/slide36.xml><?xml version="1.0" encoding="utf-8"?>
 <p:sld xmlns:a="http://schemas.openxmlformats.org/drawingml/2006/main" xmlns:r="http://schemas.openxmlformats.org/officeDocument/2006/relationships" xmlns:p="http://schemas.openxmlformats.org/presentationml/2006/main">
   <p:cSld>
@@ -10469,10 +9035,10 @@
       </p:grpSpPr>
       <p:sp>
         <p:nvSpPr>
-          <p:cNvPr id="2" name="제목 1">
-            <a:extLst>
-              <a:ext uri="{FF2B5EF4-FFF2-40B4-BE49-F238E27FC236}">
-                <a16:creationId xmlns:a16="http://schemas.microsoft.com/office/drawing/2014/main" id="{5954548F-E818-4A8A-BEFD-A9109462B47D}"/>
+          <p:cNvPr id="4" name="제목 3">
+            <a:extLst>
+              <a:ext uri="{FF2B5EF4-FFF2-40B4-BE49-F238E27FC236}">
+                <a16:creationId xmlns:a16="http://schemas.microsoft.com/office/drawing/2014/main" id="{B62A126A-56A0-4B57-8A71-93597C509106}"/>
               </a:ext>
             </a:extLst>
           </p:cNvPr>
@@ -10489,62 +9055,68 @@
           <a:lstStyle/>
           <a:p>
             <a:r>
-              <a:rPr lang="en-US" altLang="ko-KR" dirty="0"/>
-              <a:t>VS </a:t>
-            </a:r>
-            <a:r>
-              <a:rPr lang="ko-KR" altLang="en-US" dirty="0"/>
-              <a:t>에서 </a:t>
-            </a:r>
-            <a:r>
-              <a:rPr lang="en-US" altLang="ko-KR" dirty="0"/>
-              <a:t>CTRL+F </a:t>
-            </a:r>
-            <a:r>
-              <a:rPr lang="ko-KR" altLang="en-US" dirty="0"/>
-              <a:t>문자열 검색 </a:t>
-            </a:r>
-          </a:p>
-        </p:txBody>
-      </p:sp>
-      <p:pic>
-        <p:nvPicPr>
+              <a:rPr lang="ko-KR" altLang="en-US" dirty="0"/>
+              <a:t>두 번째 시도</a:t>
+            </a:r>
+          </a:p>
+        </p:txBody>
+      </p:sp>
+      <p:sp>
+        <p:nvSpPr>
           <p:cNvPr id="5" name="내용 개체 틀 4">
             <a:extLst>
               <a:ext uri="{FF2B5EF4-FFF2-40B4-BE49-F238E27FC236}">
-                <a16:creationId xmlns:a16="http://schemas.microsoft.com/office/drawing/2014/main" id="{012333D2-EF81-4106-8F7F-C374ED170143}"/>
-              </a:ext>
-            </a:extLst>
-          </p:cNvPr>
-          <p:cNvPicPr>
-            <a:picLocks noGrp="1" noChangeAspect="1"/>
-          </p:cNvPicPr>
+                <a16:creationId xmlns:a16="http://schemas.microsoft.com/office/drawing/2014/main" id="{D5C9BBCF-FB17-4CAC-9893-4D8F608B403B}"/>
+              </a:ext>
+            </a:extLst>
+          </p:cNvPr>
+          <p:cNvSpPr>
+            <a:spLocks noGrp="1"/>
+          </p:cNvSpPr>
           <p:nvPr>
             <p:ph idx="1"/>
           </p:nvPr>
-        </p:nvPicPr>
-        <p:blipFill>
-          <a:blip r:embed="rId2"/>
-          <a:stretch>
-            <a:fillRect/>
-          </a:stretch>
-        </p:blipFill>
-        <p:spPr>
-          <a:xfrm>
-            <a:off x="1385391" y="1058863"/>
-            <a:ext cx="6373218" cy="5268912"/>
-          </a:xfrm>
-          <a:prstGeom prst="rect">
-            <a:avLst/>
-          </a:prstGeom>
-        </p:spPr>
-      </p:pic>
-      <p:sp>
-        <p:nvSpPr>
-          <p:cNvPr id="4" name="슬라이드 번호 개체 틀 3">
-            <a:extLst>
-              <a:ext uri="{FF2B5EF4-FFF2-40B4-BE49-F238E27FC236}">
-                <a16:creationId xmlns:a16="http://schemas.microsoft.com/office/drawing/2014/main" id="{A407DF6F-936F-49AD-BE4E-83383C50C52C}"/>
+        </p:nvSpPr>
+        <p:spPr/>
+        <p:txBody>
+          <a:bodyPr/>
+          <a:lstStyle/>
+          <a:p>
+            <a:r>
+              <a:rPr lang="ko-KR" altLang="en-US" sz="2000" dirty="0"/>
+              <a:t>텍스트 형태로 존재할 수 밖에 없는 요소가 있으므로</a:t>
+            </a:r>
+            <a:r>
+              <a:rPr lang="en-US" altLang="ko-KR" sz="2000" dirty="0"/>
+              <a:t>,</a:t>
+            </a:r>
+          </a:p>
+          <a:p>
+            <a:r>
+              <a:rPr lang="ko-KR" altLang="en-US" sz="2000" dirty="0"/>
+              <a:t>수정해야 하는 코드 부분을 훨씬 쉽게 찾을 수 있음</a:t>
+            </a:r>
+            <a:endParaRPr lang="en-US" altLang="ko-KR" sz="2000" dirty="0"/>
+          </a:p>
+          <a:p>
+            <a:r>
+              <a:rPr lang="ko-KR" altLang="en-US" sz="2000" dirty="0"/>
+              <a:t>단순 문자열 검색 이용</a:t>
+            </a:r>
+            <a:endParaRPr lang="en-US" altLang="ko-KR" sz="1600" dirty="0"/>
+          </a:p>
+          <a:p>
+            <a:pPr lvl="1"/>
+            <a:endParaRPr lang="ko-KR" altLang="en-US" sz="1800" dirty="0"/>
+          </a:p>
+        </p:txBody>
+      </p:sp>
+      <p:sp>
+        <p:nvSpPr>
+          <p:cNvPr id="2" name="슬라이드 번호 개체 틀 1">
+            <a:extLst>
+              <a:ext uri="{FF2B5EF4-FFF2-40B4-BE49-F238E27FC236}">
+                <a16:creationId xmlns:a16="http://schemas.microsoft.com/office/drawing/2014/main" id="{901A7AAB-0C04-4912-AF72-62B8DBD83A7A}"/>
               </a:ext>
             </a:extLst>
           </p:cNvPr>
@@ -10562,6 +9134,7 @@
           <a:p>
             <a:fld id="{64F0D409-D3F6-4EEC-8C77-1F5E89989FFB}" type="slidenum">
               <a:rPr lang="ko-KR" altLang="en-US" smtClean="0"/>
+              <a:pPr/>
               <a:t>36</a:t>
             </a:fld>
             <a:endParaRPr lang="ko-KR" altLang="en-US"/>
@@ -10571,7 +9144,7 @@
     </p:spTree>
     <p:extLst>
       <p:ext uri="{BB962C8B-B14F-4D97-AF65-F5344CB8AC3E}">
-        <p14:creationId xmlns:p14="http://schemas.microsoft.com/office/powerpoint/2010/main" val="3321581491"/>
+        <p14:creationId xmlns:p14="http://schemas.microsoft.com/office/powerpoint/2010/main" val="2872557767"/>
       </p:ext>
     </p:extLst>
   </p:cSld>
@@ -10603,7 +9176,7 @@
           <p:cNvPr id="2" name="제목 1">
             <a:extLst>
               <a:ext uri="{FF2B5EF4-FFF2-40B4-BE49-F238E27FC236}">
-                <a16:creationId xmlns:a16="http://schemas.microsoft.com/office/drawing/2014/main" id="{FEFEBC8C-CE33-4F82-BEEF-154CFAFC08A4}"/>
+                <a16:creationId xmlns:a16="http://schemas.microsoft.com/office/drawing/2014/main" id="{5954548F-E818-4A8A-BEFD-A9109462B47D}"/>
               </a:ext>
             </a:extLst>
           </p:cNvPr>
@@ -10621,11 +9194,19 @@
           <a:p>
             <a:r>
               <a:rPr lang="en-US" altLang="ko-KR" dirty="0"/>
-              <a:t>GitHub </a:t>
-            </a:r>
-            <a:r>
-              <a:rPr lang="ko-KR" altLang="en-US" dirty="0"/>
-              <a:t>에서도 검색 가능함</a:t>
+              <a:t>VS </a:t>
+            </a:r>
+            <a:r>
+              <a:rPr lang="ko-KR" altLang="en-US" dirty="0"/>
+              <a:t>에서 </a:t>
+            </a:r>
+            <a:r>
+              <a:rPr lang="en-US" altLang="ko-KR" dirty="0"/>
+              <a:t>CTRL+F </a:t>
+            </a:r>
+            <a:r>
+              <a:rPr lang="ko-KR" altLang="en-US" dirty="0"/>
+              <a:t>문자열 검색 </a:t>
             </a:r>
           </a:p>
         </p:txBody>
@@ -10635,7 +9216,7 @@
           <p:cNvPr id="5" name="내용 개체 틀 4">
             <a:extLst>
               <a:ext uri="{FF2B5EF4-FFF2-40B4-BE49-F238E27FC236}">
-                <a16:creationId xmlns:a16="http://schemas.microsoft.com/office/drawing/2014/main" id="{6AA3A2C7-55BC-44E4-BF04-8899E63FB72B}"/>
+                <a16:creationId xmlns:a16="http://schemas.microsoft.com/office/drawing/2014/main" id="{012333D2-EF81-4106-8F7F-C374ED170143}"/>
               </a:ext>
             </a:extLst>
           </p:cNvPr>
@@ -10654,8 +9235,8 @@
         </p:blipFill>
         <p:spPr>
           <a:xfrm>
-            <a:off x="898604" y="1058863"/>
-            <a:ext cx="7346792" cy="5268912"/>
+            <a:off x="1385391" y="1058863"/>
+            <a:ext cx="6373218" cy="5268912"/>
           </a:xfrm>
           <a:prstGeom prst="rect">
             <a:avLst/>
@@ -10667,7 +9248,7 @@
           <p:cNvPr id="4" name="슬라이드 번호 개체 틀 3">
             <a:extLst>
               <a:ext uri="{FF2B5EF4-FFF2-40B4-BE49-F238E27FC236}">
-                <a16:creationId xmlns:a16="http://schemas.microsoft.com/office/drawing/2014/main" id="{48999FF0-3C9F-4AAA-ADBB-A3BCD081F859}"/>
+                <a16:creationId xmlns:a16="http://schemas.microsoft.com/office/drawing/2014/main" id="{A407DF6F-936F-49AD-BE4E-83383C50C52C}"/>
               </a:ext>
             </a:extLst>
           </p:cNvPr>
@@ -10694,7 +9275,7 @@
     </p:spTree>
     <p:extLst>
       <p:ext uri="{BB962C8B-B14F-4D97-AF65-F5344CB8AC3E}">
-        <p14:creationId xmlns:p14="http://schemas.microsoft.com/office/powerpoint/2010/main" val="3257234233"/>
+        <p14:creationId xmlns:p14="http://schemas.microsoft.com/office/powerpoint/2010/main" val="3321581491"/>
       </p:ext>
     </p:extLst>
   </p:cSld>
@@ -10726,7 +9307,7 @@
           <p:cNvPr id="2" name="제목 1">
             <a:extLst>
               <a:ext uri="{FF2B5EF4-FFF2-40B4-BE49-F238E27FC236}">
-                <a16:creationId xmlns:a16="http://schemas.microsoft.com/office/drawing/2014/main" id="{DFDC9A4A-5A39-42AE-BB47-FFD3E8FD5F48}"/>
+                <a16:creationId xmlns:a16="http://schemas.microsoft.com/office/drawing/2014/main" id="{FEFEBC8C-CE33-4F82-BEEF-154CFAFC08A4}"/>
               </a:ext>
             </a:extLst>
           </p:cNvPr>
@@ -10742,16 +9323,55 @@
           <a:bodyPr/>
           <a:lstStyle/>
           <a:p>
-            <a:endParaRPr lang="ko-KR" altLang="en-US"/>
-          </a:p>
-        </p:txBody>
-      </p:sp>
+            <a:r>
+              <a:rPr lang="en-US" altLang="ko-KR" dirty="0"/>
+              <a:t>GitHub </a:t>
+            </a:r>
+            <a:r>
+              <a:rPr lang="ko-KR" altLang="en-US" dirty="0"/>
+              <a:t>에서도 검색 가능함</a:t>
+            </a:r>
+          </a:p>
+        </p:txBody>
+      </p:sp>
+      <p:pic>
+        <p:nvPicPr>
+          <p:cNvPr id="5" name="내용 개체 틀 4">
+            <a:extLst>
+              <a:ext uri="{FF2B5EF4-FFF2-40B4-BE49-F238E27FC236}">
+                <a16:creationId xmlns:a16="http://schemas.microsoft.com/office/drawing/2014/main" id="{6AA3A2C7-55BC-44E4-BF04-8899E63FB72B}"/>
+              </a:ext>
+            </a:extLst>
+          </p:cNvPr>
+          <p:cNvPicPr>
+            <a:picLocks noGrp="1" noChangeAspect="1"/>
+          </p:cNvPicPr>
+          <p:nvPr>
+            <p:ph idx="1"/>
+          </p:nvPr>
+        </p:nvPicPr>
+        <p:blipFill>
+          <a:blip r:embed="rId2"/>
+          <a:stretch>
+            <a:fillRect/>
+          </a:stretch>
+        </p:blipFill>
+        <p:spPr>
+          <a:xfrm>
+            <a:off x="898604" y="1058863"/>
+            <a:ext cx="7346792" cy="5268912"/>
+          </a:xfrm>
+          <a:prstGeom prst="rect">
+            <a:avLst/>
+          </a:prstGeom>
+        </p:spPr>
+      </p:pic>
       <p:sp>
         <p:nvSpPr>
           <p:cNvPr id="4" name="슬라이드 번호 개체 틀 3">
             <a:extLst>
               <a:ext uri="{FF2B5EF4-FFF2-40B4-BE49-F238E27FC236}">
-                <a16:creationId xmlns:a16="http://schemas.microsoft.com/office/drawing/2014/main" id="{4031FF78-92F7-409F-AA79-63CA88114AEB}"/>
+                <a16:creationId xmlns:a16="http://schemas.microsoft.com/office/drawing/2014/main" id="{48999FF0-3C9F-4AAA-ADBB-A3BCD081F859}"/>
               </a:ext>
             </a:extLst>
           </p:cNvPr>
@@ -10770,6 +9390,90 @@
             <a:fld id="{64F0D409-D3F6-4EEC-8C77-1F5E89989FFB}" type="slidenum">
               <a:rPr lang="ko-KR" altLang="en-US" smtClean="0"/>
               <a:t>38</a:t>
+            </a:fld>
+            <a:endParaRPr lang="ko-KR" altLang="en-US"/>
+          </a:p>
+        </p:txBody>
+      </p:sp>
+    </p:spTree>
+    <p:extLst>
+      <p:ext uri="{BB962C8B-B14F-4D97-AF65-F5344CB8AC3E}">
+        <p14:creationId xmlns:p14="http://schemas.microsoft.com/office/powerpoint/2010/main" val="3257234233"/>
+      </p:ext>
+    </p:extLst>
+  </p:cSld>
+  <p:clrMapOvr>
+    <a:masterClrMapping/>
+  </p:clrMapOvr>
+</p:sld>
+</file>
+
+<file path=ppt/slides/slide39.xml><?xml version="1.0" encoding="utf-8"?>
+<p:sld xmlns:a="http://schemas.openxmlformats.org/drawingml/2006/main" xmlns:r="http://schemas.openxmlformats.org/officeDocument/2006/relationships" xmlns:p="http://schemas.openxmlformats.org/presentationml/2006/main">
+  <p:cSld>
+    <p:spTree>
+      <p:nvGrpSpPr>
+        <p:cNvPr id="1" name=""/>
+        <p:cNvGrpSpPr/>
+        <p:nvPr/>
+      </p:nvGrpSpPr>
+      <p:grpSpPr>
+        <a:xfrm>
+          <a:off x="0" y="0"/>
+          <a:ext cx="0" cy="0"/>
+          <a:chOff x="0" y="0"/>
+          <a:chExt cx="0" cy="0"/>
+        </a:xfrm>
+      </p:grpSpPr>
+      <p:sp>
+        <p:nvSpPr>
+          <p:cNvPr id="2" name="제목 1">
+            <a:extLst>
+              <a:ext uri="{FF2B5EF4-FFF2-40B4-BE49-F238E27FC236}">
+                <a16:creationId xmlns:a16="http://schemas.microsoft.com/office/drawing/2014/main" id="{DFDC9A4A-5A39-42AE-BB47-FFD3E8FD5F48}"/>
+              </a:ext>
+            </a:extLst>
+          </p:cNvPr>
+          <p:cNvSpPr>
+            <a:spLocks noGrp="1"/>
+          </p:cNvSpPr>
+          <p:nvPr>
+            <p:ph type="title"/>
+          </p:nvPr>
+        </p:nvSpPr>
+        <p:spPr/>
+        <p:txBody>
+          <a:bodyPr/>
+          <a:lstStyle/>
+          <a:p>
+            <a:endParaRPr lang="ko-KR" altLang="en-US"/>
+          </a:p>
+        </p:txBody>
+      </p:sp>
+      <p:sp>
+        <p:nvSpPr>
+          <p:cNvPr id="4" name="슬라이드 번호 개체 틀 3">
+            <a:extLst>
+              <a:ext uri="{FF2B5EF4-FFF2-40B4-BE49-F238E27FC236}">
+                <a16:creationId xmlns:a16="http://schemas.microsoft.com/office/drawing/2014/main" id="{4031FF78-92F7-409F-AA79-63CA88114AEB}"/>
+              </a:ext>
+            </a:extLst>
+          </p:cNvPr>
+          <p:cNvSpPr>
+            <a:spLocks noGrp="1"/>
+          </p:cNvSpPr>
+          <p:nvPr>
+            <p:ph type="sldNum" sz="quarter" idx="12"/>
+          </p:nvPr>
+        </p:nvSpPr>
+        <p:spPr/>
+        <p:txBody>
+          <a:bodyPr/>
+          <a:lstStyle/>
+          <a:p>
+            <a:fld id="{64F0D409-D3F6-4EEC-8C77-1F5E89989FFB}" type="slidenum">
+              <a:rPr lang="ko-KR" altLang="en-US" smtClean="0"/>
+              <a:t>39</a:t>
             </a:fld>
             <a:endParaRPr lang="ko-KR" altLang="en-US"/>
           </a:p>
@@ -10820,156 +9524,6 @@
 </p:sld>
 </file>
 
-<file path=ppt/slides/slide39.xml><?xml version="1.0" encoding="utf-8"?>
-<p:sld xmlns:a="http://schemas.openxmlformats.org/drawingml/2006/main" xmlns:r="http://schemas.openxmlformats.org/officeDocument/2006/relationships" xmlns:p="http://schemas.openxmlformats.org/presentationml/2006/main">
-  <p:cSld>
-    <p:spTree>
-      <p:nvGrpSpPr>
-        <p:cNvPr id="1" name=""/>
-        <p:cNvGrpSpPr/>
-        <p:nvPr/>
-      </p:nvGrpSpPr>
-      <p:grpSpPr>
-        <a:xfrm>
-          <a:off x="0" y="0"/>
-          <a:ext cx="0" cy="0"/>
-          <a:chOff x="0" y="0"/>
-          <a:chExt cx="0" cy="0"/>
-        </a:xfrm>
-      </p:grpSpPr>
-      <p:sp>
-        <p:nvSpPr>
-          <p:cNvPr id="2" name="제목 1">
-            <a:extLst>
-              <a:ext uri="{FF2B5EF4-FFF2-40B4-BE49-F238E27FC236}">
-                <a16:creationId xmlns:a16="http://schemas.microsoft.com/office/drawing/2014/main" id="{04C29663-6855-4C62-8938-AF59230987D8}"/>
-              </a:ext>
-            </a:extLst>
-          </p:cNvPr>
-          <p:cNvSpPr>
-            <a:spLocks noGrp="1"/>
-          </p:cNvSpPr>
-          <p:nvPr>
-            <p:ph type="title"/>
-          </p:nvPr>
-        </p:nvSpPr>
-        <p:spPr/>
-        <p:txBody>
-          <a:bodyPr>
-            <a:normAutofit fontScale="90000"/>
-          </a:bodyPr>
-          <a:lstStyle/>
-          <a:p>
-            <a:r>
-              <a:rPr lang="ko-KR" altLang="en-US" dirty="0"/>
-              <a:t>발견하고</a:t>
-            </a:r>
-            <a:r>
-              <a:rPr lang="en-US" altLang="ko-KR" dirty="0"/>
-              <a:t>, </a:t>
-            </a:r>
-            <a:r>
-              <a:rPr lang="ko-KR" altLang="en-US" dirty="0"/>
-              <a:t>일단 수정</a:t>
-            </a:r>
-            <a:r>
-              <a:rPr lang="en-US" altLang="ko-KR" dirty="0"/>
-              <a:t>. </a:t>
-            </a:r>
-            <a:r>
-              <a:rPr lang="ko-KR" altLang="en-US" dirty="0"/>
-              <a:t>그런데 연결 </a:t>
-            </a:r>
-            <a:r>
-              <a:rPr lang="en-US" altLang="ko-KR" dirty="0"/>
-              <a:t>URL </a:t>
-            </a:r>
-            <a:r>
-              <a:rPr lang="ko-KR" altLang="en-US" dirty="0"/>
-              <a:t>이 없네</a:t>
-            </a:r>
-            <a:r>
-              <a:rPr lang="en-US" altLang="ko-KR" dirty="0"/>
-              <a:t>?</a:t>
-            </a:r>
-            <a:endParaRPr lang="ko-KR" altLang="en-US" dirty="0"/>
-          </a:p>
-        </p:txBody>
-      </p:sp>
-      <p:pic>
-        <p:nvPicPr>
-          <p:cNvPr id="5" name="내용 개체 틀 4">
-            <a:extLst>
-              <a:ext uri="{FF2B5EF4-FFF2-40B4-BE49-F238E27FC236}">
-                <a16:creationId xmlns:a16="http://schemas.microsoft.com/office/drawing/2014/main" id="{16056E64-E2DE-4B45-AA5B-B64163728FA3}"/>
-              </a:ext>
-            </a:extLst>
-          </p:cNvPr>
-          <p:cNvPicPr>
-            <a:picLocks noGrp="1" noChangeAspect="1"/>
-          </p:cNvPicPr>
-          <p:nvPr>
-            <p:ph idx="1"/>
-          </p:nvPr>
-        </p:nvPicPr>
-        <p:blipFill>
-          <a:blip r:embed="rId2"/>
-          <a:stretch>
-            <a:fillRect/>
-          </a:stretch>
-        </p:blipFill>
-        <p:spPr>
-          <a:xfrm>
-            <a:off x="395288" y="2675069"/>
-            <a:ext cx="8353425" cy="2036500"/>
-          </a:xfrm>
-          <a:prstGeom prst="rect">
-            <a:avLst/>
-          </a:prstGeom>
-        </p:spPr>
-      </p:pic>
-      <p:sp>
-        <p:nvSpPr>
-          <p:cNvPr id="4" name="슬라이드 번호 개체 틀 3">
-            <a:extLst>
-              <a:ext uri="{FF2B5EF4-FFF2-40B4-BE49-F238E27FC236}">
-                <a16:creationId xmlns:a16="http://schemas.microsoft.com/office/drawing/2014/main" id="{CE6C1EE5-D8E9-402F-A677-B537DCB9A893}"/>
-              </a:ext>
-            </a:extLst>
-          </p:cNvPr>
-          <p:cNvSpPr>
-            <a:spLocks noGrp="1"/>
-          </p:cNvSpPr>
-          <p:nvPr>
-            <p:ph type="sldNum" sz="quarter" idx="12"/>
-          </p:nvPr>
-        </p:nvSpPr>
-        <p:spPr/>
-        <p:txBody>
-          <a:bodyPr/>
-          <a:lstStyle/>
-          <a:p>
-            <a:fld id="{64F0D409-D3F6-4EEC-8C77-1F5E89989FFB}" type="slidenum">
-              <a:rPr lang="ko-KR" altLang="en-US" smtClean="0"/>
-              <a:t>39</a:t>
-            </a:fld>
-            <a:endParaRPr lang="ko-KR" altLang="en-US"/>
-          </a:p>
-        </p:txBody>
-      </p:sp>
-    </p:spTree>
-    <p:extLst>
-      <p:ext uri="{BB962C8B-B14F-4D97-AF65-F5344CB8AC3E}">
-        <p14:creationId xmlns:p14="http://schemas.microsoft.com/office/powerpoint/2010/main" val="2881686040"/>
-      </p:ext>
-    </p:extLst>
-  </p:cSld>
-  <p:clrMapOvr>
-    <a:masterClrMapping/>
-  </p:clrMapOvr>
-</p:sld>
-</file>
-
 <file path=ppt/slides/slide4.xml><?xml version="1.0" encoding="utf-8"?>
 <p:sld xmlns:a="http://schemas.openxmlformats.org/drawingml/2006/main" xmlns:r="http://schemas.openxmlformats.org/officeDocument/2006/relationships" xmlns:p="http://schemas.openxmlformats.org/presentationml/2006/main">
   <p:cSld>
@@ -10989,13 +9543,7 @@
       </p:grpSpPr>
       <p:sp>
         <p:nvSpPr>
-          <p:cNvPr id="2" name="제목 1">
-            <a:extLst>
-              <a:ext uri="{FF2B5EF4-FFF2-40B4-BE49-F238E27FC236}">
-                <a16:creationId xmlns:a16="http://schemas.microsoft.com/office/drawing/2014/main" id="{9E71DC0D-8B73-4A85-9A76-8300082A7D81}"/>
-              </a:ext>
-            </a:extLst>
-          </p:cNvPr>
+          <p:cNvPr id="5" name="제목 4"/>
           <p:cNvSpPr>
             <a:spLocks noGrp="1"/>
           </p:cNvSpPr>
@@ -11005,144 +9553,40 @@
         </p:nvSpPr>
         <p:spPr/>
         <p:txBody>
-          <a:bodyPr/>
-          <a:lstStyle/>
-          <a:p>
-            <a:r>
-              <a:rPr lang="en-US" altLang="ko-KR" dirty="0"/>
-              <a:t>1</a:t>
-            </a:r>
-            <a:r>
-              <a:rPr lang="ko-KR" altLang="en-US" dirty="0"/>
-              <a:t>단계</a:t>
-            </a:r>
-            <a:r>
-              <a:rPr lang="en-US" altLang="ko-KR" dirty="0"/>
-              <a:t>: </a:t>
-            </a:r>
-            <a:r>
-              <a:rPr lang="ko-KR" altLang="en-US" dirty="0"/>
-              <a:t>준비</a:t>
-            </a:r>
-          </a:p>
-        </p:txBody>
-      </p:sp>
-      <p:sp>
-        <p:nvSpPr>
-          <p:cNvPr id="3" name="내용 개체 틀 2">
-            <a:extLst>
-              <a:ext uri="{FF2B5EF4-FFF2-40B4-BE49-F238E27FC236}">
-                <a16:creationId xmlns:a16="http://schemas.microsoft.com/office/drawing/2014/main" id="{7460918A-54E3-450A-838B-AD0BFFCD7E16}"/>
-              </a:ext>
-            </a:extLst>
-          </p:cNvPr>
-          <p:cNvSpPr>
-            <a:spLocks noGrp="1"/>
-          </p:cNvSpPr>
-          <p:nvPr>
-            <p:ph idx="1"/>
-          </p:nvPr>
-        </p:nvSpPr>
-        <p:spPr/>
-        <p:txBody>
-          <a:bodyPr/>
-          <a:lstStyle/>
-          <a:p>
-            <a:pPr marL="457200" indent="-457200">
-              <a:buFont typeface="+mj-lt"/>
-              <a:buAutoNum type="arabicPeriod"/>
-            </a:pPr>
-            <a:r>
-              <a:rPr lang="ko-KR" altLang="en-US" dirty="0"/>
-              <a:t>프로젝트의 개요 파악</a:t>
-            </a:r>
-            <a:endParaRPr lang="en-US" altLang="ko-KR" dirty="0"/>
-          </a:p>
-          <a:p>
-            <a:pPr marL="457200" indent="-457200">
-              <a:buFont typeface="+mj-lt"/>
-              <a:buAutoNum type="arabicPeriod"/>
-            </a:pPr>
-            <a:r>
-              <a:rPr lang="ko-KR" altLang="en-US" dirty="0"/>
-              <a:t>실제 </a:t>
-            </a:r>
-            <a:r>
-              <a:rPr lang="en-US" altLang="ko-KR" dirty="0"/>
-              <a:t>SW</a:t>
-            </a:r>
-            <a:r>
-              <a:rPr lang="ko-KR" altLang="en-US" dirty="0"/>
-              <a:t>의 동작 확인</a:t>
-            </a:r>
-            <a:endParaRPr lang="en-US" altLang="ko-KR" dirty="0"/>
-          </a:p>
-          <a:p>
-            <a:pPr marL="457200" indent="-457200">
-              <a:buFont typeface="+mj-lt"/>
-              <a:buAutoNum type="arabicPeriod"/>
-            </a:pPr>
-            <a:r>
-              <a:rPr lang="ko-KR" altLang="en-US" dirty="0"/>
-              <a:t>수정할 기능의 구상</a:t>
-            </a:r>
-            <a:endParaRPr lang="en-US" altLang="ko-KR" dirty="0"/>
-          </a:p>
-          <a:p>
-            <a:pPr marL="457200" indent="-457200">
-              <a:buFont typeface="+mj-lt"/>
-              <a:buAutoNum type="arabicPeriod"/>
-            </a:pPr>
-            <a:r>
-              <a:rPr lang="ko-KR" altLang="en-US" dirty="0"/>
-              <a:t>빌드 및 실행 환경 구성</a:t>
-            </a:r>
-            <a:endParaRPr lang="en-US" altLang="ko-KR" dirty="0"/>
-          </a:p>
-          <a:p>
-            <a:pPr marL="457200" indent="-457200">
-              <a:buFont typeface="+mj-lt"/>
-              <a:buAutoNum type="arabicPeriod"/>
-            </a:pPr>
-            <a:r>
-              <a:rPr lang="ko-KR" altLang="en-US" dirty="0"/>
-              <a:t>빌드 후</a:t>
-            </a:r>
-            <a:r>
-              <a:rPr lang="en-US" altLang="ko-KR" dirty="0"/>
-              <a:t> </a:t>
-            </a:r>
-            <a:r>
-              <a:rPr lang="ko-KR" altLang="en-US" dirty="0"/>
-              <a:t>정상 동작의 확인</a:t>
-            </a:r>
-            <a:endParaRPr lang="en-US" altLang="ko-KR" dirty="0"/>
-          </a:p>
-          <a:p>
-            <a:pPr marL="457200" indent="-457200">
-              <a:buFont typeface="+mj-lt"/>
-              <a:buAutoNum type="arabicPeriod"/>
-            </a:pPr>
-            <a:endParaRPr lang="en-US" altLang="ko-KR" dirty="0"/>
-          </a:p>
-          <a:p>
-            <a:pPr marL="457200" indent="-457200">
-              <a:buFont typeface="+mj-lt"/>
-              <a:buAutoNum type="arabicPeriod"/>
-            </a:pPr>
-            <a:endParaRPr lang="ko-KR" altLang="en-US" dirty="0"/>
-          </a:p>
-        </p:txBody>
-      </p:sp>
-      <p:sp>
-        <p:nvSpPr>
-          <p:cNvPr id="4" name="슬라이드 번호 개체 틀 3">
-            <a:extLst>
-              <a:ext uri="{FF2B5EF4-FFF2-40B4-BE49-F238E27FC236}">
-                <a16:creationId xmlns:a16="http://schemas.microsoft.com/office/drawing/2014/main" id="{9329DD1A-5BDD-48C3-BD6C-DA081535267B}"/>
-              </a:ext>
-            </a:extLst>
-          </p:cNvPr>
+          <a:bodyPr>
+            <a:normAutofit/>
+          </a:bodyPr>
+          <a:lstStyle/>
+          <a:p>
+            <a:r>
+              <a:rPr lang="ko-KR" altLang="en-US" dirty="0"/>
+              <a:t>코드 분석</a:t>
+            </a:r>
+          </a:p>
+        </p:txBody>
+      </p:sp>
+      <p:sp>
+        <p:nvSpPr>
+          <p:cNvPr id="6" name="텍스트 개체 틀 5"/>
+          <p:cNvSpPr>
+            <a:spLocks noGrp="1"/>
+          </p:cNvSpPr>
+          <p:nvPr>
+            <p:ph type="body" idx="1"/>
+          </p:nvPr>
+        </p:nvSpPr>
+        <p:spPr/>
+        <p:txBody>
+          <a:bodyPr/>
+          <a:lstStyle/>
+          <a:p>
+            <a:endParaRPr lang="ko-KR" altLang="en-US"/>
+          </a:p>
+        </p:txBody>
+      </p:sp>
+      <p:sp>
+        <p:nvSpPr>
+          <p:cNvPr id="4" name="슬라이드 번호 개체 틀 3"/>
           <p:cNvSpPr>
             <a:spLocks noGrp="1"/>
           </p:cNvSpPr>
@@ -11166,7 +9610,7 @@
     </p:spTree>
     <p:extLst>
       <p:ext uri="{BB962C8B-B14F-4D97-AF65-F5344CB8AC3E}">
-        <p14:creationId xmlns:p14="http://schemas.microsoft.com/office/powerpoint/2010/main" val="2999744548"/>
+        <p14:creationId xmlns:p14="http://schemas.microsoft.com/office/powerpoint/2010/main" val="3834712367"/>
       </p:ext>
     </p:extLst>
   </p:cSld>
@@ -11198,7 +9642,7 @@
           <p:cNvPr id="2" name="제목 1">
             <a:extLst>
               <a:ext uri="{FF2B5EF4-FFF2-40B4-BE49-F238E27FC236}">
-                <a16:creationId xmlns:a16="http://schemas.microsoft.com/office/drawing/2014/main" id="{2C01EBD6-D7A6-4879-A3D9-53ABFCDD997A}"/>
+                <a16:creationId xmlns:a16="http://schemas.microsoft.com/office/drawing/2014/main" id="{04C29663-6855-4C62-8938-AF59230987D8}"/>
               </a:ext>
             </a:extLst>
           </p:cNvPr>
@@ -11217,12 +9661,8 @@
           <a:lstStyle/>
           <a:p>
             <a:r>
-              <a:rPr lang="en-US" altLang="ko-KR" dirty="0"/>
-              <a:t>Data name </a:t>
-            </a:r>
-            <a:r>
-              <a:rPr lang="ko-KR" altLang="en-US" dirty="0"/>
-              <a:t>을 검색하여</a:t>
+              <a:rPr lang="ko-KR" altLang="en-US" dirty="0"/>
+              <a:t>발견하고</a:t>
             </a:r>
             <a:r>
               <a:rPr lang="en-US" altLang="ko-KR" dirty="0"/>
@@ -11230,8 +9670,29 @@
             </a:r>
             <a:r>
               <a:rPr lang="ko-KR" altLang="en-US" dirty="0"/>
-              <a:t>참조하는 코드로 이동</a:t>
-            </a:r>
+              <a:t>일단 수정</a:t>
+            </a:r>
+            <a:r>
+              <a:rPr lang="en-US" altLang="ko-KR" dirty="0"/>
+              <a:t>. </a:t>
+            </a:r>
+            <a:r>
+              <a:rPr lang="ko-KR" altLang="en-US" dirty="0"/>
+              <a:t>그런데 연결 </a:t>
+            </a:r>
+            <a:r>
+              <a:rPr lang="en-US" altLang="ko-KR" dirty="0"/>
+              <a:t>URL </a:t>
+            </a:r>
+            <a:r>
+              <a:rPr lang="ko-KR" altLang="en-US" dirty="0"/>
+              <a:t>이 없네</a:t>
+            </a:r>
+            <a:r>
+              <a:rPr lang="en-US" altLang="ko-KR" dirty="0"/>
+              <a:t>?</a:t>
+            </a:r>
+            <a:endParaRPr lang="ko-KR" altLang="en-US" dirty="0"/>
           </a:p>
         </p:txBody>
       </p:sp>
@@ -11240,7 +9701,7 @@
           <p:cNvPr id="5" name="내용 개체 틀 4">
             <a:extLst>
               <a:ext uri="{FF2B5EF4-FFF2-40B4-BE49-F238E27FC236}">
-                <a16:creationId xmlns:a16="http://schemas.microsoft.com/office/drawing/2014/main" id="{A3E156B7-2EAA-4EBE-8E38-1E21104801EC}"/>
+                <a16:creationId xmlns:a16="http://schemas.microsoft.com/office/drawing/2014/main" id="{16056E64-E2DE-4B45-AA5B-B64163728FA3}"/>
               </a:ext>
             </a:extLst>
           </p:cNvPr>
@@ -11259,8 +9720,8 @@
         </p:blipFill>
         <p:spPr>
           <a:xfrm>
-            <a:off x="395288" y="1162249"/>
-            <a:ext cx="8353425" cy="5062139"/>
+            <a:off x="395288" y="2675069"/>
+            <a:ext cx="8353425" cy="2036500"/>
           </a:xfrm>
           <a:prstGeom prst="rect">
             <a:avLst/>
@@ -11272,7 +9733,7 @@
           <p:cNvPr id="4" name="슬라이드 번호 개체 틀 3">
             <a:extLst>
               <a:ext uri="{FF2B5EF4-FFF2-40B4-BE49-F238E27FC236}">
-                <a16:creationId xmlns:a16="http://schemas.microsoft.com/office/drawing/2014/main" id="{AA5567AC-A1CD-4059-B50C-57C887B0880E}"/>
+                <a16:creationId xmlns:a16="http://schemas.microsoft.com/office/drawing/2014/main" id="{CE6C1EE5-D8E9-402F-A677-B537DCB9A893}"/>
               </a:ext>
             </a:extLst>
           </p:cNvPr>
@@ -11299,7 +9760,7 @@
     </p:spTree>
     <p:extLst>
       <p:ext uri="{BB962C8B-B14F-4D97-AF65-F5344CB8AC3E}">
-        <p14:creationId xmlns:p14="http://schemas.microsoft.com/office/powerpoint/2010/main" val="2775968607"/>
+        <p14:creationId xmlns:p14="http://schemas.microsoft.com/office/powerpoint/2010/main" val="2881686040"/>
       </p:ext>
     </p:extLst>
   </p:cSld>
@@ -11331,7 +9792,7 @@
           <p:cNvPr id="2" name="제목 1">
             <a:extLst>
               <a:ext uri="{FF2B5EF4-FFF2-40B4-BE49-F238E27FC236}">
-                <a16:creationId xmlns:a16="http://schemas.microsoft.com/office/drawing/2014/main" id="{D008965B-3D5A-4373-9050-33D772EE06B5}"/>
+                <a16:creationId xmlns:a16="http://schemas.microsoft.com/office/drawing/2014/main" id="{2C01EBD6-D7A6-4879-A3D9-53ABFCDD997A}"/>
               </a:ext>
             </a:extLst>
           </p:cNvPr>
@@ -11344,12 +9805,18 @@
         </p:nvSpPr>
         <p:spPr/>
         <p:txBody>
-          <a:bodyPr/>
-          <a:lstStyle/>
-          <a:p>
-            <a:r>
-              <a:rPr lang="ko-KR" altLang="en-US" dirty="0"/>
-              <a:t>마찬가지로 주석 처리하고</a:t>
+          <a:bodyPr>
+            <a:normAutofit fontScale="90000"/>
+          </a:bodyPr>
+          <a:lstStyle/>
+          <a:p>
+            <a:r>
+              <a:rPr lang="en-US" altLang="ko-KR" dirty="0"/>
+              <a:t>Data name </a:t>
+            </a:r>
+            <a:r>
+              <a:rPr lang="ko-KR" altLang="en-US" dirty="0"/>
+              <a:t>을 검색하여</a:t>
             </a:r>
             <a:r>
               <a:rPr lang="en-US" altLang="ko-KR" dirty="0"/>
@@ -11357,7 +9824,7 @@
             </a:r>
             <a:r>
               <a:rPr lang="ko-KR" altLang="en-US" dirty="0"/>
-              <a:t>링크 수정</a:t>
+              <a:t>참조하는 코드로 이동</a:t>
             </a:r>
           </a:p>
         </p:txBody>
@@ -11367,7 +9834,7 @@
           <p:cNvPr id="5" name="내용 개체 틀 4">
             <a:extLst>
               <a:ext uri="{FF2B5EF4-FFF2-40B4-BE49-F238E27FC236}">
-                <a16:creationId xmlns:a16="http://schemas.microsoft.com/office/drawing/2014/main" id="{59A2F8CF-D086-4156-B590-38EF3F7F8F5A}"/>
+                <a16:creationId xmlns:a16="http://schemas.microsoft.com/office/drawing/2014/main" id="{A3E156B7-2EAA-4EBE-8E38-1E21104801EC}"/>
               </a:ext>
             </a:extLst>
           </p:cNvPr>
@@ -11386,8 +9853,8 @@
         </p:blipFill>
         <p:spPr>
           <a:xfrm>
-            <a:off x="544364" y="1058863"/>
-            <a:ext cx="8055272" cy="5268912"/>
+            <a:off x="395288" y="1162249"/>
+            <a:ext cx="8353425" cy="5062139"/>
           </a:xfrm>
           <a:prstGeom prst="rect">
             <a:avLst/>
@@ -11399,7 +9866,7 @@
           <p:cNvPr id="4" name="슬라이드 번호 개체 틀 3">
             <a:extLst>
               <a:ext uri="{FF2B5EF4-FFF2-40B4-BE49-F238E27FC236}">
-                <a16:creationId xmlns:a16="http://schemas.microsoft.com/office/drawing/2014/main" id="{51D21045-41E3-44ED-8D0F-2D53A5CFBBC9}"/>
+                <a16:creationId xmlns:a16="http://schemas.microsoft.com/office/drawing/2014/main" id="{AA5567AC-A1CD-4059-B50C-57C887B0880E}"/>
               </a:ext>
             </a:extLst>
           </p:cNvPr>
@@ -11426,7 +9893,7 @@
     </p:spTree>
     <p:extLst>
       <p:ext uri="{BB962C8B-B14F-4D97-AF65-F5344CB8AC3E}">
-        <p14:creationId xmlns:p14="http://schemas.microsoft.com/office/powerpoint/2010/main" val="1034063795"/>
+        <p14:creationId xmlns:p14="http://schemas.microsoft.com/office/powerpoint/2010/main" val="2775968607"/>
       </p:ext>
     </p:extLst>
   </p:cSld>
@@ -11458,7 +9925,7 @@
           <p:cNvPr id="2" name="제목 1">
             <a:extLst>
               <a:ext uri="{FF2B5EF4-FFF2-40B4-BE49-F238E27FC236}">
-                <a16:creationId xmlns:a16="http://schemas.microsoft.com/office/drawing/2014/main" id="{5119CB2B-C163-4660-B17D-8FEDC92CA9E6}"/>
+                <a16:creationId xmlns:a16="http://schemas.microsoft.com/office/drawing/2014/main" id="{D008965B-3D5A-4373-9050-33D772EE06B5}"/>
               </a:ext>
             </a:extLst>
           </p:cNvPr>
@@ -11476,7 +9943,7 @@
           <a:p>
             <a:r>
               <a:rPr lang="ko-KR" altLang="en-US" dirty="0"/>
-              <a:t>다시 빌드 후</a:t>
+              <a:t>마찬가지로 주석 처리하고</a:t>
             </a:r>
             <a:r>
               <a:rPr lang="en-US" altLang="ko-KR" dirty="0"/>
@@ -11484,7 +9951,7 @@
             </a:r>
             <a:r>
               <a:rPr lang="ko-KR" altLang="en-US" dirty="0"/>
-              <a:t>확인</a:t>
+              <a:t>링크 수정</a:t>
             </a:r>
           </a:p>
         </p:txBody>
@@ -11494,7 +9961,7 @@
           <p:cNvPr id="5" name="내용 개체 틀 4">
             <a:extLst>
               <a:ext uri="{FF2B5EF4-FFF2-40B4-BE49-F238E27FC236}">
-                <a16:creationId xmlns:a16="http://schemas.microsoft.com/office/drawing/2014/main" id="{11E1270F-FA97-4330-B592-29239D11963E}"/>
+                <a16:creationId xmlns:a16="http://schemas.microsoft.com/office/drawing/2014/main" id="{59A2F8CF-D086-4156-B590-38EF3F7F8F5A}"/>
               </a:ext>
             </a:extLst>
           </p:cNvPr>
@@ -11513,8 +9980,8 @@
         </p:blipFill>
         <p:spPr>
           <a:xfrm>
-            <a:off x="89062" y="1647826"/>
-            <a:ext cx="8965878" cy="4090986"/>
+            <a:off x="544364" y="1058863"/>
+            <a:ext cx="8055272" cy="5268912"/>
           </a:xfrm>
           <a:prstGeom prst="rect">
             <a:avLst/>
@@ -11526,7 +9993,7 @@
           <p:cNvPr id="4" name="슬라이드 번호 개체 틀 3">
             <a:extLst>
               <a:ext uri="{FF2B5EF4-FFF2-40B4-BE49-F238E27FC236}">
-                <a16:creationId xmlns:a16="http://schemas.microsoft.com/office/drawing/2014/main" id="{1C058902-D12A-45AA-B2D2-7F6438547C05}"/>
+                <a16:creationId xmlns:a16="http://schemas.microsoft.com/office/drawing/2014/main" id="{51D21045-41E3-44ED-8D0F-2D53A5CFBBC9}"/>
               </a:ext>
             </a:extLst>
           </p:cNvPr>
@@ -11553,7 +10020,7 @@
     </p:spTree>
     <p:extLst>
       <p:ext uri="{BB962C8B-B14F-4D97-AF65-F5344CB8AC3E}">
-        <p14:creationId xmlns:p14="http://schemas.microsoft.com/office/powerpoint/2010/main" val="3115187611"/>
+        <p14:creationId xmlns:p14="http://schemas.microsoft.com/office/powerpoint/2010/main" val="1034063795"/>
       </p:ext>
     </p:extLst>
   </p:cSld>
@@ -11582,7 +10049,13 @@
       </p:grpSpPr>
       <p:sp>
         <p:nvSpPr>
-          <p:cNvPr id="2" name="제목 1"/>
+          <p:cNvPr id="2" name="제목 1">
+            <a:extLst>
+              <a:ext uri="{FF2B5EF4-FFF2-40B4-BE49-F238E27FC236}">
+                <a16:creationId xmlns:a16="http://schemas.microsoft.com/office/drawing/2014/main" id="{5119CB2B-C163-4660-B17D-8FEDC92CA9E6}"/>
+              </a:ext>
+            </a:extLst>
+          </p:cNvPr>
           <p:cNvSpPr>
             <a:spLocks noGrp="1"/>
           </p:cNvSpPr>
@@ -11597,214 +10070,60 @@
           <a:p>
             <a:r>
               <a:rPr lang="ko-KR" altLang="en-US" dirty="0"/>
-              <a:t>코드 분석</a:t>
+              <a:t>다시 빌드 후</a:t>
             </a:r>
             <a:r>
               <a:rPr lang="en-US" altLang="ko-KR" dirty="0"/>
-              <a:t> </a:t>
-            </a:r>
-            <a:r>
-              <a:rPr lang="ko-KR" altLang="en-US" dirty="0"/>
-              <a:t>개인 과제</a:t>
-            </a:r>
-          </a:p>
-        </p:txBody>
-      </p:sp>
-      <p:sp>
-        <p:nvSpPr>
-          <p:cNvPr id="3" name="내용 개체 틀 2"/>
-          <p:cNvSpPr>
-            <a:spLocks noGrp="1"/>
-          </p:cNvSpPr>
+              <a:t>, </a:t>
+            </a:r>
+            <a:r>
+              <a:rPr lang="ko-KR" altLang="en-US" dirty="0"/>
+              <a:t>확인</a:t>
+            </a:r>
+          </a:p>
+        </p:txBody>
+      </p:sp>
+      <p:pic>
+        <p:nvPicPr>
+          <p:cNvPr id="5" name="내용 개체 틀 4">
+            <a:extLst>
+              <a:ext uri="{FF2B5EF4-FFF2-40B4-BE49-F238E27FC236}">
+                <a16:creationId xmlns:a16="http://schemas.microsoft.com/office/drawing/2014/main" id="{11E1270F-FA97-4330-B592-29239D11963E}"/>
+              </a:ext>
+            </a:extLst>
+          </p:cNvPr>
+          <p:cNvPicPr>
+            <a:picLocks noGrp="1" noChangeAspect="1"/>
+          </p:cNvPicPr>
           <p:nvPr>
             <p:ph idx="1"/>
           </p:nvPr>
-        </p:nvSpPr>
-        <p:spPr/>
-        <p:txBody>
-          <a:bodyPr/>
-          <a:lstStyle/>
-          <a:p>
-            <a:r>
-              <a:rPr lang="ko-KR" altLang="en-US" sz="2000" dirty="0"/>
-              <a:t>계산기 앱의 빌드 및 실행</a:t>
-            </a:r>
-            <a:endParaRPr lang="en-US" altLang="ko-KR" sz="2000" dirty="0"/>
-          </a:p>
-          <a:p>
-            <a:pPr lvl="1"/>
-            <a:r>
-              <a:rPr lang="en-US" altLang="ko-KR" sz="1800" dirty="0"/>
-              <a:t>Calc1.jpg</a:t>
-            </a:r>
-          </a:p>
-          <a:p>
-            <a:r>
-              <a:rPr lang="en-US" altLang="ko-KR" sz="2000" dirty="0"/>
-              <a:t>“</a:t>
-            </a:r>
-            <a:r>
-              <a:rPr lang="ko-KR" altLang="en-US" sz="2000" dirty="0"/>
-              <a:t>정보</a:t>
-            </a:r>
-            <a:r>
-              <a:rPr lang="en-US" altLang="ko-KR" sz="2000" dirty="0"/>
-              <a:t>” </a:t>
-            </a:r>
-            <a:r>
-              <a:rPr lang="ko-KR" altLang="en-US" sz="2000" dirty="0"/>
-              <a:t>항목을 수정한 두 번째 시도를 따라</a:t>
-            </a:r>
-            <a:r>
-              <a:rPr lang="en-US" altLang="ko-KR" sz="2000" dirty="0"/>
-              <a:t>, </a:t>
-            </a:r>
-            <a:r>
-              <a:rPr lang="ko-KR" altLang="en-US" sz="2000" dirty="0"/>
-              <a:t>본인 학번을 출력하게 변경</a:t>
-            </a:r>
-            <a:endParaRPr lang="en-US" altLang="ko-KR" sz="2000" dirty="0"/>
-          </a:p>
-          <a:p>
-            <a:pPr lvl="1"/>
-            <a:r>
-              <a:rPr lang="en-US" altLang="ko-KR" sz="1800" dirty="0"/>
-              <a:t>Calc2. jpg</a:t>
-            </a:r>
-          </a:p>
-          <a:p>
-            <a:r>
-              <a:rPr lang="ko-KR" altLang="en-US" sz="2000" dirty="0"/>
-              <a:t>각자 임의의 수정 내용을 설정해 한 가지 수정을 진행해보기</a:t>
-            </a:r>
-            <a:endParaRPr lang="en-US" altLang="ko-KR" sz="2000" dirty="0"/>
-          </a:p>
-          <a:p>
-            <a:pPr lvl="1"/>
-            <a:r>
-              <a:rPr lang="ko-KR" altLang="en-US" sz="1800" dirty="0"/>
-              <a:t>보고서</a:t>
-            </a:r>
-            <a:r>
-              <a:rPr lang="en-US" altLang="ko-KR" sz="1800" dirty="0"/>
-              <a:t>: </a:t>
-            </a:r>
-            <a:r>
-              <a:rPr lang="ko-KR" altLang="en-US" sz="1800" dirty="0"/>
-              <a:t>수정한 내용 및 진행 과정을</a:t>
-            </a:r>
-            <a:r>
-              <a:rPr lang="en-US" altLang="ko-KR" sz="1800" dirty="0"/>
-              <a:t> </a:t>
-            </a:r>
-            <a:r>
-              <a:rPr lang="ko-KR" altLang="en-US" sz="1800" dirty="0"/>
-              <a:t>기술하고</a:t>
-            </a:r>
-            <a:r>
-              <a:rPr lang="en-US" altLang="ko-KR" sz="1800" dirty="0"/>
-              <a:t>,</a:t>
-            </a:r>
-            <a:r>
-              <a:rPr lang="ko-KR" altLang="en-US" sz="1800" dirty="0"/>
-              <a:t> 과정 및 결과에 대한 캡처 화면을 적절히 삽입할 것</a:t>
-            </a:r>
-            <a:r>
-              <a:rPr lang="en-US" altLang="ko-KR" sz="1800" dirty="0"/>
-              <a:t>. </a:t>
-            </a:r>
-            <a:r>
-              <a:rPr lang="ko-KR" altLang="en-US" sz="1800" dirty="0"/>
-              <a:t>실패한 시도가 있다면 그것도 추가할 것</a:t>
-            </a:r>
-            <a:r>
-              <a:rPr lang="en-US" altLang="ko-KR" sz="1800" dirty="0"/>
-              <a:t>.</a:t>
-            </a:r>
-          </a:p>
-          <a:p>
-            <a:pPr lvl="1"/>
-            <a:r>
-              <a:rPr lang="ko-KR" altLang="en-US" sz="1800" dirty="0"/>
-              <a:t>분량</a:t>
-            </a:r>
-            <a:r>
-              <a:rPr lang="en-US" altLang="ko-KR" sz="1800" dirty="0"/>
-              <a:t>: A4 5</a:t>
-            </a:r>
-            <a:r>
-              <a:rPr lang="ko-KR" altLang="en-US" sz="1800" dirty="0"/>
-              <a:t>장 이내</a:t>
-            </a:r>
-            <a:endParaRPr lang="en-US" altLang="ko-KR" sz="1800" dirty="0"/>
-          </a:p>
-          <a:p>
-            <a:pPr lvl="1"/>
-            <a:endParaRPr lang="en-US" altLang="ko-KR" sz="1800" dirty="0"/>
-          </a:p>
-          <a:p>
-            <a:r>
-              <a:rPr lang="ko-KR" altLang="en-US" sz="2000" dirty="0"/>
-              <a:t>제출 기한</a:t>
-            </a:r>
-            <a:r>
-              <a:rPr lang="en-US" altLang="ko-KR" sz="2000" dirty="0"/>
-              <a:t>:</a:t>
-            </a:r>
-          </a:p>
-          <a:p>
-            <a:pPr lvl="1"/>
-            <a:r>
-              <a:rPr lang="en-US" altLang="ko-KR" sz="1800" dirty="0"/>
-              <a:t>11/3 (</a:t>
-            </a:r>
-            <a:r>
-              <a:rPr lang="ko-KR" altLang="en-US" sz="1800" dirty="0"/>
-              <a:t>일</a:t>
-            </a:r>
-            <a:r>
-              <a:rPr lang="en-US" altLang="ko-KR" sz="1800" dirty="0"/>
-              <a:t>) 23:59</a:t>
-            </a:r>
-          </a:p>
-          <a:p>
-            <a:pPr lvl="1"/>
-            <a:r>
-              <a:rPr lang="ko-KR" altLang="en-US" sz="1800" dirty="0"/>
-              <a:t>지각 감점</a:t>
-            </a:r>
-            <a:r>
-              <a:rPr lang="en-US" altLang="ko-KR" sz="1800" dirty="0"/>
-              <a:t>: 5%p / day</a:t>
-            </a:r>
-            <a:r>
-              <a:rPr lang="ko-KR" altLang="en-US" sz="1800" dirty="0"/>
-              <a:t> </a:t>
-            </a:r>
-            <a:r>
-              <a:rPr lang="en-US" altLang="ko-KR" sz="1800" dirty="0"/>
-              <a:t>(3</a:t>
-            </a:r>
-            <a:r>
-              <a:rPr lang="ko-KR" altLang="en-US" sz="1800" dirty="0"/>
-              <a:t>주 내 제출해야 함</a:t>
-            </a:r>
-            <a:r>
-              <a:rPr lang="en-US" altLang="ko-KR" sz="1800" dirty="0"/>
-              <a:t>)</a:t>
-            </a:r>
-          </a:p>
-          <a:p>
-            <a:endParaRPr lang="ko-KR" altLang="en-US" sz="2000" dirty="0"/>
-          </a:p>
-          <a:p>
-            <a:endParaRPr lang="ko-KR" altLang="en-US" sz="2000" dirty="0"/>
-          </a:p>
-        </p:txBody>
-      </p:sp>
-      <p:sp>
-        <p:nvSpPr>
-          <p:cNvPr id="4" name="슬라이드 번호 개체 틀 3"/>
+        </p:nvPicPr>
+        <p:blipFill>
+          <a:blip r:embed="rId2"/>
+          <a:stretch>
+            <a:fillRect/>
+          </a:stretch>
+        </p:blipFill>
+        <p:spPr>
+          <a:xfrm>
+            <a:off x="89062" y="1647826"/>
+            <a:ext cx="8965878" cy="4090986"/>
+          </a:xfrm>
+          <a:prstGeom prst="rect">
+            <a:avLst/>
+          </a:prstGeom>
+        </p:spPr>
+      </p:pic>
+      <p:sp>
+        <p:nvSpPr>
+          <p:cNvPr id="4" name="슬라이드 번호 개체 틀 3">
+            <a:extLst>
+              <a:ext uri="{FF2B5EF4-FFF2-40B4-BE49-F238E27FC236}">
+                <a16:creationId xmlns:a16="http://schemas.microsoft.com/office/drawing/2014/main" id="{1C058902-D12A-45AA-B2D2-7F6438547C05}"/>
+              </a:ext>
+            </a:extLst>
+          </p:cNvPr>
           <p:cNvSpPr>
             <a:spLocks noGrp="1"/>
           </p:cNvSpPr>
@@ -11819,7 +10138,6 @@
           <a:p>
             <a:fld id="{64F0D409-D3F6-4EEC-8C77-1F5E89989FFB}" type="slidenum">
               <a:rPr lang="ko-KR" altLang="en-US" smtClean="0"/>
-              <a:pPr/>
               <a:t>43</a:t>
             </a:fld>
             <a:endParaRPr lang="ko-KR" altLang="en-US"/>
@@ -11829,7 +10147,7 @@
     </p:spTree>
     <p:extLst>
       <p:ext uri="{BB962C8B-B14F-4D97-AF65-F5344CB8AC3E}">
-        <p14:creationId xmlns:p14="http://schemas.microsoft.com/office/powerpoint/2010/main" val="1101731454"/>
+        <p14:creationId xmlns:p14="http://schemas.microsoft.com/office/powerpoint/2010/main" val="3115187611"/>
       </p:ext>
     </p:extLst>
   </p:cSld>
@@ -11928,104 +10246,6 @@
             <a:endParaRPr lang="en-US" altLang="ko-KR" dirty="0"/>
           </a:p>
           <a:p>
-            <a:pPr lvl="1"/>
-            <a:r>
-              <a:rPr lang="ko-KR" altLang="en-US" dirty="0"/>
-              <a:t>개발 및 실행 환경 요구 사항</a:t>
-            </a:r>
-            <a:endParaRPr lang="en-US" altLang="ko-KR" dirty="0"/>
-          </a:p>
-          <a:p>
-            <a:pPr lvl="2"/>
-            <a:r>
-              <a:rPr lang="ko-KR" altLang="en-US" dirty="0"/>
-              <a:t>내가 환경을 구성하기에 적절한 자원</a:t>
-            </a:r>
-            <a:r>
-              <a:rPr lang="en-US" altLang="ko-KR" dirty="0"/>
-              <a:t>(</a:t>
-            </a:r>
-            <a:r>
-              <a:rPr lang="ko-KR" altLang="en-US" dirty="0"/>
-              <a:t>컴퓨팅 환경</a:t>
-            </a:r>
-            <a:r>
-              <a:rPr lang="en-US" altLang="ko-KR" dirty="0"/>
-              <a:t>, </a:t>
-            </a:r>
-            <a:r>
-              <a:rPr lang="ko-KR" altLang="en-US" dirty="0"/>
-              <a:t>시간</a:t>
-            </a:r>
-            <a:r>
-              <a:rPr lang="en-US" altLang="ko-KR" dirty="0"/>
-              <a:t>, </a:t>
-            </a:r>
-            <a:r>
-              <a:rPr lang="ko-KR" altLang="en-US" dirty="0"/>
-              <a:t>비용 등</a:t>
-            </a:r>
-            <a:r>
-              <a:rPr lang="en-US" altLang="ko-KR" dirty="0"/>
-              <a:t>)</a:t>
-            </a:r>
-            <a:r>
-              <a:rPr lang="ko-KR" altLang="en-US" dirty="0"/>
-              <a:t>을 갖고 있는가</a:t>
-            </a:r>
-            <a:r>
-              <a:rPr lang="en-US" altLang="ko-KR" dirty="0"/>
-              <a:t>?</a:t>
-            </a:r>
-          </a:p>
-          <a:p>
-            <a:pPr lvl="1"/>
-            <a:r>
-              <a:rPr lang="ko-KR" altLang="en-US" dirty="0"/>
-              <a:t>추가 자료들이 있는가</a:t>
-            </a:r>
-            <a:r>
-              <a:rPr lang="en-US" altLang="ko-KR" dirty="0"/>
-              <a:t>?</a:t>
-            </a:r>
-          </a:p>
-          <a:p>
-            <a:pPr lvl="2"/>
-            <a:r>
-              <a:rPr lang="ko-KR" altLang="en-US" dirty="0"/>
-              <a:t>구글</a:t>
-            </a:r>
-            <a:r>
-              <a:rPr lang="en-US" altLang="ko-KR" dirty="0"/>
-              <a:t> </a:t>
-            </a:r>
-            <a:r>
-              <a:rPr lang="ko-KR" altLang="en-US" dirty="0"/>
-              <a:t>등 검색에서 나오는 자료들이 많아야 </a:t>
-            </a:r>
-            <a:r>
-              <a:rPr lang="en-US" altLang="ko-KR" dirty="0"/>
-              <a:t>trouble shooting</a:t>
-            </a:r>
-            <a:r>
-              <a:rPr lang="ko-KR" altLang="en-US" dirty="0"/>
-              <a:t>이 용이함</a:t>
-            </a:r>
-            <a:endParaRPr lang="en-US" altLang="ko-KR" dirty="0"/>
-          </a:p>
-          <a:p>
-            <a:pPr lvl="2"/>
-            <a:r>
-              <a:rPr lang="en-US" altLang="ko-KR" dirty="0"/>
-              <a:t>Project Community </a:t>
-            </a:r>
-            <a:r>
-              <a:rPr lang="ko-KR" altLang="en-US" dirty="0"/>
-              <a:t>의 규모가 클수록 자료도 많음</a:t>
-            </a:r>
-            <a:endParaRPr lang="en-US" altLang="ko-KR" dirty="0"/>
-          </a:p>
-          <a:p>
             <a:pPr marL="457200" indent="-457200">
               <a:buFont typeface="+mj-lt"/>
               <a:buAutoNum type="arabicPeriod"/>
@@ -12045,10 +10265,35 @@
             <a:endParaRPr lang="en-US" altLang="ko-KR" dirty="0"/>
           </a:p>
           <a:p>
-            <a:pPr lvl="1"/>
-            <a:r>
-              <a:rPr lang="ko-KR" altLang="en-US" dirty="0"/>
-              <a:t>실행 환경을 구성해보지 않고도</a:t>
+            <a:pPr marL="457200" indent="-457200">
+              <a:buFont typeface="+mj-lt"/>
+              <a:buAutoNum type="arabicPeriod"/>
+            </a:pPr>
+            <a:r>
+              <a:rPr lang="ko-KR" altLang="en-US" dirty="0"/>
+              <a:t>수정할 기능의 구상</a:t>
+            </a:r>
+            <a:endParaRPr lang="en-US" altLang="ko-KR" dirty="0"/>
+          </a:p>
+          <a:p>
+            <a:pPr marL="457200" indent="-457200">
+              <a:buFont typeface="+mj-lt"/>
+              <a:buAutoNum type="arabicPeriod"/>
+            </a:pPr>
+            <a:r>
+              <a:rPr lang="ko-KR" altLang="en-US" dirty="0"/>
+              <a:t>빌드 및 실행 환경 구성</a:t>
+            </a:r>
+            <a:endParaRPr lang="en-US" altLang="ko-KR" dirty="0"/>
+          </a:p>
+          <a:p>
+            <a:pPr marL="457200" indent="-457200">
+              <a:buFont typeface="+mj-lt"/>
+              <a:buAutoNum type="arabicPeriod"/>
+            </a:pPr>
+            <a:r>
+              <a:rPr lang="ko-KR" altLang="en-US" dirty="0"/>
+              <a:t>빌드 후</a:t>
             </a:r>
             <a:r>
               <a:rPr lang="en-US" altLang="ko-KR" dirty="0"/>
@@ -12056,55 +10301,8 @@
             </a:r>
             <a:r>
               <a:rPr lang="ko-KR" altLang="en-US" dirty="0"/>
-              <a:t>미리 수행해볼 수 있다면 매우 좋음</a:t>
-            </a:r>
-            <a:endParaRPr lang="en-US" altLang="ko-KR" dirty="0"/>
-          </a:p>
-          <a:p>
-            <a:pPr lvl="2"/>
-            <a:r>
-              <a:rPr lang="ko-KR" altLang="en-US" dirty="0"/>
-              <a:t>예</a:t>
-            </a:r>
-            <a:r>
-              <a:rPr lang="en-US" altLang="ko-KR" dirty="0"/>
-              <a:t>) </a:t>
-            </a:r>
-            <a:r>
-              <a:rPr lang="ko-KR" altLang="en-US" dirty="0"/>
-              <a:t>소스 코드가 </a:t>
-            </a:r>
-            <a:r>
-              <a:rPr lang="ko-KR" altLang="en-US" dirty="0" err="1"/>
-              <a:t>아니라도</a:t>
-            </a:r>
-            <a:r>
-              <a:rPr lang="ko-KR" altLang="en-US" dirty="0"/>
-              <a:t> 실행 파일이 있거나</a:t>
-            </a:r>
-            <a:r>
-              <a:rPr lang="en-US" altLang="ko-KR" dirty="0"/>
-              <a:t>, </a:t>
-            </a:r>
-            <a:r>
-              <a:rPr lang="ko-KR" altLang="en-US" dirty="0"/>
-              <a:t>앱이 있거나</a:t>
-            </a:r>
-            <a:r>
-              <a:rPr lang="en-US" altLang="ko-KR" dirty="0"/>
-              <a:t>.</a:t>
-            </a:r>
-          </a:p>
-          <a:p>
-            <a:pPr lvl="1"/>
-            <a:r>
-              <a:rPr lang="ko-KR" altLang="en-US" dirty="0"/>
-              <a:t>수정할 대상이 될 기존 기능의 동작을 확인</a:t>
-            </a:r>
-            <a:endParaRPr lang="en-US" altLang="ko-KR" dirty="0"/>
-          </a:p>
-          <a:p>
-            <a:pPr lvl="1"/>
+              <a:t>정상 동작의 확인</a:t>
+            </a:r>
             <a:endParaRPr lang="en-US" altLang="ko-KR" dirty="0"/>
           </a:p>
           <a:p>
@@ -12155,7 +10353,7 @@
     </p:spTree>
     <p:extLst>
       <p:ext uri="{BB962C8B-B14F-4D97-AF65-F5344CB8AC3E}">
-        <p14:creationId xmlns:p14="http://schemas.microsoft.com/office/powerpoint/2010/main" val="1212900966"/>
+        <p14:creationId xmlns:p14="http://schemas.microsoft.com/office/powerpoint/2010/main" val="2999744548"/>
       </p:ext>
     </p:extLst>
   </p:cSld>
@@ -12245,11 +10443,11 @@
           <a:p>
             <a:pPr marL="457200" indent="-457200">
               <a:buFont typeface="+mj-lt"/>
-              <a:buAutoNum type="arabicPeriod" startAt="3"/>
+              <a:buAutoNum type="arabicPeriod"/>
             </a:pPr>
             <a:r>
               <a:rPr lang="ko-KR" altLang="en-US" dirty="0"/>
-              <a:t>수정할 기능의 구상</a:t>
+              <a:t>프로젝트의 개요 파악</a:t>
             </a:r>
             <a:endParaRPr lang="en-US" altLang="ko-KR" dirty="0"/>
           </a:p>
@@ -12257,7 +10455,23 @@
             <a:pPr lvl="1"/>
             <a:r>
               <a:rPr lang="ko-KR" altLang="en-US" dirty="0"/>
-              <a:t>어떤 기능을 수정</a:t>
+              <a:t>개발 및 실행 환경 요구 사항</a:t>
+            </a:r>
+            <a:endParaRPr lang="en-US" altLang="ko-KR" dirty="0"/>
+          </a:p>
+          <a:p>
+            <a:pPr lvl="2"/>
+            <a:r>
+              <a:rPr lang="ko-KR" altLang="en-US" dirty="0"/>
+              <a:t>내가 환경을 구성하기에 적절한 자원</a:t>
+            </a:r>
+            <a:r>
+              <a:rPr lang="en-US" altLang="ko-KR" dirty="0"/>
+              <a:t>(</a:t>
+            </a:r>
+            <a:r>
+              <a:rPr lang="ko-KR" altLang="en-US" dirty="0"/>
+              <a:t>컴퓨팅 환경</a:t>
             </a:r>
             <a:r>
               <a:rPr lang="en-US" altLang="ko-KR" dirty="0"/>
@@ -12265,49 +10479,155 @@
             </a:r>
             <a:r>
               <a:rPr lang="ko-KR" altLang="en-US" dirty="0"/>
-              <a:t>추가할 것인가</a:t>
+              <a:t>시간</a:t>
             </a:r>
             <a:r>
               <a:rPr lang="en-US" altLang="ko-KR" dirty="0"/>
-              <a:t>? </a:t>
-            </a:r>
-          </a:p>
-          <a:p>
-            <a:pPr lvl="2"/>
-            <a:r>
-              <a:rPr lang="ko-KR" altLang="en-US" dirty="0"/>
-              <a:t>실제 사용해보면서 하려고 하는 일의 정확한 요구 사항을 파악해야 함</a:t>
-            </a:r>
-            <a:endParaRPr lang="en-US" altLang="ko-KR" dirty="0"/>
-          </a:p>
-          <a:p>
-            <a:pPr lvl="1"/>
-            <a:r>
-              <a:rPr lang="ko-KR" altLang="en-US" dirty="0"/>
-              <a:t>구현이 가능할 것인지 미리 예측을 해봄</a:t>
-            </a:r>
-            <a:endParaRPr lang="en-US" altLang="ko-KR" dirty="0"/>
-          </a:p>
-          <a:p>
-            <a:pPr lvl="2"/>
-            <a:r>
-              <a:rPr lang="ko-KR" altLang="en-US" dirty="0"/>
-              <a:t>겉으로 파악할 수 있는 세부 동작을 추측해가며</a:t>
+              <a:t>, </a:t>
+            </a:r>
+            <a:r>
+              <a:rPr lang="ko-KR" altLang="en-US" dirty="0"/>
+              <a:t>비용 등</a:t>
             </a:r>
             <a:r>
               <a:rPr lang="en-US" altLang="ko-KR" dirty="0"/>
-              <a:t> </a:t>
-            </a:r>
-            <a:r>
-              <a:rPr lang="ko-KR" altLang="en-US" dirty="0"/>
-              <a:t>기능의 구현 방향을 </a:t>
+              <a:t>)</a:t>
+            </a:r>
+            <a:r>
+              <a:rPr lang="ko-KR" altLang="en-US" dirty="0"/>
+              <a:t>을 </a:t>
             </a:r>
             <a:br>
               <a:rPr lang="en-US" altLang="ko-KR" dirty="0"/>
             </a:br>
             <a:r>
               <a:rPr lang="ko-KR" altLang="en-US" dirty="0"/>
-              <a:t>다양하게 구상해보고</a:t>
+              <a:t>갖고 있는가</a:t>
+            </a:r>
+            <a:r>
+              <a:rPr lang="en-US" altLang="ko-KR" dirty="0"/>
+              <a:t>?</a:t>
+            </a:r>
+          </a:p>
+          <a:p>
+            <a:pPr lvl="1"/>
+            <a:r>
+              <a:rPr lang="ko-KR" altLang="en-US" dirty="0"/>
+              <a:t>문서 및 추가 자료들이 있는가</a:t>
+            </a:r>
+            <a:r>
+              <a:rPr lang="en-US" altLang="ko-KR" dirty="0"/>
+              <a:t>?</a:t>
+            </a:r>
+          </a:p>
+          <a:p>
+            <a:pPr lvl="2"/>
+            <a:r>
+              <a:rPr lang="ko-KR" altLang="en-US" dirty="0"/>
+              <a:t>공식 사이트에 </a:t>
+            </a:r>
+            <a:r>
+              <a:rPr lang="en-US" altLang="ko-KR" dirty="0"/>
+              <a:t>Documentation </a:t>
+            </a:r>
+            <a:r>
+              <a:rPr lang="ko-KR" altLang="en-US" dirty="0"/>
+              <a:t>이 잘 되어있어야 함</a:t>
+            </a:r>
+            <a:endParaRPr lang="en-US" altLang="ko-KR" dirty="0"/>
+          </a:p>
+          <a:p>
+            <a:pPr lvl="2"/>
+            <a:r>
+              <a:rPr lang="ko-KR" altLang="en-US" dirty="0"/>
+              <a:t>구글</a:t>
+            </a:r>
+            <a:r>
+              <a:rPr lang="en-US" altLang="ko-KR" dirty="0"/>
+              <a:t> </a:t>
+            </a:r>
+            <a:r>
+              <a:rPr lang="ko-KR" altLang="en-US" dirty="0"/>
+              <a:t>등 검색에서 나오는 자료들이 많아야 </a:t>
+            </a:r>
+            <a:r>
+              <a:rPr lang="en-US" altLang="ko-KR" dirty="0"/>
+              <a:t>trouble shooting</a:t>
+            </a:r>
+            <a:r>
+              <a:rPr lang="ko-KR" altLang="en-US" dirty="0"/>
+              <a:t>이 용이함</a:t>
+            </a:r>
+            <a:endParaRPr lang="en-US" altLang="ko-KR" dirty="0"/>
+          </a:p>
+          <a:p>
+            <a:pPr lvl="2"/>
+            <a:r>
+              <a:rPr lang="en-US" altLang="ko-KR" dirty="0"/>
+              <a:t>Project Community </a:t>
+            </a:r>
+            <a:r>
+              <a:rPr lang="ko-KR" altLang="en-US" dirty="0"/>
+              <a:t>의 규모가 클수록 자료도 많음</a:t>
+            </a:r>
+            <a:endParaRPr lang="en-US" altLang="ko-KR" dirty="0"/>
+          </a:p>
+          <a:p>
+            <a:pPr marL="457200" indent="-457200">
+              <a:buFont typeface="+mj-lt"/>
+              <a:buAutoNum type="arabicPeriod"/>
+            </a:pPr>
+            <a:r>
+              <a:rPr lang="ko-KR" altLang="en-US" dirty="0"/>
+              <a:t>실제 </a:t>
+            </a:r>
+            <a:r>
+              <a:rPr lang="en-US" altLang="ko-KR" dirty="0"/>
+              <a:t>SW</a:t>
+            </a:r>
+            <a:r>
+              <a:rPr lang="ko-KR" altLang="en-US" dirty="0"/>
+              <a:t>의 동작 확인</a:t>
+            </a:r>
+            <a:endParaRPr lang="en-US" altLang="ko-KR" dirty="0"/>
+          </a:p>
+          <a:p>
+            <a:pPr lvl="1"/>
+            <a:r>
+              <a:rPr lang="ko-KR" altLang="en-US" dirty="0"/>
+              <a:t>실행 환경을 구성해보지 않고도</a:t>
+            </a:r>
+            <a:r>
+              <a:rPr lang="en-US" altLang="ko-KR" dirty="0"/>
+              <a:t> </a:t>
+            </a:r>
+            <a:r>
+              <a:rPr lang="ko-KR" altLang="en-US" dirty="0"/>
+              <a:t>미리 수행해볼 수 있다면 매우 좋음</a:t>
+            </a:r>
+            <a:endParaRPr lang="en-US" altLang="ko-KR" dirty="0"/>
+          </a:p>
+          <a:p>
+            <a:pPr lvl="2"/>
+            <a:r>
+              <a:rPr lang="ko-KR" altLang="en-US" dirty="0"/>
+              <a:t>예</a:t>
+            </a:r>
+            <a:r>
+              <a:rPr lang="en-US" altLang="ko-KR" dirty="0"/>
+              <a:t>) </a:t>
+            </a:r>
+            <a:r>
+              <a:rPr lang="ko-KR" altLang="en-US" dirty="0"/>
+              <a:t>소스 코드가 </a:t>
+            </a:r>
+            <a:r>
+              <a:rPr lang="ko-KR" altLang="en-US" dirty="0" err="1"/>
+              <a:t>아니라도</a:t>
+            </a:r>
+            <a:r>
+              <a:rPr lang="ko-KR" altLang="en-US" dirty="0"/>
+              <a:t> 실행 파일이 있거나</a:t>
             </a:r>
             <a:r>
               <a:rPr lang="en-US" altLang="ko-KR" dirty="0"/>
@@ -12315,119 +10635,36 @@
             </a:r>
             <a:r>
               <a:rPr lang="ko-KR" altLang="en-US" dirty="0"/>
-              <a:t>난이도를 미리 예측해보아야 함</a:t>
-            </a:r>
+              <a:t>앱이 있거나</a:t>
+            </a:r>
+            <a:r>
+              <a:rPr lang="en-US" altLang="ko-KR" dirty="0"/>
+              <a:t>.</a:t>
+            </a:r>
+          </a:p>
+          <a:p>
+            <a:pPr lvl="1"/>
+            <a:r>
+              <a:rPr lang="ko-KR" altLang="en-US" dirty="0"/>
+              <a:t>수정할 대상이 될 기존 기능의 동작을 확인</a:t>
+            </a:r>
+            <a:endParaRPr lang="en-US" altLang="ko-KR" dirty="0"/>
+          </a:p>
+          <a:p>
+            <a:pPr lvl="1"/>
             <a:endParaRPr lang="en-US" altLang="ko-KR" dirty="0"/>
           </a:p>
           <a:p>
             <a:pPr marL="457200" indent="-457200">
               <a:buFont typeface="+mj-lt"/>
-              <a:buAutoNum type="arabicPeriod" startAt="3"/>
+              <a:buAutoNum type="arabicPeriod"/>
             </a:pPr>
-            <a:r>
-              <a:rPr lang="ko-KR" altLang="en-US" dirty="0"/>
-              <a:t>빌드 및 실행 환경 구성</a:t>
-            </a:r>
-            <a:endParaRPr lang="en-US" altLang="ko-KR" dirty="0"/>
-          </a:p>
-          <a:p>
-            <a:pPr lvl="1"/>
-            <a:r>
-              <a:rPr lang="en-US" altLang="ko-KR" dirty="0"/>
-              <a:t>Build environment </a:t>
-            </a:r>
-            <a:r>
-              <a:rPr lang="ko-KR" altLang="en-US" dirty="0"/>
-              <a:t>의 구성에 관한 문서를 찾고 그에 따라 환경 구성</a:t>
-            </a:r>
-            <a:endParaRPr lang="en-US" altLang="ko-KR" dirty="0"/>
-          </a:p>
-          <a:p>
-            <a:pPr lvl="2"/>
-            <a:r>
-              <a:rPr lang="ko-KR" altLang="en-US" dirty="0"/>
-              <a:t>뭔가 복잡한데 아무런 문서가 없으면</a:t>
-            </a:r>
-            <a:r>
-              <a:rPr lang="en-US" altLang="ko-KR" dirty="0"/>
-              <a:t>…</a:t>
-            </a:r>
-            <a:r>
-              <a:rPr lang="ko-KR" altLang="en-US" dirty="0"/>
-              <a:t>빠르게 포기하자</a:t>
-            </a:r>
             <a:endParaRPr lang="en-US" altLang="ko-KR" dirty="0"/>
           </a:p>
           <a:p>
             <a:pPr marL="457200" indent="-457200">
               <a:buFont typeface="+mj-lt"/>
-              <a:buAutoNum type="arabicPeriod" startAt="3"/>
-            </a:pPr>
-            <a:r>
-              <a:rPr lang="ko-KR" altLang="en-US" dirty="0"/>
-              <a:t>빌드 후</a:t>
-            </a:r>
-            <a:r>
-              <a:rPr lang="en-US" altLang="ko-KR" dirty="0"/>
-              <a:t> </a:t>
-            </a:r>
-            <a:r>
-              <a:rPr lang="ko-KR" altLang="en-US" dirty="0"/>
-              <a:t>정상 동작의 확인</a:t>
-            </a:r>
-            <a:endParaRPr lang="en-US" altLang="ko-KR" dirty="0"/>
-          </a:p>
-          <a:p>
-            <a:pPr lvl="1"/>
-            <a:r>
-              <a:rPr lang="ko-KR" altLang="en-US" dirty="0"/>
-              <a:t>실행 환경을 구성하고</a:t>
-            </a:r>
-            <a:r>
-              <a:rPr lang="en-US" altLang="ko-KR" dirty="0"/>
-              <a:t> </a:t>
-            </a:r>
-            <a:r>
-              <a:rPr lang="ko-KR" altLang="en-US" dirty="0"/>
-              <a:t>수정하고자 하는 기능의 정상 동작을 확인</a:t>
-            </a:r>
-            <a:endParaRPr lang="en-US" altLang="ko-KR" dirty="0"/>
-          </a:p>
-          <a:p>
-            <a:pPr lvl="1"/>
-            <a:endParaRPr lang="en-US" altLang="ko-KR" dirty="0"/>
-          </a:p>
-          <a:p>
-            <a:pPr marL="914400" lvl="1" indent="-457200">
-              <a:buFont typeface="+mj-lt"/>
-              <a:buAutoNum type="arabicPeriod" startAt="3"/>
-            </a:pPr>
-            <a:endParaRPr lang="en-US" altLang="ko-KR" dirty="0"/>
-          </a:p>
-          <a:p>
-            <a:pPr marL="914400" lvl="1" indent="-457200">
-              <a:buFont typeface="+mj-lt"/>
-              <a:buAutoNum type="arabicPeriod" startAt="3"/>
-            </a:pPr>
-            <a:endParaRPr lang="en-US" altLang="ko-KR" dirty="0"/>
-          </a:p>
-          <a:p>
-            <a:pPr marL="0" indent="0">
-              <a:buNone/>
-            </a:pPr>
-            <a:endParaRPr lang="en-US" altLang="ko-KR" dirty="0"/>
-          </a:p>
-          <a:p>
-            <a:pPr marL="457200" indent="-457200">
-              <a:buFont typeface="+mj-lt"/>
-              <a:buAutoNum type="arabicPeriod" startAt="3"/>
-            </a:pPr>
-            <a:endParaRPr lang="en-US" altLang="ko-KR" dirty="0"/>
-          </a:p>
-          <a:p>
-            <a:pPr marL="457200" indent="-457200">
-              <a:buFont typeface="+mj-lt"/>
-              <a:buAutoNum type="arabicPeriod" startAt="3"/>
+              <a:buAutoNum type="arabicPeriod"/>
             </a:pPr>
             <a:endParaRPr lang="ko-KR" altLang="en-US" dirty="0"/>
           </a:p>
@@ -12465,7 +10702,7 @@
     </p:spTree>
     <p:extLst>
       <p:ext uri="{BB962C8B-B14F-4D97-AF65-F5344CB8AC3E}">
-        <p14:creationId xmlns:p14="http://schemas.microsoft.com/office/powerpoint/2010/main" val="105948732"/>
+        <p14:creationId xmlns:p14="http://schemas.microsoft.com/office/powerpoint/2010/main" val="1212900966"/>
       </p:ext>
     </p:extLst>
   </p:cSld>
@@ -12510,14 +10747,12 @@
         </p:nvSpPr>
         <p:spPr/>
         <p:txBody>
-          <a:bodyPr>
-            <a:normAutofit/>
-          </a:bodyPr>
+          <a:bodyPr/>
           <a:lstStyle/>
           <a:p>
             <a:r>
               <a:rPr lang="en-US" altLang="ko-KR" dirty="0"/>
-              <a:t>2</a:t>
+              <a:t>1</a:t>
             </a:r>
             <a:r>
               <a:rPr lang="ko-KR" altLang="en-US" dirty="0"/>
@@ -12529,13 +10764,8 @@
             </a:r>
             <a:r>
               <a:rPr lang="ko-KR" altLang="en-US" dirty="0"/>
-              <a:t>구조 분석 </a:t>
-            </a:r>
-            <a:r>
-              <a:rPr lang="en-US" altLang="ko-KR" dirty="0"/>
-              <a:t>(architecture)</a:t>
-            </a:r>
-            <a:endParaRPr lang="ko-KR" altLang="en-US" dirty="0"/>
+              <a:t>준비</a:t>
+            </a:r>
           </a:p>
         </p:txBody>
       </p:sp>
@@ -12562,15 +10792,38 @@
           <a:p>
             <a:pPr marL="457200" indent="-457200">
               <a:buFont typeface="+mj-lt"/>
-              <a:buAutoNum type="arabicPeriod"/>
+              <a:buAutoNum type="arabicPeriod" startAt="3"/>
             </a:pPr>
             <a:r>
+              <a:rPr lang="ko-KR" altLang="en-US" dirty="0"/>
+              <a:t>수정할 기능의 구상</a:t>
+            </a:r>
+            <a:endParaRPr lang="en-US" altLang="ko-KR" dirty="0"/>
+          </a:p>
+          <a:p>
+            <a:pPr lvl="1"/>
+            <a:r>
+              <a:rPr lang="ko-KR" altLang="en-US" dirty="0"/>
+              <a:t>어떤 기능을 수정</a:t>
+            </a:r>
+            <a:r>
               <a:rPr lang="en-US" altLang="ko-KR" dirty="0"/>
-              <a:t>Documents </a:t>
-            </a:r>
-            <a:r>
-              <a:rPr lang="ko-KR" altLang="en-US" dirty="0"/>
-              <a:t>의 확보</a:t>
+              <a:t>, </a:t>
+            </a:r>
+            <a:r>
+              <a:rPr lang="ko-KR" altLang="en-US" dirty="0"/>
+              <a:t>추가할 것인가</a:t>
+            </a:r>
+            <a:r>
+              <a:rPr lang="en-US" altLang="ko-KR" dirty="0"/>
+              <a:t>? </a:t>
+            </a:r>
+          </a:p>
+          <a:p>
+            <a:pPr lvl="2"/>
+            <a:r>
+              <a:rPr lang="ko-KR" altLang="en-US" dirty="0"/>
+              <a:t>실제 사용해보면서 하려고 하는 일의 정확한 요구 사항을 파악해야 함</a:t>
             </a:r>
             <a:endParaRPr lang="en-US" altLang="ko-KR" dirty="0"/>
           </a:p>
@@ -12578,34 +10831,124 @@
             <a:pPr lvl="1"/>
             <a:r>
               <a:rPr lang="ko-KR" altLang="en-US" dirty="0"/>
-              <a:t>전체적인 구조에 대한 </a:t>
+              <a:t>구현이 가능할 것인지 미리 예측을 해봄</a:t>
+            </a:r>
+            <a:endParaRPr lang="en-US" altLang="ko-KR" dirty="0"/>
+          </a:p>
+          <a:p>
+            <a:pPr lvl="2"/>
+            <a:r>
+              <a:rPr lang="ko-KR" altLang="en-US" dirty="0"/>
+              <a:t>겉으로 파악할 수 있는 세부 동작을 추측해가며</a:t>
             </a:r>
             <a:r>
               <a:rPr lang="en-US" altLang="ko-KR" dirty="0"/>
-              <a:t>document </a:t>
-            </a:r>
-            <a:r>
-              <a:rPr lang="ko-KR" altLang="en-US" dirty="0"/>
-              <a:t>가 존재해야 함</a:t>
-            </a:r>
-            <a:endParaRPr lang="en-US" altLang="ko-KR" dirty="0"/>
-          </a:p>
-          <a:p>
-            <a:pPr lvl="1"/>
-            <a:r>
-              <a:rPr lang="ko-KR" altLang="en-US" dirty="0"/>
-              <a:t>세부 컴포넌트에 관한 </a:t>
+              <a:t> </a:t>
+            </a:r>
+            <a:r>
+              <a:rPr lang="ko-KR" altLang="en-US" dirty="0"/>
+              <a:t>기능의 구현 방향을 </a:t>
+            </a:r>
+            <a:br>
+              <a:rPr lang="en-US" altLang="ko-KR" dirty="0"/>
+            </a:br>
+            <a:r>
+              <a:rPr lang="ko-KR" altLang="en-US" dirty="0"/>
+              <a:t>다양하게 구상해보고</a:t>
+            </a:r>
+            <a:r>
+              <a:rPr lang="en-US" altLang="ko-KR" dirty="0"/>
+              <a:t>, </a:t>
+            </a:r>
+            <a:r>
+              <a:rPr lang="ko-KR" altLang="en-US" dirty="0"/>
+              <a:t>난이도를 미리 예측해보아야 함</a:t>
             </a:r>
             <a:endParaRPr lang="en-US" altLang="ko-KR" dirty="0"/>
           </a:p>
           <a:p>
             <a:pPr marL="457200" indent="-457200">
               <a:buFont typeface="+mj-lt"/>
-              <a:buAutoNum type="arabicPeriod"/>
+              <a:buAutoNum type="arabicPeriod" startAt="3"/>
             </a:pPr>
             <a:r>
               <a:rPr lang="ko-KR" altLang="en-US" dirty="0"/>
-              <a:t>전체적인 구조와 각 컴포넌트의 역할</a:t>
+              <a:t>빌드 및 실행 환경 구성</a:t>
+            </a:r>
+            <a:endParaRPr lang="en-US" altLang="ko-KR" dirty="0"/>
+          </a:p>
+          <a:p>
+            <a:pPr lvl="1"/>
+            <a:r>
+              <a:rPr lang="en-US" altLang="ko-KR" dirty="0"/>
+              <a:t>Build environment </a:t>
+            </a:r>
+            <a:r>
+              <a:rPr lang="ko-KR" altLang="en-US" dirty="0"/>
+              <a:t>의 구성에 관한 문서를 찾고 그에 따라 환경 구성</a:t>
+            </a:r>
+            <a:endParaRPr lang="en-US" altLang="ko-KR" dirty="0"/>
+          </a:p>
+          <a:p>
+            <a:pPr lvl="2"/>
+            <a:r>
+              <a:rPr lang="ko-KR" altLang="en-US" dirty="0"/>
+              <a:t>뭔가 복잡한데 아무런 문서가 없으면</a:t>
+            </a:r>
+            <a:r>
+              <a:rPr lang="en-US" altLang="ko-KR" dirty="0"/>
+              <a:t>…</a:t>
+            </a:r>
+            <a:r>
+              <a:rPr lang="ko-KR" altLang="en-US" dirty="0"/>
+              <a:t>빠르게 포기하자</a:t>
+            </a:r>
+            <a:endParaRPr lang="en-US" altLang="ko-KR" dirty="0"/>
+          </a:p>
+          <a:p>
+            <a:pPr marL="457200" indent="-457200">
+              <a:buFont typeface="+mj-lt"/>
+              <a:buAutoNum type="arabicPeriod" startAt="3"/>
+            </a:pPr>
+            <a:r>
+              <a:rPr lang="ko-KR" altLang="en-US" dirty="0"/>
+              <a:t>빌드 후</a:t>
+            </a:r>
+            <a:r>
+              <a:rPr lang="en-US" altLang="ko-KR" dirty="0"/>
+              <a:t> </a:t>
+            </a:r>
+            <a:r>
+              <a:rPr lang="ko-KR" altLang="en-US" dirty="0"/>
+              <a:t>정상 동작의 확인</a:t>
+            </a:r>
+            <a:endParaRPr lang="en-US" altLang="ko-KR" dirty="0"/>
+          </a:p>
+          <a:p>
+            <a:pPr lvl="1"/>
+            <a:r>
+              <a:rPr lang="ko-KR" altLang="en-US" dirty="0"/>
+              <a:t>실행 환경을 구성하고</a:t>
+            </a:r>
+            <a:r>
+              <a:rPr lang="en-US" altLang="ko-KR" dirty="0"/>
+              <a:t> </a:t>
+            </a:r>
+            <a:r>
+              <a:rPr lang="ko-KR" altLang="en-US" dirty="0"/>
+              <a:t>수정하고자 하는 기능의 정상 동작을 확인</a:t>
+            </a:r>
+            <a:endParaRPr lang="en-US" altLang="ko-KR" dirty="0"/>
+          </a:p>
+          <a:p>
+            <a:pPr lvl="1"/>
+            <a:r>
+              <a:rPr lang="en-US" altLang="ko-KR" dirty="0"/>
+              <a:t>Debug </a:t>
+            </a:r>
+            <a:r>
+              <a:rPr lang="ko-KR" altLang="en-US" dirty="0"/>
+              <a:t>모드가 있는지 확인하고</a:t>
             </a:r>
             <a:r>
               <a:rPr lang="en-US" altLang="ko-KR" dirty="0"/>
@@ -12613,68 +10956,53 @@
             </a:r>
             <a:r>
               <a:rPr lang="ko-KR" altLang="en-US" dirty="0"/>
-              <a:t>인터페이스 파악</a:t>
+              <a:t>있다면 </a:t>
+            </a:r>
+            <a:r>
+              <a:rPr lang="en-US" altLang="ko-KR" dirty="0"/>
+              <a:t>Debug mode </a:t>
+            </a:r>
+            <a:r>
+              <a:rPr lang="ko-KR" altLang="en-US" dirty="0"/>
+              <a:t>로 작업</a:t>
             </a:r>
             <a:endParaRPr lang="en-US" altLang="ko-KR" dirty="0"/>
           </a:p>
           <a:p>
             <a:pPr lvl="1"/>
-            <a:r>
-              <a:rPr lang="ko-KR" altLang="en-US" dirty="0"/>
-              <a:t>구조를 설명하는 </a:t>
-            </a:r>
-            <a:r>
-              <a:rPr lang="en-US" altLang="ko-KR" dirty="0"/>
-              <a:t>main document </a:t>
-            </a:r>
-            <a:r>
-              <a:rPr lang="ko-KR" altLang="en-US" dirty="0"/>
-              <a:t>전체를 처음 한 번은 정독하자</a:t>
-            </a:r>
             <a:endParaRPr lang="en-US" altLang="ko-KR" dirty="0"/>
           </a:p>
           <a:p>
-            <a:pPr lvl="1"/>
-            <a:r>
-              <a:rPr lang="ko-KR" altLang="en-US" dirty="0"/>
-              <a:t>당장 연관이 없어 보이더라도 소스코드를 볼 때 큰 도움이 됨</a:t>
-            </a:r>
+            <a:pPr marL="914400" lvl="1" indent="-457200">
+              <a:buFont typeface="+mj-lt"/>
+              <a:buAutoNum type="arabicPeriod" startAt="3"/>
+            </a:pPr>
+            <a:endParaRPr lang="en-US" altLang="ko-KR" dirty="0"/>
+          </a:p>
+          <a:p>
+            <a:pPr marL="914400" lvl="1" indent="-457200">
+              <a:buFont typeface="+mj-lt"/>
+              <a:buAutoNum type="arabicPeriod" startAt="3"/>
+            </a:pPr>
+            <a:endParaRPr lang="en-US" altLang="ko-KR" dirty="0"/>
+          </a:p>
+          <a:p>
+            <a:pPr marL="0" indent="0">
+              <a:buNone/>
+            </a:pPr>
             <a:endParaRPr lang="en-US" altLang="ko-KR" dirty="0"/>
           </a:p>
           <a:p>
             <a:pPr marL="457200" indent="-457200">
               <a:buFont typeface="+mj-lt"/>
-              <a:buAutoNum type="arabicPeriod"/>
+              <a:buAutoNum type="arabicPeriod" startAt="3"/>
             </a:pPr>
-            <a:r>
-              <a:rPr lang="ko-KR" altLang="en-US" dirty="0"/>
-              <a:t>수정 기능과 </a:t>
-            </a:r>
-            <a:r>
-              <a:rPr lang="ko-KR" altLang="en-US" dirty="0" err="1"/>
-              <a:t>연관있는</a:t>
-            </a:r>
-            <a:r>
-              <a:rPr lang="ko-KR" altLang="en-US" dirty="0"/>
-              <a:t> 세부 컴포넌트의 세부 역할 파악</a:t>
-            </a:r>
             <a:endParaRPr lang="en-US" altLang="ko-KR" dirty="0"/>
           </a:p>
           <a:p>
             <a:pPr marL="457200" indent="-457200">
               <a:buFont typeface="+mj-lt"/>
-              <a:buAutoNum type="arabicPeriod"/>
-            </a:pPr>
-            <a:r>
-              <a:rPr lang="ko-KR" altLang="en-US" dirty="0"/>
-              <a:t>연관된 컴포넌트들 간의 인터페이스 파악</a:t>
-            </a:r>
-            <a:endParaRPr lang="en-US" altLang="ko-KR" dirty="0"/>
-          </a:p>
-          <a:p>
-            <a:pPr marL="457200" indent="-457200">
-              <a:buFont typeface="+mj-lt"/>
-              <a:buAutoNum type="arabicPeriod"/>
+              <a:buAutoNum type="arabicPeriod" startAt="3"/>
             </a:pPr>
             <a:endParaRPr lang="ko-KR" altLang="en-US" dirty="0"/>
           </a:p>
@@ -12712,7 +11040,7 @@
     </p:spTree>
     <p:extLst>
       <p:ext uri="{BB962C8B-B14F-4D97-AF65-F5344CB8AC3E}">
-        <p14:creationId xmlns:p14="http://schemas.microsoft.com/office/powerpoint/2010/main" val="4027416392"/>
+        <p14:creationId xmlns:p14="http://schemas.microsoft.com/office/powerpoint/2010/main" val="105948732"/>
       </p:ext>
     </p:extLst>
   </p:cSld>
@@ -12744,7 +11072,7 @@
           <p:cNvPr id="2" name="제목 1">
             <a:extLst>
               <a:ext uri="{FF2B5EF4-FFF2-40B4-BE49-F238E27FC236}">
-                <a16:creationId xmlns:a16="http://schemas.microsoft.com/office/drawing/2014/main" id="{1250BB45-EB62-4991-B86A-6F4B785D73CF}"/>
+                <a16:creationId xmlns:a16="http://schemas.microsoft.com/office/drawing/2014/main" id="{9E71DC0D-8B73-4A85-9A76-8300082A7D81}"/>
               </a:ext>
             </a:extLst>
           </p:cNvPr>
@@ -12757,12 +11085,14 @@
         </p:nvSpPr>
         <p:spPr/>
         <p:txBody>
-          <a:bodyPr/>
+          <a:bodyPr>
+            <a:normAutofit/>
+          </a:bodyPr>
           <a:lstStyle/>
           <a:p>
             <a:r>
               <a:rPr lang="en-US" altLang="ko-KR" dirty="0"/>
-              <a:t>3</a:t>
+              <a:t>2</a:t>
             </a:r>
             <a:r>
               <a:rPr lang="ko-KR" altLang="en-US" dirty="0"/>
@@ -12774,8 +11104,13 @@
             </a:r>
             <a:r>
               <a:rPr lang="ko-KR" altLang="en-US" dirty="0"/>
-              <a:t>코드 분석</a:t>
-            </a:r>
+              <a:t>구조 분석 </a:t>
+            </a:r>
+            <a:r>
+              <a:rPr lang="en-US" altLang="ko-KR" dirty="0"/>
+              <a:t>(architecture)</a:t>
+            </a:r>
+            <a:endParaRPr lang="ko-KR" altLang="en-US" dirty="0"/>
           </a:p>
         </p:txBody>
       </p:sp>
@@ -12784,7 +11119,7 @@
           <p:cNvPr id="3" name="내용 개체 틀 2">
             <a:extLst>
               <a:ext uri="{FF2B5EF4-FFF2-40B4-BE49-F238E27FC236}">
-                <a16:creationId xmlns:a16="http://schemas.microsoft.com/office/drawing/2014/main" id="{DD33524E-D6AB-479D-A777-53A9BB9A14C7}"/>
+                <a16:creationId xmlns:a16="http://schemas.microsoft.com/office/drawing/2014/main" id="{7460918A-54E3-450A-838B-AD0BFFCD7E16}"/>
               </a:ext>
             </a:extLst>
           </p:cNvPr>
@@ -12806,96 +11141,36 @@
             </a:pPr>
             <a:r>
               <a:rPr lang="en-US" altLang="ko-KR" dirty="0"/>
-              <a:t>Document</a:t>
-            </a:r>
-            <a:r>
-              <a:rPr lang="ko-KR" altLang="en-US" dirty="0"/>
-              <a:t>에 따라 코드 분석의 진입점을 설정</a:t>
+              <a:t>Documents </a:t>
+            </a:r>
+            <a:r>
+              <a:rPr lang="ko-KR" altLang="en-US" dirty="0"/>
+              <a:t>확보</a:t>
             </a:r>
             <a:endParaRPr lang="en-US" altLang="ko-KR" dirty="0"/>
           </a:p>
           <a:p>
             <a:pPr lvl="1"/>
             <a:r>
+              <a:rPr lang="ko-KR" altLang="en-US" dirty="0"/>
+              <a:t>전체적인 구조 및 세부 컴포넌트에 관한 </a:t>
+            </a:r>
+            <a:r>
               <a:rPr lang="en-US" altLang="ko-KR" dirty="0"/>
-              <a:t>Top-down: </a:t>
-            </a:r>
-            <a:r>
-              <a:rPr lang="ko-KR" altLang="en-US" dirty="0"/>
-              <a:t>동작 방식</a:t>
-            </a:r>
-            <a:r>
-              <a:rPr lang="en-US" altLang="ko-KR" dirty="0"/>
-              <a:t>(event driven, procedure </a:t>
-            </a:r>
-            <a:r>
-              <a:rPr lang="ko-KR" altLang="en-US" dirty="0"/>
-              <a:t>등</a:t>
-            </a:r>
-            <a:r>
-              <a:rPr lang="en-US" altLang="ko-KR" dirty="0"/>
-              <a:t>)</a:t>
-            </a:r>
-            <a:r>
-              <a:rPr lang="ko-KR" altLang="en-US" dirty="0"/>
-              <a:t>에 따라 </a:t>
-            </a:r>
-            <a:r>
-              <a:rPr lang="en-US" altLang="ko-KR" dirty="0"/>
-              <a:t>main() </a:t>
-            </a:r>
-            <a:r>
-              <a:rPr lang="ko-KR" altLang="en-US" dirty="0"/>
-              <a:t>함수와 같이 뼈대가 되는 코드부터 </a:t>
-            </a:r>
-            <a:r>
-              <a:rPr lang="en-US" altLang="ko-KR" dirty="0"/>
-              <a:t>call chain</a:t>
-            </a:r>
-            <a:r>
-              <a:rPr lang="ko-KR" altLang="en-US" dirty="0"/>
-              <a:t>을 따라가며 수정하고자 하는 코드까지 </a:t>
-            </a:r>
-            <a:r>
-              <a:rPr lang="en-US" altLang="ko-KR" dirty="0"/>
-              <a:t>trace</a:t>
-            </a:r>
-            <a:r>
-              <a:rPr lang="ko-KR" altLang="en-US" dirty="0"/>
-              <a:t>를 진행</a:t>
+              <a:t>Document </a:t>
+            </a:r>
+            <a:r>
+              <a:rPr lang="ko-KR" altLang="en-US" dirty="0"/>
+              <a:t>검색 및 확보</a:t>
             </a:r>
             <a:endParaRPr lang="en-US" altLang="ko-KR" dirty="0"/>
           </a:p>
           <a:p>
             <a:pPr lvl="1"/>
             <a:r>
-              <a:rPr lang="en-US" altLang="ko-KR" dirty="0"/>
-              <a:t>Bottom-up: </a:t>
-            </a:r>
-            <a:r>
-              <a:rPr lang="ko-KR" altLang="en-US" dirty="0"/>
-              <a:t>수정하고자 하는 코드를 바로 접근하고</a:t>
-            </a:r>
-            <a:r>
-              <a:rPr lang="en-US" altLang="ko-KR" dirty="0"/>
-              <a:t>, </a:t>
-            </a:r>
-            <a:r>
-              <a:rPr lang="ko-KR" altLang="en-US" dirty="0"/>
-              <a:t>해당 코드를 호출하는 함수들을 </a:t>
-            </a:r>
-            <a:r>
-              <a:rPr lang="ko-KR" altLang="en-US" dirty="0" err="1"/>
-              <a:t>추적해나가며</a:t>
-            </a:r>
-            <a:r>
-              <a:rPr lang="ko-KR" altLang="en-US" dirty="0"/>
-              <a:t> 전체 구조를 파악</a:t>
-            </a:r>
-            <a:endParaRPr lang="en-US" altLang="ko-KR" dirty="0"/>
-          </a:p>
-          <a:p>
-            <a:pPr lvl="1"/>
+              <a:rPr lang="ko-KR" altLang="en-US" dirty="0"/>
+              <a:t>버전을 잘 확인하면서 볼 것</a:t>
+            </a:r>
             <a:endParaRPr lang="en-US" altLang="ko-KR" dirty="0"/>
           </a:p>
           <a:p>
@@ -12905,7 +11180,15 @@
             </a:pPr>
             <a:r>
               <a:rPr lang="ko-KR" altLang="en-US" dirty="0"/>
-              <a:t>수정하고자 하는 코드의 동작을 확인</a:t>
+              <a:t>전체적인 구조와 각 컴포넌트의 역할</a:t>
+            </a:r>
+            <a:r>
+              <a:rPr lang="en-US" altLang="ko-KR" dirty="0"/>
+              <a:t>, </a:t>
+            </a:r>
+            <a:r>
+              <a:rPr lang="ko-KR" altLang="en-US" dirty="0"/>
+              <a:t>인터페이스 파악</a:t>
             </a:r>
             <a:endParaRPr lang="en-US" altLang="ko-KR" dirty="0"/>
           </a:p>
@@ -12913,7 +11196,15 @@
             <a:pPr lvl="1"/>
             <a:r>
               <a:rPr lang="ko-KR" altLang="en-US" dirty="0"/>
-              <a:t>우선 코드에 존재하는 주석들을 통해 코드 전체의 흐름 파악</a:t>
+              <a:t>구조를 설명하는 </a:t>
+            </a:r>
+            <a:r>
+              <a:rPr lang="en-US" altLang="ko-KR" dirty="0"/>
+              <a:t>main document </a:t>
+            </a:r>
+            <a:r>
+              <a:rPr lang="ko-KR" altLang="en-US" dirty="0"/>
+              <a:t>전체를 처음 한 번은 정독하자</a:t>
             </a:r>
             <a:endParaRPr lang="en-US" altLang="ko-KR" dirty="0"/>
           </a:p>
@@ -12921,36 +11212,38 @@
             <a:pPr lvl="1"/>
             <a:r>
               <a:rPr lang="ko-KR" altLang="en-US" dirty="0"/>
-              <a:t>간단한 </a:t>
-            </a:r>
-            <a:r>
-              <a:rPr lang="en-US" altLang="ko-KR" dirty="0"/>
-              <a:t>debugging message</a:t>
-            </a:r>
-            <a:r>
-              <a:rPr lang="ko-KR" altLang="en-US" dirty="0"/>
-              <a:t>를 통해 세부적인 사항 파악</a:t>
-            </a:r>
-            <a:r>
-              <a:rPr lang="en-US" altLang="ko-KR" dirty="0"/>
-              <a:t>: </a:t>
-            </a:r>
-            <a:r>
-              <a:rPr lang="ko-KR" altLang="en-US" dirty="0"/>
-              <a:t>변수 및 </a:t>
-            </a:r>
-            <a:r>
-              <a:rPr lang="en-US" altLang="ko-KR" dirty="0"/>
-              <a:t>sub-function</a:t>
-            </a:r>
-            <a:r>
-              <a:rPr lang="ko-KR" altLang="en-US" dirty="0"/>
-              <a:t>의 기능 확인</a:t>
+              <a:t>당장 연관이 없어 보이더라도 소스코드를 볼 때 큰 도움이 됨</a:t>
             </a:r>
             <a:endParaRPr lang="en-US" altLang="ko-KR" dirty="0"/>
           </a:p>
           <a:p>
-            <a:pPr lvl="1"/>
+            <a:pPr marL="457200" indent="-457200">
+              <a:buFont typeface="+mj-lt"/>
+              <a:buAutoNum type="arabicPeriod"/>
+            </a:pPr>
+            <a:r>
+              <a:rPr lang="ko-KR" altLang="en-US" dirty="0"/>
+              <a:t>수정 기능과 </a:t>
+            </a:r>
+            <a:r>
+              <a:rPr lang="ko-KR" altLang="en-US" dirty="0" err="1"/>
+              <a:t>연관있는</a:t>
+            </a:r>
+            <a:r>
+              <a:rPr lang="ko-KR" altLang="en-US" dirty="0"/>
+              <a:t> 세부 컴포넌트의 세부 역할 파악</a:t>
+            </a:r>
+            <a:endParaRPr lang="en-US" altLang="ko-KR" dirty="0"/>
+          </a:p>
+          <a:p>
+            <a:pPr marL="457200" indent="-457200">
+              <a:buFont typeface="+mj-lt"/>
+              <a:buAutoNum type="arabicPeriod"/>
+            </a:pPr>
+            <a:r>
+              <a:rPr lang="ko-KR" altLang="en-US" dirty="0"/>
+              <a:t>연관된 컴포넌트들 간의 인터페이스 파악</a:t>
+            </a:r>
             <a:endParaRPr lang="en-US" altLang="ko-KR" dirty="0"/>
           </a:p>
           <a:p>
@@ -12960,9 +11253,6 @@
             </a:pPr>
             <a:endParaRPr lang="ko-KR" altLang="en-US" dirty="0"/>
           </a:p>
-          <a:p>
-            <a:endParaRPr lang="ko-KR" altLang="en-US" dirty="0"/>
-          </a:p>
         </p:txBody>
       </p:sp>
       <p:sp>
@@ -12970,7 +11260,7 @@
           <p:cNvPr id="4" name="슬라이드 번호 개체 틀 3">
             <a:extLst>
               <a:ext uri="{FF2B5EF4-FFF2-40B4-BE49-F238E27FC236}">
-                <a16:creationId xmlns:a16="http://schemas.microsoft.com/office/drawing/2014/main" id="{99781D9A-F1A3-434E-90F9-865915D5E90C}"/>
+                <a16:creationId xmlns:a16="http://schemas.microsoft.com/office/drawing/2014/main" id="{9329DD1A-5BDD-48C3-BD6C-DA081535267B}"/>
               </a:ext>
             </a:extLst>
           </p:cNvPr>
@@ -12997,7 +11287,7 @@
     </p:spTree>
     <p:extLst>
       <p:ext uri="{BB962C8B-B14F-4D97-AF65-F5344CB8AC3E}">
-        <p14:creationId xmlns:p14="http://schemas.microsoft.com/office/powerpoint/2010/main" val="2522565073"/>
+        <p14:creationId xmlns:p14="http://schemas.microsoft.com/office/powerpoint/2010/main" val="4027416392"/>
       </p:ext>
     </p:extLst>
   </p:cSld>
@@ -13087,164 +11377,179 @@
           <a:p>
             <a:pPr marL="457200" indent="-457200">
               <a:buFont typeface="+mj-lt"/>
-              <a:buAutoNum type="arabicPeriod" startAt="3"/>
+              <a:buAutoNum type="arabicPeriod"/>
             </a:pPr>
             <a:r>
-              <a:rPr lang="ko-KR" altLang="en-US" dirty="0"/>
-              <a:t>관련된 코드</a:t>
-            </a:r>
-            <a:r>
               <a:rPr lang="en-US" altLang="ko-KR" dirty="0"/>
-              <a:t>, </a:t>
-            </a:r>
-            <a:r>
-              <a:rPr lang="ko-KR" altLang="en-US" dirty="0"/>
-              <a:t>컴포넌트와의 연관 관계를 파악</a:t>
+              <a:t>Document</a:t>
+            </a:r>
+            <a:r>
+              <a:rPr lang="ko-KR" altLang="en-US" dirty="0"/>
+              <a:t>에 따라 코드 분석의 진입점을 설정</a:t>
             </a:r>
             <a:endParaRPr lang="en-US" altLang="ko-KR" dirty="0"/>
           </a:p>
           <a:p>
             <a:pPr lvl="1"/>
             <a:r>
-              <a:rPr lang="ko-KR" altLang="en-US" dirty="0"/>
-              <a:t>컴포넌트</a:t>
-            </a:r>
-            <a:r>
               <a:rPr lang="en-US" altLang="ko-KR" dirty="0"/>
-              <a:t>, </a:t>
-            </a:r>
-            <a:r>
-              <a:rPr lang="ko-KR" altLang="en-US" dirty="0"/>
-              <a:t>함수들 간의 관계를 잘 분리해서 설계하지 않은 코드의 경우</a:t>
+              <a:t>Top-down: </a:t>
+            </a:r>
+            <a:r>
+              <a:rPr lang="ko-KR" altLang="en-US" dirty="0"/>
+              <a:t>동작 방식</a:t>
             </a:r>
             <a:r>
               <a:rPr lang="en-US" altLang="ko-KR" dirty="0"/>
-              <a:t>, </a:t>
-            </a:r>
-            <a:r>
-              <a:rPr lang="ko-KR" altLang="en-US" dirty="0"/>
-              <a:t>해당 코드를 수정하면 다른 코드에 영향을 미치는 경우가 있음</a:t>
-            </a:r>
-            <a:endParaRPr lang="en-US" altLang="ko-KR" dirty="0"/>
-          </a:p>
-          <a:p>
-            <a:pPr lvl="1"/>
-            <a:r>
-              <a:rPr lang="ko-KR" altLang="en-US" dirty="0"/>
-              <a:t>전체 코드가 공유하는 자료 구조</a:t>
+              <a:t>(event driven, procedure </a:t>
+            </a:r>
+            <a:r>
+              <a:rPr lang="ko-KR" altLang="en-US" dirty="0"/>
+              <a:t>등</a:t>
             </a:r>
             <a:r>
               <a:rPr lang="en-US" altLang="ko-KR" dirty="0"/>
-              <a:t>, </a:t>
-            </a:r>
-            <a:r>
-              <a:rPr lang="ko-KR" altLang="en-US" dirty="0"/>
-              <a:t>전역 변수 등을 확인해야 함</a:t>
-            </a:r>
-            <a:endParaRPr lang="en-US" altLang="ko-KR" dirty="0"/>
-          </a:p>
-          <a:p>
-            <a:pPr marL="457200" indent="-457200">
-              <a:buFont typeface="+mj-lt"/>
-              <a:buAutoNum type="arabicPeriod" startAt="3"/>
-            </a:pPr>
-            <a:r>
-              <a:rPr lang="ko-KR" altLang="en-US" dirty="0"/>
-              <a:t>코드 수정</a:t>
-            </a:r>
-            <a:endParaRPr lang="en-US" altLang="ko-KR" dirty="0"/>
-          </a:p>
-          <a:p>
-            <a:pPr lvl="1"/>
-            <a:r>
-              <a:rPr lang="ko-KR" altLang="en-US" dirty="0"/>
-              <a:t>수정하고자 하는 기능의 형태</a:t>
+              <a:t>)</a:t>
+            </a:r>
+            <a:r>
+              <a:rPr lang="ko-KR" altLang="en-US" dirty="0"/>
+              <a:t>에 따라 </a:t>
             </a:r>
             <a:r>
               <a:rPr lang="en-US" altLang="ko-KR" dirty="0"/>
-              <a:t>, </a:t>
-            </a:r>
-            <a:r>
-              <a:rPr lang="ko-KR" altLang="en-US" dirty="0"/>
-              <a:t>동작을 설계하고</a:t>
+              <a:t>main() </a:t>
+            </a:r>
+            <a:r>
+              <a:rPr lang="ko-KR" altLang="en-US" dirty="0"/>
+              <a:t>함수와 같이 뼈대가 되는 코드부터 </a:t>
             </a:r>
             <a:r>
               <a:rPr lang="en-US" altLang="ko-KR" dirty="0"/>
-              <a:t>,</a:t>
-            </a:r>
-          </a:p>
-          <a:p>
-            <a:pPr lvl="1"/>
-            <a:r>
-              <a:rPr lang="en-US" altLang="ko-KR" dirty="0"/>
-              <a:t>Divide &amp; Conquer </a:t>
-            </a:r>
-            <a:r>
-              <a:rPr lang="ko-KR" altLang="en-US" dirty="0"/>
-              <a:t>방식으로 진행할 수 있도록 구현의 단계를 세분화</a:t>
-            </a:r>
-            <a:endParaRPr lang="en-US" altLang="ko-KR" dirty="0"/>
-          </a:p>
-          <a:p>
-            <a:pPr lvl="1"/>
-            <a:r>
-              <a:rPr lang="ko-KR" altLang="en-US" dirty="0"/>
-              <a:t>한 단계씩 진행하며 반드시 필요한 테스트들을 진행</a:t>
-            </a:r>
-            <a:endParaRPr lang="en-US" altLang="ko-KR" dirty="0"/>
-          </a:p>
-          <a:p>
-            <a:pPr lvl="1"/>
-            <a:r>
-              <a:rPr lang="ko-KR" altLang="en-US" dirty="0"/>
-              <a:t>기존 코드 내용을 수정할 경우</a:t>
-            </a:r>
-            <a:r>
-              <a:rPr lang="en-US" altLang="ko-KR" dirty="0"/>
-              <a:t>, </a:t>
-            </a:r>
-            <a:r>
-              <a:rPr lang="ko-KR" altLang="en-US" dirty="0"/>
-              <a:t>최소한 주석 처리를 </a:t>
-            </a:r>
-            <a:r>
-              <a:rPr lang="ko-KR" altLang="en-US" dirty="0" err="1"/>
-              <a:t>해두거나</a:t>
-            </a:r>
-            <a:r>
-              <a:rPr lang="en-US" altLang="ko-KR" dirty="0"/>
-              <a:t>, </a:t>
+              <a:t>call chain</a:t>
+            </a:r>
+            <a:r>
+              <a:rPr lang="ko-KR" altLang="en-US" dirty="0"/>
+              <a:t>을 따라가며 수정하고자 </a:t>
             </a:r>
             <a:br>
               <a:rPr lang="en-US" altLang="ko-KR" dirty="0"/>
             </a:br>
             <a:r>
+              <a:rPr lang="ko-KR" altLang="en-US" dirty="0"/>
+              <a:t>하는 코드까지 </a:t>
+            </a:r>
+            <a:r>
               <a:rPr lang="en-US" altLang="ko-KR" dirty="0"/>
-              <a:t>#ifdef</a:t>
-            </a:r>
-            <a:r>
-              <a:rPr lang="ko-KR" altLang="en-US" dirty="0"/>
-              <a:t> 와 같은 </a:t>
-            </a:r>
-            <a:r>
-              <a:rPr lang="ko-KR" altLang="en-US" dirty="0" err="1"/>
-              <a:t>전처리</a:t>
-            </a:r>
-            <a:r>
-              <a:rPr lang="ko-KR" altLang="en-US" dirty="0"/>
-              <a:t> 명령을 이용해 </a:t>
+              <a:t>trace</a:t>
+            </a:r>
+            <a:r>
+              <a:rPr lang="ko-KR" altLang="en-US" dirty="0"/>
+              <a:t>를 진행</a:t>
+            </a:r>
+            <a:endParaRPr lang="en-US" altLang="ko-KR" dirty="0"/>
+          </a:p>
+          <a:p>
+            <a:pPr lvl="1"/>
+            <a:r>
+              <a:rPr lang="en-US" altLang="ko-KR" dirty="0"/>
+              <a:t>Bottom-up: </a:t>
+            </a:r>
+            <a:r>
+              <a:rPr lang="ko-KR" altLang="en-US" dirty="0"/>
+              <a:t>수정하고자 하는 코드를 바로 접근하고</a:t>
+            </a:r>
+            <a:r>
+              <a:rPr lang="en-US" altLang="ko-KR" dirty="0"/>
+              <a:t>, </a:t>
+            </a:r>
+            <a:r>
+              <a:rPr lang="ko-KR" altLang="en-US" dirty="0"/>
+              <a:t>해당 코드를 </a:t>
             </a:r>
             <a:br>
               <a:rPr lang="en-US" altLang="ko-KR" dirty="0"/>
             </a:br>
             <a:r>
               <a:rPr lang="ko-KR" altLang="en-US" dirty="0"/>
-              <a:t>수정한 부분을 기존 코드와 분리할 것</a:t>
+              <a:t>호출하는 함수들을 </a:t>
+            </a:r>
+            <a:r>
+              <a:rPr lang="ko-KR" altLang="en-US" dirty="0" err="1"/>
+              <a:t>추적해나가며</a:t>
+            </a:r>
+            <a:r>
+              <a:rPr lang="ko-KR" altLang="en-US" dirty="0"/>
+              <a:t> 전체 구조를 파악</a:t>
             </a:r>
             <a:endParaRPr lang="en-US" altLang="ko-KR" dirty="0"/>
           </a:p>
           <a:p>
             <a:pPr lvl="1"/>
+            <a:endParaRPr lang="en-US" altLang="ko-KR" dirty="0"/>
+          </a:p>
+          <a:p>
+            <a:pPr marL="457200" indent="-457200">
+              <a:buFont typeface="+mj-lt"/>
+              <a:buAutoNum type="arabicPeriod"/>
+            </a:pPr>
+            <a:r>
+              <a:rPr lang="ko-KR" altLang="en-US" dirty="0"/>
+              <a:t>수정하고자 하는 코드의 동작을 확인</a:t>
+            </a:r>
+            <a:endParaRPr lang="en-US" altLang="ko-KR" dirty="0"/>
+          </a:p>
+          <a:p>
+            <a:pPr lvl="1"/>
+            <a:r>
+              <a:rPr lang="ko-KR" altLang="en-US" dirty="0"/>
+              <a:t>우선 코드에 존재하는 주석들을 통해 코드 전체의 흐름 파악</a:t>
+            </a:r>
+            <a:endParaRPr lang="en-US" altLang="ko-KR" dirty="0"/>
+          </a:p>
+          <a:p>
+            <a:pPr lvl="1"/>
+            <a:r>
+              <a:rPr lang="ko-KR" altLang="en-US" dirty="0"/>
+              <a:t>간단한 </a:t>
+            </a:r>
+            <a:r>
+              <a:rPr lang="en-US" altLang="ko-KR" dirty="0"/>
+              <a:t>debugging message</a:t>
+            </a:r>
+            <a:r>
+              <a:rPr lang="ko-KR" altLang="en-US" dirty="0"/>
+              <a:t>를 통해 세부적인 사항 파악</a:t>
+            </a:r>
+            <a:r>
+              <a:rPr lang="en-US" altLang="ko-KR" dirty="0"/>
+              <a:t>: </a:t>
+            </a:r>
+            <a:br>
+              <a:rPr lang="en-US" altLang="ko-KR" dirty="0"/>
+            </a:br>
+            <a:r>
+              <a:rPr lang="ko-KR" altLang="en-US" dirty="0"/>
+              <a:t>변수 및 </a:t>
+            </a:r>
+            <a:r>
+              <a:rPr lang="en-US" altLang="ko-KR" dirty="0"/>
+              <a:t>sub-function</a:t>
+            </a:r>
+            <a:r>
+              <a:rPr lang="ko-KR" altLang="en-US" dirty="0"/>
+              <a:t>의 기능 확인</a:t>
+            </a:r>
+            <a:endParaRPr lang="en-US" altLang="ko-KR" dirty="0"/>
+          </a:p>
+          <a:p>
+            <a:pPr lvl="1"/>
+            <a:endParaRPr lang="en-US" altLang="ko-KR" dirty="0"/>
+          </a:p>
+          <a:p>
+            <a:pPr marL="457200" indent="-457200">
+              <a:buFont typeface="+mj-lt"/>
+              <a:buAutoNum type="arabicPeriod"/>
+            </a:pPr>
             <a:endParaRPr lang="ko-KR" altLang="en-US" dirty="0"/>
           </a:p>
           <a:p>
@@ -13284,7 +11589,7 @@
     </p:spTree>
     <p:extLst>
       <p:ext uri="{BB962C8B-B14F-4D97-AF65-F5344CB8AC3E}">
-        <p14:creationId xmlns:p14="http://schemas.microsoft.com/office/powerpoint/2010/main" val="3134560176"/>
+        <p14:creationId xmlns:p14="http://schemas.microsoft.com/office/powerpoint/2010/main" val="2522565073"/>
       </p:ext>
     </p:extLst>
   </p:cSld>

--- a/Slides 2020/8. 코드 분석 1.pptx
+++ b/Slides 2020/8. 코드 분석 1.pptx
@@ -239,7 +239,7 @@
           <a:p>
             <a:fld id="{3A51E6CB-1B67-49CD-819C-CBD1F8F15839}" type="datetimeFigureOut">
               <a:rPr lang="ko-KR" altLang="en-US" smtClean="0"/>
-              <a:t>2020-10-30</a:t>
+              <a:t>2021-10-13</a:t>
             </a:fld>
             <a:endParaRPr lang="ko-KR" altLang="en-US"/>
           </a:p>
@@ -721,7 +721,7 @@
           <a:p>
             <a:fld id="{1EA80F27-E9B9-4A8E-9A59-01CCB3F43850}" type="datetime1">
               <a:rPr lang="ko-KR" altLang="en-US" smtClean="0"/>
-              <a:t>2020-10-30</a:t>
+              <a:t>2021-10-13</a:t>
             </a:fld>
             <a:endParaRPr lang="ko-KR" altLang="en-US"/>
           </a:p>
@@ -937,7 +937,7 @@
           <a:p>
             <a:fld id="{7E5363F8-22A8-407F-82B0-EFC1D1C22895}" type="datetime1">
               <a:rPr lang="ko-KR" altLang="en-US" smtClean="0"/>
-              <a:t>2020-10-30</a:t>
+              <a:t>2021-10-13</a:t>
             </a:fld>
             <a:endParaRPr lang="ko-KR" altLang="en-US"/>
           </a:p>
@@ -1117,7 +1117,7 @@
           <a:p>
             <a:fld id="{8187739B-8E74-4F06-BBD0-F6D670C1F7A1}" type="datetime1">
               <a:rPr lang="ko-KR" altLang="en-US" smtClean="0"/>
-              <a:t>2020-10-30</a:t>
+              <a:t>2021-10-13</a:t>
             </a:fld>
             <a:endParaRPr lang="ko-KR" altLang="en-US"/>
           </a:p>
@@ -1218,7 +1218,7 @@
           <a:p>
             <a:fld id="{170798F3-F6A9-4876-8D5A-30BE2843F4A2}" type="datetime1">
               <a:rPr lang="ko-KR" altLang="en-US" smtClean="0"/>
-              <a:t>2020-10-30</a:t>
+              <a:t>2021-10-13</a:t>
             </a:fld>
             <a:endParaRPr lang="ko-KR" altLang="en-US"/>
           </a:p>
@@ -1462,7 +1462,7 @@
           <a:p>
             <a:fld id="{947C39E4-F1C0-46F5-93CB-857C8C3AEB8D}" type="datetime1">
               <a:rPr lang="ko-KR" altLang="en-US" smtClean="0"/>
-              <a:t>2020-10-30</a:t>
+              <a:t>2021-10-13</a:t>
             </a:fld>
             <a:endParaRPr lang="ko-KR" altLang="en-US"/>
           </a:p>
@@ -1706,7 +1706,7 @@
           <a:p>
             <a:fld id="{7818271D-E6C7-4286-B2FD-D9AA53F1E428}" type="datetime1">
               <a:rPr lang="ko-KR" altLang="en-US" smtClean="0"/>
-              <a:t>2020-10-30</a:t>
+              <a:t>2021-10-13</a:t>
             </a:fld>
             <a:endParaRPr lang="ko-KR" altLang="en-US"/>
           </a:p>
@@ -1938,7 +1938,7 @@
           <a:p>
             <a:fld id="{8CE3C26B-F624-420D-BF9D-391E2E695B27}" type="datetime1">
               <a:rPr lang="ko-KR" altLang="en-US" smtClean="0"/>
-              <a:t>2020-10-30</a:t>
+              <a:t>2021-10-13</a:t>
             </a:fld>
             <a:endParaRPr lang="ko-KR" altLang="en-US"/>
           </a:p>
@@ -2305,7 +2305,7 @@
           <a:p>
             <a:fld id="{A1FC83CE-7AD5-4A20-9998-54C7F9F05545}" type="datetime1">
               <a:rPr lang="ko-KR" altLang="en-US" smtClean="0"/>
-              <a:t>2020-10-30</a:t>
+              <a:t>2021-10-13</a:t>
             </a:fld>
             <a:endParaRPr lang="ko-KR" altLang="en-US"/>
           </a:p>
@@ -2423,7 +2423,7 @@
           <a:p>
             <a:fld id="{3A3E22EA-EB96-4ADF-ABA9-A693E5F7BB1E}" type="datetime1">
               <a:rPr lang="ko-KR" altLang="en-US" smtClean="0"/>
-              <a:t>2020-10-30</a:t>
+              <a:t>2021-10-13</a:t>
             </a:fld>
             <a:endParaRPr lang="ko-KR" altLang="en-US"/>
           </a:p>
@@ -2518,7 +2518,7 @@
           <a:p>
             <a:fld id="{0D5BD961-86A8-440A-8C4E-52B6CA6FECED}" type="datetime1">
               <a:rPr lang="ko-KR" altLang="en-US" smtClean="0"/>
-              <a:t>2020-10-30</a:t>
+              <a:t>2021-10-13</a:t>
             </a:fld>
             <a:endParaRPr lang="ko-KR" altLang="en-US"/>
           </a:p>
@@ -2795,7 +2795,7 @@
           <a:p>
             <a:fld id="{CD151CC0-1347-483B-8708-01772054FA68}" type="datetime1">
               <a:rPr lang="ko-KR" altLang="en-US" smtClean="0"/>
-              <a:t>2020-10-30</a:t>
+              <a:t>2021-10-13</a:t>
             </a:fld>
             <a:endParaRPr lang="ko-KR" altLang="en-US"/>
           </a:p>
@@ -3052,7 +3052,7 @@
           <a:p>
             <a:fld id="{57185993-49E6-4096-BF26-930E741DA796}" type="datetime1">
               <a:rPr lang="ko-KR" altLang="en-US" smtClean="0"/>
-              <a:t>2020-10-30</a:t>
+              <a:t>2021-10-13</a:t>
             </a:fld>
             <a:endParaRPr lang="ko-KR" altLang="en-US"/>
           </a:p>
@@ -3268,7 +3268,7 @@
           <a:p>
             <a:fld id="{170798F3-F6A9-4876-8D5A-30BE2843F4A2}" type="datetime1">
               <a:rPr lang="ko-KR" altLang="en-US" smtClean="0"/>
-              <a:t>2020-10-30</a:t>
+              <a:t>2021-10-13</a:t>
             </a:fld>
             <a:endParaRPr lang="ko-KR" altLang="en-US"/>
           </a:p>
@@ -8975,10 +8975,10 @@
       </p:sp>
       <p:pic>
         <p:nvPicPr>
-          <p:cNvPr id="7" name="그림 6">
-            <a:extLst>
-              <a:ext uri="{FF2B5EF4-FFF2-40B4-BE49-F238E27FC236}">
-                <a16:creationId xmlns:a16="http://schemas.microsoft.com/office/drawing/2014/main" id="{B255F994-0CBF-4EE2-BD94-A7A0EEC39477}"/>
+          <p:cNvPr id="6" name="그림 5">
+            <a:extLst>
+              <a:ext uri="{FF2B5EF4-FFF2-40B4-BE49-F238E27FC236}">
+                <a16:creationId xmlns:a16="http://schemas.microsoft.com/office/drawing/2014/main" id="{F481B1CF-C041-4EE7-8061-617EBD83A416}"/>
               </a:ext>
             </a:extLst>
           </p:cNvPr>
@@ -8995,8 +8995,38 @@
         </p:blipFill>
         <p:spPr>
           <a:xfrm>
-            <a:off x="1790700" y="2288025"/>
-            <a:ext cx="5562600" cy="4161000"/>
+            <a:off x="1319432" y="2497821"/>
+            <a:ext cx="3352446" cy="3641914"/>
+          </a:xfrm>
+          <a:prstGeom prst="rect">
+            <a:avLst/>
+          </a:prstGeom>
+        </p:spPr>
+      </p:pic>
+      <p:pic>
+        <p:nvPicPr>
+          <p:cNvPr id="9" name="그림 8">
+            <a:extLst>
+              <a:ext uri="{FF2B5EF4-FFF2-40B4-BE49-F238E27FC236}">
+                <a16:creationId xmlns:a16="http://schemas.microsoft.com/office/drawing/2014/main" id="{641444E2-D349-44FB-8B48-C1AA2480DB6C}"/>
+              </a:ext>
+            </a:extLst>
+          </p:cNvPr>
+          <p:cNvPicPr>
+            <a:picLocks noChangeAspect="1"/>
+          </p:cNvPicPr>
+          <p:nvPr/>
+        </p:nvPicPr>
+        <p:blipFill>
+          <a:blip r:embed="rId3"/>
+          <a:stretch>
+            <a:fillRect/>
+          </a:stretch>
+        </p:blipFill>
+        <p:spPr>
+          <a:xfrm>
+            <a:off x="4671878" y="2497821"/>
+            <a:ext cx="3326103" cy="3641914"/>
           </a:xfrm>
           <a:prstGeom prst="rect">
             <a:avLst/>
@@ -9829,21 +9859,73 @@
           </a:p>
         </p:txBody>
       </p:sp>
+      <p:sp>
+        <p:nvSpPr>
+          <p:cNvPr id="4" name="슬라이드 번호 개체 틀 3">
+            <a:extLst>
+              <a:ext uri="{FF2B5EF4-FFF2-40B4-BE49-F238E27FC236}">
+                <a16:creationId xmlns:a16="http://schemas.microsoft.com/office/drawing/2014/main" id="{AA5567AC-A1CD-4059-B50C-57C887B0880E}"/>
+              </a:ext>
+            </a:extLst>
+          </p:cNvPr>
+          <p:cNvSpPr>
+            <a:spLocks noGrp="1"/>
+          </p:cNvSpPr>
+          <p:nvPr>
+            <p:ph type="sldNum" sz="quarter" idx="12"/>
+          </p:nvPr>
+        </p:nvSpPr>
+        <p:spPr/>
+        <p:txBody>
+          <a:bodyPr/>
+          <a:lstStyle/>
+          <a:p>
+            <a:fld id="{64F0D409-D3F6-4EEC-8C77-1F5E89989FFB}" type="slidenum">
+              <a:rPr lang="ko-KR" altLang="en-US" smtClean="0"/>
+              <a:t>41</a:t>
+            </a:fld>
+            <a:endParaRPr lang="ko-KR" altLang="en-US"/>
+          </a:p>
+        </p:txBody>
+      </p:sp>
+      <p:sp>
+        <p:nvSpPr>
+          <p:cNvPr id="6" name="내용 개체 틀 5">
+            <a:extLst>
+              <a:ext uri="{FF2B5EF4-FFF2-40B4-BE49-F238E27FC236}">
+                <a16:creationId xmlns:a16="http://schemas.microsoft.com/office/drawing/2014/main" id="{877E876C-1A4E-464C-883E-FE8C6E8F0D73}"/>
+              </a:ext>
+            </a:extLst>
+          </p:cNvPr>
+          <p:cNvSpPr>
+            <a:spLocks noGrp="1"/>
+          </p:cNvSpPr>
+          <p:nvPr>
+            <p:ph idx="1"/>
+          </p:nvPr>
+        </p:nvSpPr>
+        <p:spPr/>
+        <p:txBody>
+          <a:bodyPr/>
+          <a:lstStyle/>
+          <a:p>
+            <a:endParaRPr lang="ko-KR" altLang="en-US" dirty="0"/>
+          </a:p>
+        </p:txBody>
+      </p:sp>
       <p:pic>
         <p:nvPicPr>
-          <p:cNvPr id="5" name="내용 개체 틀 4">
-            <a:extLst>
-              <a:ext uri="{FF2B5EF4-FFF2-40B4-BE49-F238E27FC236}">
-                <a16:creationId xmlns:a16="http://schemas.microsoft.com/office/drawing/2014/main" id="{A3E156B7-2EAA-4EBE-8E38-1E21104801EC}"/>
+          <p:cNvPr id="10" name="그림 9">
+            <a:extLst>
+              <a:ext uri="{FF2B5EF4-FFF2-40B4-BE49-F238E27FC236}">
+                <a16:creationId xmlns:a16="http://schemas.microsoft.com/office/drawing/2014/main" id="{7E45CF0B-031B-4970-9C0B-F322008623B6}"/>
               </a:ext>
             </a:extLst>
           </p:cNvPr>
           <p:cNvPicPr>
-            <a:picLocks noGrp="1" noChangeAspect="1"/>
+            <a:picLocks noChangeAspect="1"/>
           </p:cNvPicPr>
-          <p:nvPr>
-            <p:ph idx="1"/>
-          </p:nvPr>
+          <p:nvPr/>
         </p:nvPicPr>
         <p:blipFill>
           <a:blip r:embed="rId2"/>
@@ -9853,43 +9935,14 @@
         </p:blipFill>
         <p:spPr>
           <a:xfrm>
-            <a:off x="395288" y="1162249"/>
-            <a:ext cx="8353425" cy="5062139"/>
+            <a:off x="566519" y="1058566"/>
+            <a:ext cx="8010961" cy="5609798"/>
           </a:xfrm>
           <a:prstGeom prst="rect">
             <a:avLst/>
           </a:prstGeom>
         </p:spPr>
       </p:pic>
-      <p:sp>
-        <p:nvSpPr>
-          <p:cNvPr id="4" name="슬라이드 번호 개체 틀 3">
-            <a:extLst>
-              <a:ext uri="{FF2B5EF4-FFF2-40B4-BE49-F238E27FC236}">
-                <a16:creationId xmlns:a16="http://schemas.microsoft.com/office/drawing/2014/main" id="{AA5567AC-A1CD-4059-B50C-57C887B0880E}"/>
-              </a:ext>
-            </a:extLst>
-          </p:cNvPr>
-          <p:cNvSpPr>
-            <a:spLocks noGrp="1"/>
-          </p:cNvSpPr>
-          <p:nvPr>
-            <p:ph type="sldNum" sz="quarter" idx="12"/>
-          </p:nvPr>
-        </p:nvSpPr>
-        <p:spPr/>
-        <p:txBody>
-          <a:bodyPr/>
-          <a:lstStyle/>
-          <a:p>
-            <a:fld id="{64F0D409-D3F6-4EEC-8C77-1F5E89989FFB}" type="slidenum">
-              <a:rPr lang="ko-KR" altLang="en-US" smtClean="0"/>
-              <a:t>41</a:t>
-            </a:fld>
-            <a:endParaRPr lang="ko-KR" altLang="en-US"/>
-          </a:p>
-        </p:txBody>
-      </p:sp>
     </p:spTree>
     <p:extLst>
       <p:ext uri="{BB962C8B-B14F-4D97-AF65-F5344CB8AC3E}">
@@ -9956,21 +10009,73 @@
           </a:p>
         </p:txBody>
       </p:sp>
+      <p:sp>
+        <p:nvSpPr>
+          <p:cNvPr id="4" name="슬라이드 번호 개체 틀 3">
+            <a:extLst>
+              <a:ext uri="{FF2B5EF4-FFF2-40B4-BE49-F238E27FC236}">
+                <a16:creationId xmlns:a16="http://schemas.microsoft.com/office/drawing/2014/main" id="{51D21045-41E3-44ED-8D0F-2D53A5CFBBC9}"/>
+              </a:ext>
+            </a:extLst>
+          </p:cNvPr>
+          <p:cNvSpPr>
+            <a:spLocks noGrp="1"/>
+          </p:cNvSpPr>
+          <p:nvPr>
+            <p:ph type="sldNum" sz="quarter" idx="12"/>
+          </p:nvPr>
+        </p:nvSpPr>
+        <p:spPr/>
+        <p:txBody>
+          <a:bodyPr/>
+          <a:lstStyle/>
+          <a:p>
+            <a:fld id="{64F0D409-D3F6-4EEC-8C77-1F5E89989FFB}" type="slidenum">
+              <a:rPr lang="ko-KR" altLang="en-US" smtClean="0"/>
+              <a:t>42</a:t>
+            </a:fld>
+            <a:endParaRPr lang="ko-KR" altLang="en-US"/>
+          </a:p>
+        </p:txBody>
+      </p:sp>
+      <p:sp>
+        <p:nvSpPr>
+          <p:cNvPr id="6" name="내용 개체 틀 5">
+            <a:extLst>
+              <a:ext uri="{FF2B5EF4-FFF2-40B4-BE49-F238E27FC236}">
+                <a16:creationId xmlns:a16="http://schemas.microsoft.com/office/drawing/2014/main" id="{FDC2E103-704B-4400-BE68-B609593B0C19}"/>
+              </a:ext>
+            </a:extLst>
+          </p:cNvPr>
+          <p:cNvSpPr>
+            <a:spLocks noGrp="1"/>
+          </p:cNvSpPr>
+          <p:nvPr>
+            <p:ph idx="1"/>
+          </p:nvPr>
+        </p:nvSpPr>
+        <p:spPr/>
+        <p:txBody>
+          <a:bodyPr/>
+          <a:lstStyle/>
+          <a:p>
+            <a:endParaRPr lang="ko-KR" altLang="en-US" dirty="0"/>
+          </a:p>
+        </p:txBody>
+      </p:sp>
       <p:pic>
         <p:nvPicPr>
-          <p:cNvPr id="5" name="내용 개체 틀 4">
-            <a:extLst>
-              <a:ext uri="{FF2B5EF4-FFF2-40B4-BE49-F238E27FC236}">
-                <a16:creationId xmlns:a16="http://schemas.microsoft.com/office/drawing/2014/main" id="{59A2F8CF-D086-4156-B590-38EF3F7F8F5A}"/>
+          <p:cNvPr id="8" name="그림 7">
+            <a:extLst>
+              <a:ext uri="{FF2B5EF4-FFF2-40B4-BE49-F238E27FC236}">
+                <a16:creationId xmlns:a16="http://schemas.microsoft.com/office/drawing/2014/main" id="{511E813C-3D6B-4D44-BA55-276812B18B45}"/>
               </a:ext>
             </a:extLst>
           </p:cNvPr>
           <p:cNvPicPr>
-            <a:picLocks noGrp="1" noChangeAspect="1"/>
+            <a:picLocks noChangeAspect="1"/>
           </p:cNvPicPr>
-          <p:nvPr>
-            <p:ph idx="1"/>
-          </p:nvPr>
+          <p:nvPr/>
         </p:nvPicPr>
         <p:blipFill>
           <a:blip r:embed="rId2"/>
@@ -9980,8 +10085,8 @@
         </p:blipFill>
         <p:spPr>
           <a:xfrm>
-            <a:off x="544364" y="1058863"/>
-            <a:ext cx="8055272" cy="5268912"/>
+            <a:off x="395536" y="896245"/>
+            <a:ext cx="8547288" cy="5096683"/>
           </a:xfrm>
           <a:prstGeom prst="rect">
             <a:avLst/>
@@ -9990,30 +10095,75 @@
       </p:pic>
       <p:sp>
         <p:nvSpPr>
-          <p:cNvPr id="4" name="슬라이드 번호 개체 틀 3">
-            <a:extLst>
-              <a:ext uri="{FF2B5EF4-FFF2-40B4-BE49-F238E27FC236}">
-                <a16:creationId xmlns:a16="http://schemas.microsoft.com/office/drawing/2014/main" id="{51D21045-41E3-44ED-8D0F-2D53A5CFBBC9}"/>
-              </a:ext>
-            </a:extLst>
-          </p:cNvPr>
-          <p:cNvSpPr>
-            <a:spLocks noGrp="1"/>
-          </p:cNvSpPr>
-          <p:nvPr>
-            <p:ph type="sldNum" sz="quarter" idx="12"/>
-          </p:nvPr>
-        </p:nvSpPr>
-        <p:spPr/>
-        <p:txBody>
-          <a:bodyPr/>
-          <a:lstStyle/>
-          <a:p>
-            <a:fld id="{64F0D409-D3F6-4EEC-8C77-1F5E89989FFB}" type="slidenum">
-              <a:rPr lang="ko-KR" altLang="en-US" smtClean="0"/>
-              <a:t>42</a:t>
-            </a:fld>
-            <a:endParaRPr lang="ko-KR" altLang="en-US"/>
+          <p:cNvPr id="10" name="TextBox 9">
+            <a:extLst>
+              <a:ext uri="{FF2B5EF4-FFF2-40B4-BE49-F238E27FC236}">
+                <a16:creationId xmlns:a16="http://schemas.microsoft.com/office/drawing/2014/main" id="{131F0763-3EE7-4D10-A727-04BDD796DD61}"/>
+              </a:ext>
+            </a:extLst>
+          </p:cNvPr>
+          <p:cNvSpPr txBox="1"/>
+          <p:nvPr/>
+        </p:nvSpPr>
+        <p:spPr>
+          <a:xfrm>
+            <a:off x="1761687" y="6181333"/>
+            <a:ext cx="6337883" cy="646331"/>
+          </a:xfrm>
+          <a:prstGeom prst="rect">
+            <a:avLst/>
+          </a:prstGeom>
+          <a:noFill/>
+        </p:spPr>
+        <p:txBody>
+          <a:bodyPr wrap="square">
+            <a:spAutoFit/>
+          </a:bodyPr>
+          <a:lstStyle/>
+          <a:p>
+            <a:r>
+              <a:rPr lang="ko-KR" altLang="en-US" sz="1800" dirty="0"/>
+              <a:t>주석 처리 </a:t>
+            </a:r>
+            <a:r>
+              <a:rPr lang="en-US" altLang="ko-KR" sz="1800" dirty="0"/>
+              <a:t>: (</a:t>
+            </a:r>
+            <a:r>
+              <a:rPr lang="ko-KR" altLang="en-US" dirty="0"/>
+              <a:t>주석 처리할 영역 선택 후</a:t>
+            </a:r>
+            <a:r>
+              <a:rPr lang="en-US" altLang="ko-KR" dirty="0"/>
+              <a:t>) </a:t>
+            </a:r>
+            <a:r>
+              <a:rPr lang="en-US" altLang="ko-KR" sz="1800" dirty="0"/>
+              <a:t>Ctrl + K + C</a:t>
+            </a:r>
+          </a:p>
+          <a:p>
+            <a:r>
+              <a:rPr lang="ko-KR" altLang="en-US" dirty="0"/>
+              <a:t>주석 해제 </a:t>
+            </a:r>
+            <a:r>
+              <a:rPr lang="en-US" altLang="ko-KR" dirty="0"/>
+              <a:t>: </a:t>
+            </a:r>
+            <a:r>
+              <a:rPr lang="en-US" altLang="ko-KR" sz="1800" dirty="0"/>
+              <a:t>(</a:t>
+            </a:r>
+            <a:r>
+              <a:rPr lang="ko-KR" altLang="en-US" dirty="0"/>
+              <a:t>주석 해제할 영역 선택 후</a:t>
+            </a:r>
+            <a:r>
+              <a:rPr lang="en-US" altLang="ko-KR" dirty="0"/>
+              <a:t>) Ctrl + K + U</a:t>
+            </a:r>
+            <a:endParaRPr lang="en-US" altLang="ko-KR" sz="1800" dirty="0"/>
           </a:p>
         </p:txBody>
       </p:sp>
@@ -10099,51 +10249,80 @@
             <p:ph idx="1"/>
           </p:nvPr>
         </p:nvPicPr>
+        <p:blipFill rotWithShape="1">
+          <a:blip r:embed="rId2"/>
+          <a:srcRect l="61318" b="-802"/>
+          <a:stretch/>
+        </p:blipFill>
+        <p:spPr>
+          <a:xfrm>
+            <a:off x="4528482" y="1505212"/>
+            <a:ext cx="3734674" cy="4440617"/>
+          </a:xfrm>
+          <a:prstGeom prst="rect">
+            <a:avLst/>
+          </a:prstGeom>
+        </p:spPr>
+      </p:pic>
+      <p:sp>
+        <p:nvSpPr>
+          <p:cNvPr id="4" name="슬라이드 번호 개체 틀 3">
+            <a:extLst>
+              <a:ext uri="{FF2B5EF4-FFF2-40B4-BE49-F238E27FC236}">
+                <a16:creationId xmlns:a16="http://schemas.microsoft.com/office/drawing/2014/main" id="{1C058902-D12A-45AA-B2D2-7F6438547C05}"/>
+              </a:ext>
+            </a:extLst>
+          </p:cNvPr>
+          <p:cNvSpPr>
+            <a:spLocks noGrp="1"/>
+          </p:cNvSpPr>
+          <p:nvPr>
+            <p:ph type="sldNum" sz="quarter" idx="12"/>
+          </p:nvPr>
+        </p:nvSpPr>
+        <p:spPr/>
+        <p:txBody>
+          <a:bodyPr/>
+          <a:lstStyle/>
+          <a:p>
+            <a:fld id="{64F0D409-D3F6-4EEC-8C77-1F5E89989FFB}" type="slidenum">
+              <a:rPr lang="ko-KR" altLang="en-US" smtClean="0"/>
+              <a:t>43</a:t>
+            </a:fld>
+            <a:endParaRPr lang="ko-KR" altLang="en-US"/>
+          </a:p>
+        </p:txBody>
+      </p:sp>
+      <p:pic>
+        <p:nvPicPr>
+          <p:cNvPr id="6" name="그림 5">
+            <a:extLst>
+              <a:ext uri="{FF2B5EF4-FFF2-40B4-BE49-F238E27FC236}">
+                <a16:creationId xmlns:a16="http://schemas.microsoft.com/office/drawing/2014/main" id="{87A156F1-4B65-4AD8-B204-A86192200D4E}"/>
+              </a:ext>
+            </a:extLst>
+          </p:cNvPr>
+          <p:cNvPicPr>
+            <a:picLocks noChangeAspect="1"/>
+          </p:cNvPicPr>
+          <p:nvPr/>
+        </p:nvPicPr>
         <p:blipFill>
-          <a:blip r:embed="rId2"/>
+          <a:blip r:embed="rId3"/>
           <a:stretch>
             <a:fillRect/>
           </a:stretch>
         </p:blipFill>
         <p:spPr>
           <a:xfrm>
-            <a:off x="89062" y="1647826"/>
-            <a:ext cx="8965878" cy="4090986"/>
+            <a:off x="705025" y="1505213"/>
+            <a:ext cx="3866975" cy="4383118"/>
           </a:xfrm>
           <a:prstGeom prst="rect">
             <a:avLst/>
           </a:prstGeom>
         </p:spPr>
       </p:pic>
-      <p:sp>
-        <p:nvSpPr>
-          <p:cNvPr id="4" name="슬라이드 번호 개체 틀 3">
-            <a:extLst>
-              <a:ext uri="{FF2B5EF4-FFF2-40B4-BE49-F238E27FC236}">
-                <a16:creationId xmlns:a16="http://schemas.microsoft.com/office/drawing/2014/main" id="{1C058902-D12A-45AA-B2D2-7F6438547C05}"/>
-              </a:ext>
-            </a:extLst>
-          </p:cNvPr>
-          <p:cNvSpPr>
-            <a:spLocks noGrp="1"/>
-          </p:cNvSpPr>
-          <p:nvPr>
-            <p:ph type="sldNum" sz="quarter" idx="12"/>
-          </p:nvPr>
-        </p:nvSpPr>
-        <p:spPr/>
-        <p:txBody>
-          <a:bodyPr/>
-          <a:lstStyle/>
-          <a:p>
-            <a:fld id="{64F0D409-D3F6-4EEC-8C77-1F5E89989FFB}" type="slidenum">
-              <a:rPr lang="ko-KR" altLang="en-US" smtClean="0"/>
-              <a:t>43</a:t>
-            </a:fld>
-            <a:endParaRPr lang="ko-KR" altLang="en-US"/>
-          </a:p>
-        </p:txBody>
-      </p:sp>
     </p:spTree>
     <p:extLst>
       <p:ext uri="{BB962C8B-B14F-4D97-AF65-F5344CB8AC3E}">
